--- a/Cyclistic Case Study .pptx
+++ b/Cyclistic Case Study .pptx
@@ -1,41 +1,41 @@
 
 <file path=ppt/presentation.xml><?xml version="1.0" encoding="utf-8"?>
-<p:presentation xmlns:a="http://schemas.openxmlformats.org/drawingml/2006/main" xmlns:r="http://schemas.openxmlformats.org/officeDocument/2006/relationships" xmlns:mc="http://schemas.openxmlformats.org/markup-compatibility/2006" xmlns:mv="urn:schemas-microsoft-com:mac:vml" xmlns:p="http://schemas.openxmlformats.org/presentationml/2006/main" xmlns:c="http://schemas.openxmlformats.org/drawingml/2006/chart" xmlns:dgm="http://schemas.openxmlformats.org/drawingml/2006/diagram" xmlns:o="urn:schemas-microsoft-com:office:office" xmlns:v="urn:schemas-microsoft-com:vml" xmlns:pvml="urn:schemas-microsoft-com:office:powerpoint" xmlns:com="http://schemas.openxmlformats.org/drawingml/2006/compatibility" xmlns:p14="http://schemas.microsoft.com/office/powerpoint/2010/main" xmlns:p15="http://schemas.microsoft.com/office/powerpoint/2012/main" xmlns:ahyp="http://schemas.microsoft.com/office/drawing/2018/hyperlinkcolor" autoCompressPictures="0" embedTrueTypeFonts="1" strictFirstAndLastChars="0" saveSubsetFonts="1">
+<p:presentation xmlns:a="http://schemas.openxmlformats.org/drawingml/2006/main" xmlns:r="http://schemas.openxmlformats.org/officeDocument/2006/relationships" xmlns:p="http://schemas.openxmlformats.org/presentationml/2006/main" strictFirstAndLastChars="0" embedTrueTypeFonts="1" saveSubsetFonts="1" autoCompressPictures="0">
   <p:sldMasterIdLst>
-    <p:sldMasterId id="2147483659" r:id="rId4"/>
+    <p:sldMasterId id="2147483659" r:id="rId1"/>
   </p:sldMasterIdLst>
   <p:notesMasterIdLst>
-    <p:notesMasterId r:id="rId5"/>
+    <p:notesMasterId r:id="rId14"/>
   </p:notesMasterIdLst>
   <p:sldIdLst>
-    <p:sldId id="256" r:id="rId6"/>
-    <p:sldId id="257" r:id="rId7"/>
-    <p:sldId id="258" r:id="rId8"/>
-    <p:sldId id="259" r:id="rId9"/>
-    <p:sldId id="260" r:id="rId10"/>
-    <p:sldId id="261" r:id="rId11"/>
-    <p:sldId id="262" r:id="rId12"/>
-    <p:sldId id="263" r:id="rId13"/>
-    <p:sldId id="264" r:id="rId14"/>
-    <p:sldId id="265" r:id="rId15"/>
-    <p:sldId id="266" r:id="rId16"/>
-    <p:sldId id="267" r:id="rId17"/>
+    <p:sldId id="256" r:id="rId2"/>
+    <p:sldId id="257" r:id="rId3"/>
+    <p:sldId id="258" r:id="rId4"/>
+    <p:sldId id="259" r:id="rId5"/>
+    <p:sldId id="260" r:id="rId6"/>
+    <p:sldId id="261" r:id="rId7"/>
+    <p:sldId id="262" r:id="rId8"/>
+    <p:sldId id="263" r:id="rId9"/>
+    <p:sldId id="264" r:id="rId10"/>
+    <p:sldId id="265" r:id="rId11"/>
+    <p:sldId id="266" r:id="rId12"/>
+    <p:sldId id="267" r:id="rId13"/>
   </p:sldIdLst>
-  <p:sldSz cy="5143500" cx="9144000"/>
+  <p:sldSz cx="9144000" cy="5143500" type="screen16x9"/>
   <p:notesSz cx="6858000" cy="9144000"/>
   <p:embeddedFontLst>
     <p:embeddedFont>
-      <p:font typeface="Average"/>
-      <p:regular r:id="rId18"/>
+      <p:font typeface="Average" panose="020B0604020202020204" charset="0"/>
+      <p:regular r:id="rId15"/>
     </p:embeddedFont>
     <p:embeddedFont>
-      <p:font typeface="Oswald"/>
-      <p:regular r:id="rId19"/>
-      <p:bold r:id="rId20"/>
+      <p:font typeface="Oswald" pitchFamily="2" charset="0"/>
+      <p:regular r:id="rId16"/>
+      <p:bold r:id="rId17"/>
     </p:embeddedFont>
   </p:embeddedFontLst>
   <p:defaultTextStyle>
-    <a:defPPr lvl="0" marR="0" rtl="0" algn="l">
+    <a:defPPr marR="0" lvl="0" algn="l" rtl="0">
       <a:lnSpc>
         <a:spcPct val="100000"/>
       </a:lnSpc>
@@ -46,7 +46,7 @@
         <a:spcPts val="0"/>
       </a:spcAft>
     </a:defPPr>
-    <a:lvl1pPr lvl="0" marR="0" rtl="0" algn="l">
+    <a:lvl1pPr marR="0" lvl="0" algn="l" rtl="0">
       <a:lnSpc>
         <a:spcPct val="100000"/>
       </a:lnSpc>
@@ -60,7 +60,7 @@
         <a:srgbClr val="000000"/>
       </a:buClr>
       <a:buFont typeface="Arial"/>
-      <a:defRPr b="0" i="0" sz="1400" u="none" cap="none" strike="noStrike">
+      <a:defRPr sz="1400" b="0" i="0" u="none" strike="noStrike" cap="none">
         <a:solidFill>
           <a:srgbClr val="000000"/>
         </a:solidFill>
@@ -70,7 +70,7 @@
         <a:sym typeface="Arial"/>
       </a:defRPr>
     </a:lvl1pPr>
-    <a:lvl2pPr lvl="1" marR="0" rtl="0" algn="l">
+    <a:lvl2pPr marR="0" lvl="1" algn="l" rtl="0">
       <a:lnSpc>
         <a:spcPct val="100000"/>
       </a:lnSpc>
@@ -84,7 +84,7 @@
         <a:srgbClr val="000000"/>
       </a:buClr>
       <a:buFont typeface="Arial"/>
-      <a:defRPr b="0" i="0" sz="1400" u="none" cap="none" strike="noStrike">
+      <a:defRPr sz="1400" b="0" i="0" u="none" strike="noStrike" cap="none">
         <a:solidFill>
           <a:srgbClr val="000000"/>
         </a:solidFill>
@@ -94,7 +94,7 @@
         <a:sym typeface="Arial"/>
       </a:defRPr>
     </a:lvl2pPr>
-    <a:lvl3pPr lvl="2" marR="0" rtl="0" algn="l">
+    <a:lvl3pPr marR="0" lvl="2" algn="l" rtl="0">
       <a:lnSpc>
         <a:spcPct val="100000"/>
       </a:lnSpc>
@@ -108,7 +108,7 @@
         <a:srgbClr val="000000"/>
       </a:buClr>
       <a:buFont typeface="Arial"/>
-      <a:defRPr b="0" i="0" sz="1400" u="none" cap="none" strike="noStrike">
+      <a:defRPr sz="1400" b="0" i="0" u="none" strike="noStrike" cap="none">
         <a:solidFill>
           <a:srgbClr val="000000"/>
         </a:solidFill>
@@ -118,7 +118,7 @@
         <a:sym typeface="Arial"/>
       </a:defRPr>
     </a:lvl3pPr>
-    <a:lvl4pPr lvl="3" marR="0" rtl="0" algn="l">
+    <a:lvl4pPr marR="0" lvl="3" algn="l" rtl="0">
       <a:lnSpc>
         <a:spcPct val="100000"/>
       </a:lnSpc>
@@ -132,7 +132,7 @@
         <a:srgbClr val="000000"/>
       </a:buClr>
       <a:buFont typeface="Arial"/>
-      <a:defRPr b="0" i="0" sz="1400" u="none" cap="none" strike="noStrike">
+      <a:defRPr sz="1400" b="0" i="0" u="none" strike="noStrike" cap="none">
         <a:solidFill>
           <a:srgbClr val="000000"/>
         </a:solidFill>
@@ -142,7 +142,7 @@
         <a:sym typeface="Arial"/>
       </a:defRPr>
     </a:lvl4pPr>
-    <a:lvl5pPr lvl="4" marR="0" rtl="0" algn="l">
+    <a:lvl5pPr marR="0" lvl="4" algn="l" rtl="0">
       <a:lnSpc>
         <a:spcPct val="100000"/>
       </a:lnSpc>
@@ -156,7 +156,7 @@
         <a:srgbClr val="000000"/>
       </a:buClr>
       <a:buFont typeface="Arial"/>
-      <a:defRPr b="0" i="0" sz="1400" u="none" cap="none" strike="noStrike">
+      <a:defRPr sz="1400" b="0" i="0" u="none" strike="noStrike" cap="none">
         <a:solidFill>
           <a:srgbClr val="000000"/>
         </a:solidFill>
@@ -166,7 +166,7 @@
         <a:sym typeface="Arial"/>
       </a:defRPr>
     </a:lvl5pPr>
-    <a:lvl6pPr lvl="5" marR="0" rtl="0" algn="l">
+    <a:lvl6pPr marR="0" lvl="5" algn="l" rtl="0">
       <a:lnSpc>
         <a:spcPct val="100000"/>
       </a:lnSpc>
@@ -180,7 +180,7 @@
         <a:srgbClr val="000000"/>
       </a:buClr>
       <a:buFont typeface="Arial"/>
-      <a:defRPr b="0" i="0" sz="1400" u="none" cap="none" strike="noStrike">
+      <a:defRPr sz="1400" b="0" i="0" u="none" strike="noStrike" cap="none">
         <a:solidFill>
           <a:srgbClr val="000000"/>
         </a:solidFill>
@@ -190,7 +190,7 @@
         <a:sym typeface="Arial"/>
       </a:defRPr>
     </a:lvl6pPr>
-    <a:lvl7pPr lvl="6" marR="0" rtl="0" algn="l">
+    <a:lvl7pPr marR="0" lvl="6" algn="l" rtl="0">
       <a:lnSpc>
         <a:spcPct val="100000"/>
       </a:lnSpc>
@@ -204,7 +204,7 @@
         <a:srgbClr val="000000"/>
       </a:buClr>
       <a:buFont typeface="Arial"/>
-      <a:defRPr b="0" i="0" sz="1400" u="none" cap="none" strike="noStrike">
+      <a:defRPr sz="1400" b="0" i="0" u="none" strike="noStrike" cap="none">
         <a:solidFill>
           <a:srgbClr val="000000"/>
         </a:solidFill>
@@ -214,7 +214,7 @@
         <a:sym typeface="Arial"/>
       </a:defRPr>
     </a:lvl7pPr>
-    <a:lvl8pPr lvl="7" marR="0" rtl="0" algn="l">
+    <a:lvl8pPr marR="0" lvl="7" algn="l" rtl="0">
       <a:lnSpc>
         <a:spcPct val="100000"/>
       </a:lnSpc>
@@ -228,7 +228,7 @@
         <a:srgbClr val="000000"/>
       </a:buClr>
       <a:buFont typeface="Arial"/>
-      <a:defRPr b="0" i="0" sz="1400" u="none" cap="none" strike="noStrike">
+      <a:defRPr sz="1400" b="0" i="0" u="none" strike="noStrike" cap="none">
         <a:solidFill>
           <a:srgbClr val="000000"/>
         </a:solidFill>
@@ -238,7 +238,7 @@
         <a:sym typeface="Arial"/>
       </a:defRPr>
     </a:lvl8pPr>
-    <a:lvl9pPr lvl="8" marR="0" rtl="0" algn="l">
+    <a:lvl9pPr marR="0" lvl="8" algn="l" rtl="0">
       <a:lnSpc>
         <a:spcPct val="100000"/>
       </a:lnSpc>
@@ -252,7 +252,7 @@
         <a:srgbClr val="000000"/>
       </a:buClr>
       <a:buFont typeface="Arial"/>
-      <a:defRPr b="0" i="0" sz="1400" u="none" cap="none" strike="noStrike">
+      <a:defRPr sz="1400" b="0" i="0" u="none" strike="noStrike" cap="none">
         <a:solidFill>
           <a:srgbClr val="000000"/>
         </a:solidFill>
@@ -265,7 +265,7 @@
   </p:defaultTextStyle>
   <p:extLst>
     <p:ext uri="{EFAFB233-063F-42B5-8137-9DF3F51BA10A}">
-      <p15:sldGuideLst>
+      <p15:sldGuideLst xmlns:p15="http://schemas.microsoft.com/office/powerpoint/2012/main">
         <p15:guide id="1" orient="horz" pos="1620">
           <p15:clr>
             <a:srgbClr val="747775"/>
@@ -283,11 +283,16 @@
 </file>
 
 <file path=ppt/notesMasters/notesMaster1.xml><?xml version="1.0" encoding="utf-8"?>
-<p:notesMaster xmlns:a="http://schemas.openxmlformats.org/drawingml/2006/main" xmlns:r="http://schemas.openxmlformats.org/officeDocument/2006/relationships" xmlns:mc="http://schemas.openxmlformats.org/markup-compatibility/2006" xmlns:mv="urn:schemas-microsoft-com:mac:vml" xmlns:p="http://schemas.openxmlformats.org/presentationml/2006/main" xmlns:c="http://schemas.openxmlformats.org/drawingml/2006/chart" xmlns:dgm="http://schemas.openxmlformats.org/drawingml/2006/diagram" xmlns:o="urn:schemas-microsoft-com:office:office" xmlns:v="urn:schemas-microsoft-com:vml" xmlns:pvml="urn:schemas-microsoft-com:office:powerpoint" xmlns:com="http://schemas.openxmlformats.org/drawingml/2006/compatibility" xmlns:p14="http://schemas.microsoft.com/office/powerpoint/2010/main" xmlns:p15="http://schemas.microsoft.com/office/powerpoint/2012/main" xmlns:ahyp="http://schemas.microsoft.com/office/drawing/2018/hyperlinkcolor">
+<p:notesMaster xmlns:a="http://schemas.openxmlformats.org/drawingml/2006/main" xmlns:r="http://schemas.openxmlformats.org/officeDocument/2006/relationships" xmlns:p="http://schemas.openxmlformats.org/presentationml/2006/main">
   <p:cSld>
+    <p:bg>
+      <p:bgRef idx="1001">
+        <a:schemeClr val="bg1"/>
+      </p:bgRef>
+    </p:bg>
     <p:spTree>
       <p:nvGrpSpPr>
-        <p:cNvPr id="2" name="Shape 2"/>
+        <p:cNvPr id="1" name="Shape 2"/>
         <p:cNvGrpSpPr/>
         <p:nvPr/>
       </p:nvGrpSpPr>
@@ -302,9 +307,11 @@
       <p:sp>
         <p:nvSpPr>
           <p:cNvPr id="3" name="Google Shape;3;n"/>
-          <p:cNvSpPr/>
+          <p:cNvSpPr>
+            <a:spLocks noGrp="1" noRot="1" noChangeAspect="1"/>
+          </p:cNvSpPr>
           <p:nvPr>
-            <p:ph idx="2" type="sldImg"/>
+            <p:ph type="sldImg" idx="2"/>
           </p:nvPr>
         </p:nvSpPr>
         <p:spPr>
@@ -313,9 +320,13 @@
             <a:ext cx="6096075" cy="3429000"/>
           </a:xfrm>
           <a:custGeom>
-            <a:rect b="b" l="l" r="r" t="t"/>
+            <a:avLst/>
+            <a:gdLst/>
+            <a:ahLst/>
+            <a:cxnLst/>
+            <a:rect l="l" t="t" r="r" b="b"/>
             <a:pathLst>
-              <a:path extrusionOk="0" h="120000" w="120000">
+              <a:path w="120000" h="120000" extrusionOk="0">
                 <a:moveTo>
                   <a:pt x="0" y="0"/>
                 </a:moveTo>
@@ -333,23 +344,25 @@
             </a:pathLst>
           </a:custGeom>
           <a:noFill/>
-          <a:ln cap="flat" cmpd="sng" w="9525">
+          <a:ln w="9525" cap="flat" cmpd="sng">
             <a:solidFill>
               <a:srgbClr val="000000"/>
             </a:solidFill>
             <a:prstDash val="solid"/>
             <a:round/>
-            <a:headEnd len="sm" w="sm" type="none"/>
-            <a:tailEnd len="sm" w="sm" type="none"/>
+            <a:headEnd type="none" w="sm" len="sm"/>
+            <a:tailEnd type="none" w="sm" len="sm"/>
           </a:ln>
         </p:spPr>
       </p:sp>
       <p:sp>
         <p:nvSpPr>
           <p:cNvPr id="4" name="Google Shape;4;n"/>
-          <p:cNvSpPr txBox="1"/>
+          <p:cNvSpPr txBox="1">
+            <a:spLocks noGrp="1"/>
+          </p:cNvSpPr>
           <p:nvPr>
-            <p:ph idx="1" type="body"/>
+            <p:ph type="body" idx="1"/>
           </p:nvPr>
         </p:nvSpPr>
         <p:spPr>
@@ -366,11 +379,11 @@
           </a:ln>
         </p:spPr>
         <p:txBody>
-          <a:bodyPr anchorCtr="0" anchor="t" bIns="91425" lIns="91425" spcFirstLastPara="1" rIns="91425" wrap="square" tIns="91425">
+          <a:bodyPr spcFirstLastPara="1" wrap="square" lIns="91425" tIns="91425" rIns="91425" bIns="91425" anchor="t" anchorCtr="0">
             <a:noAutofit/>
           </a:bodyPr>
           <a:lstStyle>
-            <a:lvl1pPr indent="-317500" lvl="0" marL="457200">
+            <a:lvl1pPr marL="457200" lvl="0" indent="-317500">
               <a:spcBef>
                 <a:spcPts val="0"/>
               </a:spcBef>
@@ -381,7 +394,7 @@
               <a:buChar char="●"/>
               <a:defRPr sz="1100"/>
             </a:lvl1pPr>
-            <a:lvl2pPr indent="-317500" lvl="1" marL="914400">
+            <a:lvl2pPr marL="914400" lvl="1" indent="-317500">
               <a:spcBef>
                 <a:spcPts val="0"/>
               </a:spcBef>
@@ -392,7 +405,7 @@
               <a:buChar char="○"/>
               <a:defRPr sz="1100"/>
             </a:lvl2pPr>
-            <a:lvl3pPr indent="-317500" lvl="2" marL="1371600">
+            <a:lvl3pPr marL="1371600" lvl="2" indent="-317500">
               <a:spcBef>
                 <a:spcPts val="0"/>
               </a:spcBef>
@@ -403,7 +416,7 @@
               <a:buChar char="■"/>
               <a:defRPr sz="1100"/>
             </a:lvl3pPr>
-            <a:lvl4pPr indent="-317500" lvl="3" marL="1828800">
+            <a:lvl4pPr marL="1828800" lvl="3" indent="-317500">
               <a:spcBef>
                 <a:spcPts val="0"/>
               </a:spcBef>
@@ -414,7 +427,7 @@
               <a:buChar char="●"/>
               <a:defRPr sz="1100"/>
             </a:lvl4pPr>
-            <a:lvl5pPr indent="-317500" lvl="4" marL="2286000">
+            <a:lvl5pPr marL="2286000" lvl="4" indent="-317500">
               <a:spcBef>
                 <a:spcPts val="0"/>
               </a:spcBef>
@@ -425,7 +438,7 @@
               <a:buChar char="○"/>
               <a:defRPr sz="1100"/>
             </a:lvl5pPr>
-            <a:lvl6pPr indent="-317500" lvl="5" marL="2743200">
+            <a:lvl6pPr marL="2743200" lvl="5" indent="-317500">
               <a:spcBef>
                 <a:spcPts val="0"/>
               </a:spcBef>
@@ -436,7 +449,7 @@
               <a:buChar char="■"/>
               <a:defRPr sz="1100"/>
             </a:lvl6pPr>
-            <a:lvl7pPr indent="-317500" lvl="6" marL="3200400">
+            <a:lvl7pPr marL="3200400" lvl="6" indent="-317500">
               <a:spcBef>
                 <a:spcPts val="0"/>
               </a:spcBef>
@@ -447,7 +460,7 @@
               <a:buChar char="●"/>
               <a:defRPr sz="1100"/>
             </a:lvl7pPr>
-            <a:lvl8pPr indent="-317500" lvl="7" marL="3657600">
+            <a:lvl8pPr marL="3657600" lvl="7" indent="-317500">
               <a:spcBef>
                 <a:spcPts val="0"/>
               </a:spcBef>
@@ -458,7 +471,7 @@
               <a:buChar char="○"/>
               <a:defRPr sz="1100"/>
             </a:lvl8pPr>
-            <a:lvl9pPr indent="-317500" lvl="8" marL="4114800">
+            <a:lvl9pPr marL="4114800" lvl="8" indent="-317500">
               <a:spcBef>
                 <a:spcPts val="0"/>
               </a:spcBef>
@@ -470,14 +483,16 @@
               <a:defRPr sz="1100"/>
             </a:lvl9pPr>
           </a:lstStyle>
-          <a:p/>
+          <a:p>
+            <a:endParaRPr/>
+          </a:p>
         </p:txBody>
       </p:sp>
     </p:spTree>
   </p:cSld>
-  <p:clrMap accent1="accent1" accent2="accent2" accent3="accent3" accent4="accent4" accent5="accent5" accent6="accent6" bg1="lt1" bg2="dk2" tx1="dk1" tx2="lt2" folHlink="folHlink" hlink="hlink"/>
+  <p:clrMap bg1="lt1" tx1="dk1" bg2="dk2" tx2="lt2" accent1="accent1" accent2="accent2" accent3="accent3" accent4="accent4" accent5="accent5" accent6="accent6" hlink="hlink" folHlink="folHlink"/>
   <p:notesStyle>
-    <a:defPPr lvl="0" marR="0" rtl="0" algn="l">
+    <a:defPPr marR="0" lvl="0" algn="l" rtl="0">
       <a:lnSpc>
         <a:spcPct val="100000"/>
       </a:lnSpc>
@@ -488,7 +503,7 @@
         <a:spcPts val="0"/>
       </a:spcAft>
     </a:defPPr>
-    <a:lvl1pPr lvl="0" marR="0" rtl="0" algn="l">
+    <a:lvl1pPr marR="0" lvl="0" algn="l" rtl="0">
       <a:lnSpc>
         <a:spcPct val="100000"/>
       </a:lnSpc>
@@ -502,7 +517,7 @@
         <a:srgbClr val="000000"/>
       </a:buClr>
       <a:buFont typeface="Arial"/>
-      <a:defRPr b="0" i="0" sz="1400" u="none" cap="none" strike="noStrike">
+      <a:defRPr sz="1400" b="0" i="0" u="none" strike="noStrike" cap="none">
         <a:solidFill>
           <a:srgbClr val="000000"/>
         </a:solidFill>
@@ -512,7 +527,7 @@
         <a:sym typeface="Arial"/>
       </a:defRPr>
     </a:lvl1pPr>
-    <a:lvl2pPr lvl="1" marR="0" rtl="0" algn="l">
+    <a:lvl2pPr marR="0" lvl="1" algn="l" rtl="0">
       <a:lnSpc>
         <a:spcPct val="100000"/>
       </a:lnSpc>
@@ -526,7 +541,7 @@
         <a:srgbClr val="000000"/>
       </a:buClr>
       <a:buFont typeface="Arial"/>
-      <a:defRPr b="0" i="0" sz="1400" u="none" cap="none" strike="noStrike">
+      <a:defRPr sz="1400" b="0" i="0" u="none" strike="noStrike" cap="none">
         <a:solidFill>
           <a:srgbClr val="000000"/>
         </a:solidFill>
@@ -536,7 +551,7 @@
         <a:sym typeface="Arial"/>
       </a:defRPr>
     </a:lvl2pPr>
-    <a:lvl3pPr lvl="2" marR="0" rtl="0" algn="l">
+    <a:lvl3pPr marR="0" lvl="2" algn="l" rtl="0">
       <a:lnSpc>
         <a:spcPct val="100000"/>
       </a:lnSpc>
@@ -550,7 +565,7 @@
         <a:srgbClr val="000000"/>
       </a:buClr>
       <a:buFont typeface="Arial"/>
-      <a:defRPr b="0" i="0" sz="1400" u="none" cap="none" strike="noStrike">
+      <a:defRPr sz="1400" b="0" i="0" u="none" strike="noStrike" cap="none">
         <a:solidFill>
           <a:srgbClr val="000000"/>
         </a:solidFill>
@@ -560,7 +575,7 @@
         <a:sym typeface="Arial"/>
       </a:defRPr>
     </a:lvl3pPr>
-    <a:lvl4pPr lvl="3" marR="0" rtl="0" algn="l">
+    <a:lvl4pPr marR="0" lvl="3" algn="l" rtl="0">
       <a:lnSpc>
         <a:spcPct val="100000"/>
       </a:lnSpc>
@@ -574,7 +589,7 @@
         <a:srgbClr val="000000"/>
       </a:buClr>
       <a:buFont typeface="Arial"/>
-      <a:defRPr b="0" i="0" sz="1400" u="none" cap="none" strike="noStrike">
+      <a:defRPr sz="1400" b="0" i="0" u="none" strike="noStrike" cap="none">
         <a:solidFill>
           <a:srgbClr val="000000"/>
         </a:solidFill>
@@ -584,7 +599,7 @@
         <a:sym typeface="Arial"/>
       </a:defRPr>
     </a:lvl4pPr>
-    <a:lvl5pPr lvl="4" marR="0" rtl="0" algn="l">
+    <a:lvl5pPr marR="0" lvl="4" algn="l" rtl="0">
       <a:lnSpc>
         <a:spcPct val="100000"/>
       </a:lnSpc>
@@ -598,7 +613,7 @@
         <a:srgbClr val="000000"/>
       </a:buClr>
       <a:buFont typeface="Arial"/>
-      <a:defRPr b="0" i="0" sz="1400" u="none" cap="none" strike="noStrike">
+      <a:defRPr sz="1400" b="0" i="0" u="none" strike="noStrike" cap="none">
         <a:solidFill>
           <a:srgbClr val="000000"/>
         </a:solidFill>
@@ -608,7 +623,7 @@
         <a:sym typeface="Arial"/>
       </a:defRPr>
     </a:lvl5pPr>
-    <a:lvl6pPr lvl="5" marR="0" rtl="0" algn="l">
+    <a:lvl6pPr marR="0" lvl="5" algn="l" rtl="0">
       <a:lnSpc>
         <a:spcPct val="100000"/>
       </a:lnSpc>
@@ -622,7 +637,7 @@
         <a:srgbClr val="000000"/>
       </a:buClr>
       <a:buFont typeface="Arial"/>
-      <a:defRPr b="0" i="0" sz="1400" u="none" cap="none" strike="noStrike">
+      <a:defRPr sz="1400" b="0" i="0" u="none" strike="noStrike" cap="none">
         <a:solidFill>
           <a:srgbClr val="000000"/>
         </a:solidFill>
@@ -632,7 +647,7 @@
         <a:sym typeface="Arial"/>
       </a:defRPr>
     </a:lvl6pPr>
-    <a:lvl7pPr lvl="6" marR="0" rtl="0" algn="l">
+    <a:lvl7pPr marR="0" lvl="6" algn="l" rtl="0">
       <a:lnSpc>
         <a:spcPct val="100000"/>
       </a:lnSpc>
@@ -646,7 +661,7 @@
         <a:srgbClr val="000000"/>
       </a:buClr>
       <a:buFont typeface="Arial"/>
-      <a:defRPr b="0" i="0" sz="1400" u="none" cap="none" strike="noStrike">
+      <a:defRPr sz="1400" b="0" i="0" u="none" strike="noStrike" cap="none">
         <a:solidFill>
           <a:srgbClr val="000000"/>
         </a:solidFill>
@@ -656,7 +671,7 @@
         <a:sym typeface="Arial"/>
       </a:defRPr>
     </a:lvl7pPr>
-    <a:lvl8pPr lvl="7" marR="0" rtl="0" algn="l">
+    <a:lvl8pPr marR="0" lvl="7" algn="l" rtl="0">
       <a:lnSpc>
         <a:spcPct val="100000"/>
       </a:lnSpc>
@@ -670,7 +685,7 @@
         <a:srgbClr val="000000"/>
       </a:buClr>
       <a:buFont typeface="Arial"/>
-      <a:defRPr b="0" i="0" sz="1400" u="none" cap="none" strike="noStrike">
+      <a:defRPr sz="1400" b="0" i="0" u="none" strike="noStrike" cap="none">
         <a:solidFill>
           <a:srgbClr val="000000"/>
         </a:solidFill>
@@ -680,7 +695,7 @@
         <a:sym typeface="Arial"/>
       </a:defRPr>
     </a:lvl8pPr>
-    <a:lvl9pPr lvl="8" marR="0" rtl="0" algn="l">
+    <a:lvl9pPr marR="0" lvl="8" algn="l" rtl="0">
       <a:lnSpc>
         <a:spcPct val="100000"/>
       </a:lnSpc>
@@ -694,7 +709,7 @@
         <a:srgbClr val="000000"/>
       </a:buClr>
       <a:buFont typeface="Arial"/>
-      <a:defRPr b="0" i="0" sz="1400" u="none" cap="none" strike="noStrike">
+      <a:defRPr sz="1400" b="0" i="0" u="none" strike="noStrike" cap="none">
         <a:solidFill>
           <a:srgbClr val="000000"/>
         </a:solidFill>
@@ -709,11 +724,11 @@
 </file>
 
 <file path=ppt/notesSlides/notesSlide1.xml><?xml version="1.0" encoding="utf-8"?>
-<p:notes xmlns:a="http://schemas.openxmlformats.org/drawingml/2006/main" xmlns:r="http://schemas.openxmlformats.org/officeDocument/2006/relationships" xmlns:mc="http://schemas.openxmlformats.org/markup-compatibility/2006" xmlns:mv="urn:schemas-microsoft-com:mac:vml" xmlns:p="http://schemas.openxmlformats.org/presentationml/2006/main" xmlns:c="http://schemas.openxmlformats.org/drawingml/2006/chart" xmlns:dgm="http://schemas.openxmlformats.org/drawingml/2006/diagram" xmlns:o="urn:schemas-microsoft-com:office:office" xmlns:v="urn:schemas-microsoft-com:vml" xmlns:pvml="urn:schemas-microsoft-com:office:powerpoint" xmlns:com="http://schemas.openxmlformats.org/drawingml/2006/compatibility" xmlns:p14="http://schemas.microsoft.com/office/powerpoint/2010/main" xmlns:p15="http://schemas.microsoft.com/office/powerpoint/2012/main" xmlns:ahyp="http://schemas.microsoft.com/office/drawing/2018/hyperlinkcolor" showMasterPhAnim="0" showMasterSp="0">
+<p:notes xmlns:a="http://schemas.openxmlformats.org/drawingml/2006/main" xmlns:r="http://schemas.openxmlformats.org/officeDocument/2006/relationships" xmlns:p="http://schemas.openxmlformats.org/presentationml/2006/main" showMasterSp="0" showMasterPhAnim="0">
   <p:cSld>
     <p:spTree>
       <p:nvGrpSpPr>
-        <p:cNvPr id="55" name="Shape 55"/>
+        <p:cNvPr id="1" name="Shape 55"/>
         <p:cNvGrpSpPr/>
         <p:nvPr/>
       </p:nvGrpSpPr>
@@ -728,20 +743,26 @@
       <p:sp>
         <p:nvSpPr>
           <p:cNvPr id="56" name="Google Shape;56;gc6f980f91_0_0:notes"/>
-          <p:cNvSpPr/>
+          <p:cNvSpPr>
+            <a:spLocks noGrp="1" noRot="1" noChangeAspect="1"/>
+          </p:cNvSpPr>
           <p:nvPr>
-            <p:ph idx="2" type="sldImg"/>
+            <p:ph type="sldImg" idx="2"/>
           </p:nvPr>
         </p:nvSpPr>
         <p:spPr>
           <a:xfrm>
-            <a:off x="381188" y="685800"/>
-            <a:ext cx="6096300" cy="3429000"/>
+            <a:off x="381000" y="685800"/>
+            <a:ext cx="6096000" cy="3429000"/>
           </a:xfrm>
           <a:custGeom>
-            <a:rect b="b" l="l" r="r" t="t"/>
+            <a:avLst/>
+            <a:gdLst/>
+            <a:ahLst/>
+            <a:cxnLst/>
+            <a:rect l="l" t="t" r="r" b="b"/>
             <a:pathLst>
-              <a:path extrusionOk="0" h="120000" w="120000">
+              <a:path w="120000" h="120000" extrusionOk="0">
                 <a:moveTo>
                   <a:pt x="0" y="0"/>
                 </a:moveTo>
@@ -763,9 +784,11 @@
       <p:sp>
         <p:nvSpPr>
           <p:cNvPr id="57" name="Google Shape;57;gc6f980f91_0_0:notes"/>
-          <p:cNvSpPr txBox="1"/>
+          <p:cNvSpPr txBox="1">
+            <a:spLocks noGrp="1"/>
+          </p:cNvSpPr>
           <p:nvPr>
-            <p:ph idx="1" type="body"/>
+            <p:ph type="body" idx="1"/>
           </p:nvPr>
         </p:nvSpPr>
         <p:spPr>
@@ -778,12 +801,12 @@
           </a:prstGeom>
         </p:spPr>
         <p:txBody>
-          <a:bodyPr anchorCtr="0" anchor="t" bIns="91425" lIns="91425" spcFirstLastPara="1" rIns="91425" wrap="square" tIns="91425">
+          <a:bodyPr spcFirstLastPara="1" wrap="square" lIns="91425" tIns="91425" rIns="91425" bIns="91425" anchor="t" anchorCtr="0">
             <a:noAutofit/>
           </a:bodyPr>
           <a:lstStyle/>
           <a:p>
-            <a:pPr indent="0" lvl="0" marL="0" rtl="0" algn="l">
+            <a:pPr marL="0" lvl="0" indent="0" algn="l" rtl="0">
               <a:spcBef>
                 <a:spcPts val="0"/>
               </a:spcBef>
@@ -792,9 +815,6 @@
               </a:spcAft>
               <a:buNone/>
             </a:pPr>
-            <a:r>
-              <a:t/>
-            </a:r>
             <a:endParaRPr/>
           </a:p>
         </p:txBody>
@@ -808,11 +828,11 @@
 </file>
 
 <file path=ppt/notesSlides/notesSlide10.xml><?xml version="1.0" encoding="utf-8"?>
-<p:notes xmlns:a="http://schemas.openxmlformats.org/drawingml/2006/main" xmlns:r="http://schemas.openxmlformats.org/officeDocument/2006/relationships" xmlns:mc="http://schemas.openxmlformats.org/markup-compatibility/2006" xmlns:mv="urn:schemas-microsoft-com:mac:vml" xmlns:p="http://schemas.openxmlformats.org/presentationml/2006/main" xmlns:c="http://schemas.openxmlformats.org/drawingml/2006/chart" xmlns:dgm="http://schemas.openxmlformats.org/drawingml/2006/diagram" xmlns:o="urn:schemas-microsoft-com:office:office" xmlns:v="urn:schemas-microsoft-com:vml" xmlns:pvml="urn:schemas-microsoft-com:office:powerpoint" xmlns:com="http://schemas.openxmlformats.org/drawingml/2006/compatibility" xmlns:p14="http://schemas.microsoft.com/office/powerpoint/2010/main" xmlns:p15="http://schemas.microsoft.com/office/powerpoint/2012/main" xmlns:ahyp="http://schemas.microsoft.com/office/drawing/2018/hyperlinkcolor" showMasterPhAnim="0" showMasterSp="0">
+<p:notes xmlns:a="http://schemas.openxmlformats.org/drawingml/2006/main" xmlns:r="http://schemas.openxmlformats.org/officeDocument/2006/relationships" xmlns:p="http://schemas.openxmlformats.org/presentationml/2006/main" showMasterSp="0" showMasterPhAnim="0">
   <p:cSld>
     <p:spTree>
       <p:nvGrpSpPr>
-        <p:cNvPr id="113" name="Shape 113"/>
+        <p:cNvPr id="1" name="Shape 113"/>
         <p:cNvGrpSpPr/>
         <p:nvPr/>
       </p:nvGrpSpPr>
@@ -827,20 +847,26 @@
       <p:sp>
         <p:nvSpPr>
           <p:cNvPr id="114" name="Google Shape;114;g1dfb89cbce2_0_51:notes"/>
-          <p:cNvSpPr/>
+          <p:cNvSpPr>
+            <a:spLocks noGrp="1" noRot="1" noChangeAspect="1"/>
+          </p:cNvSpPr>
           <p:nvPr>
-            <p:ph idx="2" type="sldImg"/>
+            <p:ph type="sldImg" idx="2"/>
           </p:nvPr>
         </p:nvSpPr>
         <p:spPr>
           <a:xfrm>
-            <a:off x="381188" y="685800"/>
-            <a:ext cx="6096300" cy="3429000"/>
+            <a:off x="381000" y="685800"/>
+            <a:ext cx="6096000" cy="3429000"/>
           </a:xfrm>
           <a:custGeom>
-            <a:rect b="b" l="l" r="r" t="t"/>
+            <a:avLst/>
+            <a:gdLst/>
+            <a:ahLst/>
+            <a:cxnLst/>
+            <a:rect l="l" t="t" r="r" b="b"/>
             <a:pathLst>
-              <a:path extrusionOk="0" h="120000" w="120000">
+              <a:path w="120000" h="120000" extrusionOk="0">
                 <a:moveTo>
                   <a:pt x="0" y="0"/>
                 </a:moveTo>
@@ -862,9 +888,11 @@
       <p:sp>
         <p:nvSpPr>
           <p:cNvPr id="115" name="Google Shape;115;g1dfb89cbce2_0_51:notes"/>
-          <p:cNvSpPr txBox="1"/>
+          <p:cNvSpPr txBox="1">
+            <a:spLocks noGrp="1"/>
+          </p:cNvSpPr>
           <p:nvPr>
-            <p:ph idx="1" type="body"/>
+            <p:ph type="body" idx="1"/>
           </p:nvPr>
         </p:nvSpPr>
         <p:spPr>
@@ -877,12 +905,12 @@
           </a:prstGeom>
         </p:spPr>
         <p:txBody>
-          <a:bodyPr anchorCtr="0" anchor="t" bIns="91425" lIns="91425" spcFirstLastPara="1" rIns="91425" wrap="square" tIns="91425">
+          <a:bodyPr spcFirstLastPara="1" wrap="square" lIns="91425" tIns="91425" rIns="91425" bIns="91425" anchor="t" anchorCtr="0">
             <a:noAutofit/>
           </a:bodyPr>
           <a:lstStyle/>
           <a:p>
-            <a:pPr indent="0" lvl="0" marL="0" rtl="0" algn="l">
+            <a:pPr marL="0" lvl="0" indent="0" algn="l" rtl="0">
               <a:spcBef>
                 <a:spcPts val="0"/>
               </a:spcBef>
@@ -891,9 +919,6 @@
               </a:spcAft>
               <a:buNone/>
             </a:pPr>
-            <a:r>
-              <a:t/>
-            </a:r>
             <a:endParaRPr/>
           </a:p>
         </p:txBody>
@@ -907,11 +932,11 @@
 </file>
 
 <file path=ppt/notesSlides/notesSlide11.xml><?xml version="1.0" encoding="utf-8"?>
-<p:notes xmlns:a="http://schemas.openxmlformats.org/drawingml/2006/main" xmlns:r="http://schemas.openxmlformats.org/officeDocument/2006/relationships" xmlns:mc="http://schemas.openxmlformats.org/markup-compatibility/2006" xmlns:mv="urn:schemas-microsoft-com:mac:vml" xmlns:p="http://schemas.openxmlformats.org/presentationml/2006/main" xmlns:c="http://schemas.openxmlformats.org/drawingml/2006/chart" xmlns:dgm="http://schemas.openxmlformats.org/drawingml/2006/diagram" xmlns:o="urn:schemas-microsoft-com:office:office" xmlns:v="urn:schemas-microsoft-com:vml" xmlns:pvml="urn:schemas-microsoft-com:office:powerpoint" xmlns:com="http://schemas.openxmlformats.org/drawingml/2006/compatibility" xmlns:p14="http://schemas.microsoft.com/office/powerpoint/2010/main" xmlns:p15="http://schemas.microsoft.com/office/powerpoint/2012/main" xmlns:ahyp="http://schemas.microsoft.com/office/drawing/2018/hyperlinkcolor" showMasterPhAnim="0" showMasterSp="0">
+<p:notes xmlns:a="http://schemas.openxmlformats.org/drawingml/2006/main" xmlns:r="http://schemas.openxmlformats.org/officeDocument/2006/relationships" xmlns:p="http://schemas.openxmlformats.org/presentationml/2006/main" showMasterSp="0" showMasterPhAnim="0">
   <p:cSld>
     <p:spTree>
       <p:nvGrpSpPr>
-        <p:cNvPr id="118" name="Shape 118"/>
+        <p:cNvPr id="1" name="Shape 118"/>
         <p:cNvGrpSpPr/>
         <p:nvPr/>
       </p:nvGrpSpPr>
@@ -926,20 +951,26 @@
       <p:sp>
         <p:nvSpPr>
           <p:cNvPr id="119" name="Google Shape;119;gc6f980f91_0_37:notes"/>
-          <p:cNvSpPr/>
+          <p:cNvSpPr>
+            <a:spLocks noGrp="1" noRot="1" noChangeAspect="1"/>
+          </p:cNvSpPr>
           <p:nvPr>
-            <p:ph idx="2" type="sldImg"/>
+            <p:ph type="sldImg" idx="2"/>
           </p:nvPr>
         </p:nvSpPr>
         <p:spPr>
           <a:xfrm>
-            <a:off x="381188" y="685800"/>
-            <a:ext cx="6096300" cy="3429000"/>
+            <a:off x="381000" y="685800"/>
+            <a:ext cx="6096000" cy="3429000"/>
           </a:xfrm>
           <a:custGeom>
-            <a:rect b="b" l="l" r="r" t="t"/>
+            <a:avLst/>
+            <a:gdLst/>
+            <a:ahLst/>
+            <a:cxnLst/>
+            <a:rect l="l" t="t" r="r" b="b"/>
             <a:pathLst>
-              <a:path extrusionOk="0" h="120000" w="120000">
+              <a:path w="120000" h="120000" extrusionOk="0">
                 <a:moveTo>
                   <a:pt x="0" y="0"/>
                 </a:moveTo>
@@ -961,9 +992,11 @@
       <p:sp>
         <p:nvSpPr>
           <p:cNvPr id="120" name="Google Shape;120;gc6f980f91_0_37:notes"/>
-          <p:cNvSpPr txBox="1"/>
+          <p:cNvSpPr txBox="1">
+            <a:spLocks noGrp="1"/>
+          </p:cNvSpPr>
           <p:nvPr>
-            <p:ph idx="1" type="body"/>
+            <p:ph type="body" idx="1"/>
           </p:nvPr>
         </p:nvSpPr>
         <p:spPr>
@@ -976,12 +1009,12 @@
           </a:prstGeom>
         </p:spPr>
         <p:txBody>
-          <a:bodyPr anchorCtr="0" anchor="t" bIns="91425" lIns="91425" spcFirstLastPara="1" rIns="91425" wrap="square" tIns="91425">
+          <a:bodyPr spcFirstLastPara="1" wrap="square" lIns="91425" tIns="91425" rIns="91425" bIns="91425" anchor="t" anchorCtr="0">
             <a:noAutofit/>
           </a:bodyPr>
           <a:lstStyle/>
           <a:p>
-            <a:pPr indent="0" lvl="0" marL="0" rtl="0" algn="l">
+            <a:pPr marL="0" lvl="0" indent="0" algn="l" rtl="0">
               <a:spcBef>
                 <a:spcPts val="0"/>
               </a:spcBef>
@@ -990,9 +1023,6 @@
               </a:spcAft>
               <a:buNone/>
             </a:pPr>
-            <a:r>
-              <a:t/>
-            </a:r>
             <a:endParaRPr/>
           </a:p>
         </p:txBody>
@@ -1006,11 +1036,11 @@
 </file>
 
 <file path=ppt/notesSlides/notesSlide12.xml><?xml version="1.0" encoding="utf-8"?>
-<p:notes xmlns:a="http://schemas.openxmlformats.org/drawingml/2006/main" xmlns:r="http://schemas.openxmlformats.org/officeDocument/2006/relationships" xmlns:mc="http://schemas.openxmlformats.org/markup-compatibility/2006" xmlns:mv="urn:schemas-microsoft-com:mac:vml" xmlns:p="http://schemas.openxmlformats.org/presentationml/2006/main" xmlns:c="http://schemas.openxmlformats.org/drawingml/2006/chart" xmlns:dgm="http://schemas.openxmlformats.org/drawingml/2006/diagram" xmlns:o="urn:schemas-microsoft-com:office:office" xmlns:v="urn:schemas-microsoft-com:vml" xmlns:pvml="urn:schemas-microsoft-com:office:powerpoint" xmlns:com="http://schemas.openxmlformats.org/drawingml/2006/compatibility" xmlns:p14="http://schemas.microsoft.com/office/powerpoint/2010/main" xmlns:p15="http://schemas.microsoft.com/office/powerpoint/2012/main" xmlns:ahyp="http://schemas.microsoft.com/office/drawing/2018/hyperlinkcolor" showMasterPhAnim="0" showMasterSp="0">
+<p:notes xmlns:a="http://schemas.openxmlformats.org/drawingml/2006/main" xmlns:r="http://schemas.openxmlformats.org/officeDocument/2006/relationships" xmlns:p="http://schemas.openxmlformats.org/presentationml/2006/main" showMasterSp="0" showMasterPhAnim="0">
   <p:cSld>
     <p:spTree>
       <p:nvGrpSpPr>
-        <p:cNvPr id="124" name="Shape 124"/>
+        <p:cNvPr id="1" name="Shape 124"/>
         <p:cNvGrpSpPr/>
         <p:nvPr/>
       </p:nvGrpSpPr>
@@ -1025,20 +1055,26 @@
       <p:sp>
         <p:nvSpPr>
           <p:cNvPr id="125" name="Google Shape;125;g1dfb89cbce2_0_61:notes"/>
-          <p:cNvSpPr/>
+          <p:cNvSpPr>
+            <a:spLocks noGrp="1" noRot="1" noChangeAspect="1"/>
+          </p:cNvSpPr>
           <p:nvPr>
-            <p:ph idx="2" type="sldImg"/>
+            <p:ph type="sldImg" idx="2"/>
           </p:nvPr>
         </p:nvSpPr>
         <p:spPr>
           <a:xfrm>
-            <a:off x="381188" y="685800"/>
-            <a:ext cx="6096300" cy="3429000"/>
+            <a:off x="381000" y="685800"/>
+            <a:ext cx="6096000" cy="3429000"/>
           </a:xfrm>
           <a:custGeom>
-            <a:rect b="b" l="l" r="r" t="t"/>
+            <a:avLst/>
+            <a:gdLst/>
+            <a:ahLst/>
+            <a:cxnLst/>
+            <a:rect l="l" t="t" r="r" b="b"/>
             <a:pathLst>
-              <a:path extrusionOk="0" h="120000" w="120000">
+              <a:path w="120000" h="120000" extrusionOk="0">
                 <a:moveTo>
                   <a:pt x="0" y="0"/>
                 </a:moveTo>
@@ -1060,9 +1096,11 @@
       <p:sp>
         <p:nvSpPr>
           <p:cNvPr id="126" name="Google Shape;126;g1dfb89cbce2_0_61:notes"/>
-          <p:cNvSpPr txBox="1"/>
+          <p:cNvSpPr txBox="1">
+            <a:spLocks noGrp="1"/>
+          </p:cNvSpPr>
           <p:nvPr>
-            <p:ph idx="1" type="body"/>
+            <p:ph type="body" idx="1"/>
           </p:nvPr>
         </p:nvSpPr>
         <p:spPr>
@@ -1075,12 +1113,12 @@
           </a:prstGeom>
         </p:spPr>
         <p:txBody>
-          <a:bodyPr anchorCtr="0" anchor="t" bIns="91425" lIns="91425" spcFirstLastPara="1" rIns="91425" wrap="square" tIns="91425">
+          <a:bodyPr spcFirstLastPara="1" wrap="square" lIns="91425" tIns="91425" rIns="91425" bIns="91425" anchor="t" anchorCtr="0">
             <a:noAutofit/>
           </a:bodyPr>
           <a:lstStyle/>
           <a:p>
-            <a:pPr indent="0" lvl="0" marL="0" rtl="0" algn="l">
+            <a:pPr marL="0" lvl="0" indent="0" algn="l" rtl="0">
               <a:spcBef>
                 <a:spcPts val="0"/>
               </a:spcBef>
@@ -1089,9 +1127,6 @@
               </a:spcAft>
               <a:buNone/>
             </a:pPr>
-            <a:r>
-              <a:t/>
-            </a:r>
             <a:endParaRPr/>
           </a:p>
         </p:txBody>
@@ -1105,11 +1140,11 @@
 </file>
 
 <file path=ppt/notesSlides/notesSlide2.xml><?xml version="1.0" encoding="utf-8"?>
-<p:notes xmlns:a="http://schemas.openxmlformats.org/drawingml/2006/main" xmlns:r="http://schemas.openxmlformats.org/officeDocument/2006/relationships" xmlns:mc="http://schemas.openxmlformats.org/markup-compatibility/2006" xmlns:mv="urn:schemas-microsoft-com:mac:vml" xmlns:p="http://schemas.openxmlformats.org/presentationml/2006/main" xmlns:c="http://schemas.openxmlformats.org/drawingml/2006/chart" xmlns:dgm="http://schemas.openxmlformats.org/drawingml/2006/diagram" xmlns:o="urn:schemas-microsoft-com:office:office" xmlns:v="urn:schemas-microsoft-com:vml" xmlns:pvml="urn:schemas-microsoft-com:office:powerpoint" xmlns:com="http://schemas.openxmlformats.org/drawingml/2006/compatibility" xmlns:p14="http://schemas.microsoft.com/office/powerpoint/2010/main" xmlns:p15="http://schemas.microsoft.com/office/powerpoint/2012/main" xmlns:ahyp="http://schemas.microsoft.com/office/drawing/2018/hyperlinkcolor" showMasterPhAnim="0" showMasterSp="0">
+<p:notes xmlns:a="http://schemas.openxmlformats.org/drawingml/2006/main" xmlns:r="http://schemas.openxmlformats.org/officeDocument/2006/relationships" xmlns:p="http://schemas.openxmlformats.org/presentationml/2006/main" showMasterSp="0" showMasterPhAnim="0">
   <p:cSld>
     <p:spTree>
       <p:nvGrpSpPr>
-        <p:cNvPr id="61" name="Shape 61"/>
+        <p:cNvPr id="1" name="Shape 61"/>
         <p:cNvGrpSpPr/>
         <p:nvPr/>
       </p:nvGrpSpPr>
@@ -1124,20 +1159,26 @@
       <p:sp>
         <p:nvSpPr>
           <p:cNvPr id="62" name="Google Shape;62;gc6f980f91_0_5:notes"/>
-          <p:cNvSpPr/>
+          <p:cNvSpPr>
+            <a:spLocks noGrp="1" noRot="1" noChangeAspect="1"/>
+          </p:cNvSpPr>
           <p:nvPr>
-            <p:ph idx="2" type="sldImg"/>
+            <p:ph type="sldImg" idx="2"/>
           </p:nvPr>
         </p:nvSpPr>
         <p:spPr>
           <a:xfrm>
-            <a:off x="381188" y="685800"/>
-            <a:ext cx="6096300" cy="3429000"/>
+            <a:off x="381000" y="685800"/>
+            <a:ext cx="6096000" cy="3429000"/>
           </a:xfrm>
           <a:custGeom>
-            <a:rect b="b" l="l" r="r" t="t"/>
+            <a:avLst/>
+            <a:gdLst/>
+            <a:ahLst/>
+            <a:cxnLst/>
+            <a:rect l="l" t="t" r="r" b="b"/>
             <a:pathLst>
-              <a:path extrusionOk="0" h="120000" w="120000">
+              <a:path w="120000" h="120000" extrusionOk="0">
                 <a:moveTo>
                   <a:pt x="0" y="0"/>
                 </a:moveTo>
@@ -1159,9 +1200,11 @@
       <p:sp>
         <p:nvSpPr>
           <p:cNvPr id="63" name="Google Shape;63;gc6f980f91_0_5:notes"/>
-          <p:cNvSpPr txBox="1"/>
+          <p:cNvSpPr txBox="1">
+            <a:spLocks noGrp="1"/>
+          </p:cNvSpPr>
           <p:nvPr>
-            <p:ph idx="1" type="body"/>
+            <p:ph type="body" idx="1"/>
           </p:nvPr>
         </p:nvSpPr>
         <p:spPr>
@@ -1174,12 +1217,12 @@
           </a:prstGeom>
         </p:spPr>
         <p:txBody>
-          <a:bodyPr anchorCtr="0" anchor="t" bIns="91425" lIns="91425" spcFirstLastPara="1" rIns="91425" wrap="square" tIns="91425">
+          <a:bodyPr spcFirstLastPara="1" wrap="square" lIns="91425" tIns="91425" rIns="91425" bIns="91425" anchor="t" anchorCtr="0">
             <a:noAutofit/>
           </a:bodyPr>
           <a:lstStyle/>
           <a:p>
-            <a:pPr indent="0" lvl="0" marL="0" rtl="0" algn="l">
+            <a:pPr marL="0" lvl="0" indent="0" algn="l" rtl="0">
               <a:spcBef>
                 <a:spcPts val="0"/>
               </a:spcBef>
@@ -1188,9 +1231,6 @@
               </a:spcAft>
               <a:buNone/>
             </a:pPr>
-            <a:r>
-              <a:t/>
-            </a:r>
             <a:endParaRPr/>
           </a:p>
         </p:txBody>
@@ -1204,11 +1244,11 @@
 </file>
 
 <file path=ppt/notesSlides/notesSlide3.xml><?xml version="1.0" encoding="utf-8"?>
-<p:notes xmlns:a="http://schemas.openxmlformats.org/drawingml/2006/main" xmlns:r="http://schemas.openxmlformats.org/officeDocument/2006/relationships" xmlns:mc="http://schemas.openxmlformats.org/markup-compatibility/2006" xmlns:mv="urn:schemas-microsoft-com:mac:vml" xmlns:p="http://schemas.openxmlformats.org/presentationml/2006/main" xmlns:c="http://schemas.openxmlformats.org/drawingml/2006/chart" xmlns:dgm="http://schemas.openxmlformats.org/drawingml/2006/diagram" xmlns:o="urn:schemas-microsoft-com:office:office" xmlns:v="urn:schemas-microsoft-com:vml" xmlns:pvml="urn:schemas-microsoft-com:office:powerpoint" xmlns:com="http://schemas.openxmlformats.org/drawingml/2006/compatibility" xmlns:p14="http://schemas.microsoft.com/office/powerpoint/2010/main" xmlns:p15="http://schemas.microsoft.com/office/powerpoint/2012/main" xmlns:ahyp="http://schemas.microsoft.com/office/drawing/2018/hyperlinkcolor" showMasterPhAnim="0" showMasterSp="0">
+<p:notes xmlns:a="http://schemas.openxmlformats.org/drawingml/2006/main" xmlns:r="http://schemas.openxmlformats.org/officeDocument/2006/relationships" xmlns:p="http://schemas.openxmlformats.org/presentationml/2006/main" showMasterSp="0" showMasterPhAnim="0">
   <p:cSld>
     <p:spTree>
       <p:nvGrpSpPr>
-        <p:cNvPr id="67" name="Shape 67"/>
+        <p:cNvPr id="1" name="Shape 67"/>
         <p:cNvGrpSpPr/>
         <p:nvPr/>
       </p:nvGrpSpPr>
@@ -1223,20 +1263,26 @@
       <p:sp>
         <p:nvSpPr>
           <p:cNvPr id="68" name="Google Shape;68;gc6f980f91_0_29:notes"/>
-          <p:cNvSpPr/>
+          <p:cNvSpPr>
+            <a:spLocks noGrp="1" noRot="1" noChangeAspect="1"/>
+          </p:cNvSpPr>
           <p:nvPr>
-            <p:ph idx="2" type="sldImg"/>
+            <p:ph type="sldImg" idx="2"/>
           </p:nvPr>
         </p:nvSpPr>
         <p:spPr>
           <a:xfrm>
-            <a:off x="381188" y="685800"/>
-            <a:ext cx="6096300" cy="3429000"/>
+            <a:off x="381000" y="685800"/>
+            <a:ext cx="6096000" cy="3429000"/>
           </a:xfrm>
           <a:custGeom>
-            <a:rect b="b" l="l" r="r" t="t"/>
+            <a:avLst/>
+            <a:gdLst/>
+            <a:ahLst/>
+            <a:cxnLst/>
+            <a:rect l="l" t="t" r="r" b="b"/>
             <a:pathLst>
-              <a:path extrusionOk="0" h="120000" w="120000">
+              <a:path w="120000" h="120000" extrusionOk="0">
                 <a:moveTo>
                   <a:pt x="0" y="0"/>
                 </a:moveTo>
@@ -1258,9 +1304,11 @@
       <p:sp>
         <p:nvSpPr>
           <p:cNvPr id="69" name="Google Shape;69;gc6f980f91_0_29:notes"/>
-          <p:cNvSpPr txBox="1"/>
+          <p:cNvSpPr txBox="1">
+            <a:spLocks noGrp="1"/>
+          </p:cNvSpPr>
           <p:nvPr>
-            <p:ph idx="1" type="body"/>
+            <p:ph type="body" idx="1"/>
           </p:nvPr>
         </p:nvSpPr>
         <p:spPr>
@@ -1273,12 +1321,12 @@
           </a:prstGeom>
         </p:spPr>
         <p:txBody>
-          <a:bodyPr anchorCtr="0" anchor="t" bIns="91425" lIns="91425" spcFirstLastPara="1" rIns="91425" wrap="square" tIns="91425">
+          <a:bodyPr spcFirstLastPara="1" wrap="square" lIns="91425" tIns="91425" rIns="91425" bIns="91425" anchor="t" anchorCtr="0">
             <a:noAutofit/>
           </a:bodyPr>
           <a:lstStyle/>
           <a:p>
-            <a:pPr indent="0" lvl="0" marL="0" rtl="0" algn="l">
+            <a:pPr marL="0" lvl="0" indent="0" algn="l" rtl="0">
               <a:spcBef>
                 <a:spcPts val="0"/>
               </a:spcBef>
@@ -1287,9 +1335,6 @@
               </a:spcAft>
               <a:buNone/>
             </a:pPr>
-            <a:r>
-              <a:t/>
-            </a:r>
             <a:endParaRPr/>
           </a:p>
         </p:txBody>
@@ -1303,11 +1348,11 @@
 </file>
 
 <file path=ppt/notesSlides/notesSlide4.xml><?xml version="1.0" encoding="utf-8"?>
-<p:notes xmlns:a="http://schemas.openxmlformats.org/drawingml/2006/main" xmlns:r="http://schemas.openxmlformats.org/officeDocument/2006/relationships" xmlns:mc="http://schemas.openxmlformats.org/markup-compatibility/2006" xmlns:mv="urn:schemas-microsoft-com:mac:vml" xmlns:p="http://schemas.openxmlformats.org/presentationml/2006/main" xmlns:c="http://schemas.openxmlformats.org/drawingml/2006/chart" xmlns:dgm="http://schemas.openxmlformats.org/drawingml/2006/diagram" xmlns:o="urn:schemas-microsoft-com:office:office" xmlns:v="urn:schemas-microsoft-com:vml" xmlns:pvml="urn:schemas-microsoft-com:office:powerpoint" xmlns:com="http://schemas.openxmlformats.org/drawingml/2006/compatibility" xmlns:p14="http://schemas.microsoft.com/office/powerpoint/2010/main" xmlns:p15="http://schemas.microsoft.com/office/powerpoint/2012/main" xmlns:ahyp="http://schemas.microsoft.com/office/drawing/2018/hyperlinkcolor" showMasterPhAnim="0" showMasterSp="0">
+<p:notes xmlns:a="http://schemas.openxmlformats.org/drawingml/2006/main" xmlns:r="http://schemas.openxmlformats.org/officeDocument/2006/relationships" xmlns:p="http://schemas.openxmlformats.org/presentationml/2006/main" showMasterSp="0" showMasterPhAnim="0">
   <p:cSld>
     <p:spTree>
       <p:nvGrpSpPr>
-        <p:cNvPr id="72" name="Shape 72"/>
+        <p:cNvPr id="1" name="Shape 72"/>
         <p:cNvGrpSpPr/>
         <p:nvPr/>
       </p:nvGrpSpPr>
@@ -1322,20 +1367,26 @@
       <p:sp>
         <p:nvSpPr>
           <p:cNvPr id="73" name="Google Shape;73;g1dfb89cbce2_0_4:notes"/>
-          <p:cNvSpPr/>
+          <p:cNvSpPr>
+            <a:spLocks noGrp="1" noRot="1" noChangeAspect="1"/>
+          </p:cNvSpPr>
           <p:nvPr>
-            <p:ph idx="2" type="sldImg"/>
+            <p:ph type="sldImg" idx="2"/>
           </p:nvPr>
         </p:nvSpPr>
         <p:spPr>
           <a:xfrm>
-            <a:off x="381188" y="685800"/>
-            <a:ext cx="6096300" cy="3429000"/>
+            <a:off x="381000" y="685800"/>
+            <a:ext cx="6096000" cy="3429000"/>
           </a:xfrm>
           <a:custGeom>
-            <a:rect b="b" l="l" r="r" t="t"/>
+            <a:avLst/>
+            <a:gdLst/>
+            <a:ahLst/>
+            <a:cxnLst/>
+            <a:rect l="l" t="t" r="r" b="b"/>
             <a:pathLst>
-              <a:path extrusionOk="0" h="120000" w="120000">
+              <a:path w="120000" h="120000" extrusionOk="0">
                 <a:moveTo>
                   <a:pt x="0" y="0"/>
                 </a:moveTo>
@@ -1357,9 +1408,11 @@
       <p:sp>
         <p:nvSpPr>
           <p:cNvPr id="74" name="Google Shape;74;g1dfb89cbce2_0_4:notes"/>
-          <p:cNvSpPr txBox="1"/>
+          <p:cNvSpPr txBox="1">
+            <a:spLocks noGrp="1"/>
+          </p:cNvSpPr>
           <p:nvPr>
-            <p:ph idx="1" type="body"/>
+            <p:ph type="body" idx="1"/>
           </p:nvPr>
         </p:nvSpPr>
         <p:spPr>
@@ -1372,12 +1425,12 @@
           </a:prstGeom>
         </p:spPr>
         <p:txBody>
-          <a:bodyPr anchorCtr="0" anchor="t" bIns="91425" lIns="91425" spcFirstLastPara="1" rIns="91425" wrap="square" tIns="91425">
+          <a:bodyPr spcFirstLastPara="1" wrap="square" lIns="91425" tIns="91425" rIns="91425" bIns="91425" anchor="t" anchorCtr="0">
             <a:noAutofit/>
           </a:bodyPr>
           <a:lstStyle/>
           <a:p>
-            <a:pPr indent="0" lvl="0" marL="0" rtl="0" algn="l">
+            <a:pPr marL="0" lvl="0" indent="0" algn="l" rtl="0">
               <a:spcBef>
                 <a:spcPts val="0"/>
               </a:spcBef>
@@ -1386,9 +1439,6 @@
               </a:spcAft>
               <a:buNone/>
             </a:pPr>
-            <a:r>
-              <a:t/>
-            </a:r>
             <a:endParaRPr/>
           </a:p>
         </p:txBody>
@@ -1402,11 +1452,11 @@
 </file>
 
 <file path=ppt/notesSlides/notesSlide5.xml><?xml version="1.0" encoding="utf-8"?>
-<p:notes xmlns:a="http://schemas.openxmlformats.org/drawingml/2006/main" xmlns:r="http://schemas.openxmlformats.org/officeDocument/2006/relationships" xmlns:mc="http://schemas.openxmlformats.org/markup-compatibility/2006" xmlns:mv="urn:schemas-microsoft-com:mac:vml" xmlns:p="http://schemas.openxmlformats.org/presentationml/2006/main" xmlns:c="http://schemas.openxmlformats.org/drawingml/2006/chart" xmlns:dgm="http://schemas.openxmlformats.org/drawingml/2006/diagram" xmlns:o="urn:schemas-microsoft-com:office:office" xmlns:v="urn:schemas-microsoft-com:vml" xmlns:pvml="urn:schemas-microsoft-com:office:powerpoint" xmlns:com="http://schemas.openxmlformats.org/drawingml/2006/compatibility" xmlns:p14="http://schemas.microsoft.com/office/powerpoint/2010/main" xmlns:p15="http://schemas.microsoft.com/office/powerpoint/2012/main" xmlns:ahyp="http://schemas.microsoft.com/office/drawing/2018/hyperlinkcolor" showMasterPhAnim="0" showMasterSp="0">
+<p:notes xmlns:a="http://schemas.openxmlformats.org/drawingml/2006/main" xmlns:r="http://schemas.openxmlformats.org/officeDocument/2006/relationships" xmlns:p="http://schemas.openxmlformats.org/presentationml/2006/main" showMasterSp="0" showMasterPhAnim="0">
   <p:cSld>
     <p:spTree>
       <p:nvGrpSpPr>
-        <p:cNvPr id="78" name="Shape 78"/>
+        <p:cNvPr id="1" name="Shape 78"/>
         <p:cNvGrpSpPr/>
         <p:nvPr/>
       </p:nvGrpSpPr>
@@ -1421,20 +1471,26 @@
       <p:sp>
         <p:nvSpPr>
           <p:cNvPr id="79" name="Google Shape;79;gc6f980f91_0_33:notes"/>
-          <p:cNvSpPr/>
+          <p:cNvSpPr>
+            <a:spLocks noGrp="1" noRot="1" noChangeAspect="1"/>
+          </p:cNvSpPr>
           <p:nvPr>
-            <p:ph idx="2" type="sldImg"/>
+            <p:ph type="sldImg" idx="2"/>
           </p:nvPr>
         </p:nvSpPr>
         <p:spPr>
           <a:xfrm>
-            <a:off x="381188" y="685800"/>
-            <a:ext cx="6096300" cy="3429000"/>
+            <a:off x="381000" y="685800"/>
+            <a:ext cx="6096000" cy="3429000"/>
           </a:xfrm>
           <a:custGeom>
-            <a:rect b="b" l="l" r="r" t="t"/>
+            <a:avLst/>
+            <a:gdLst/>
+            <a:ahLst/>
+            <a:cxnLst/>
+            <a:rect l="l" t="t" r="r" b="b"/>
             <a:pathLst>
-              <a:path extrusionOk="0" h="120000" w="120000">
+              <a:path w="120000" h="120000" extrusionOk="0">
                 <a:moveTo>
                   <a:pt x="0" y="0"/>
                 </a:moveTo>
@@ -1456,9 +1512,11 @@
       <p:sp>
         <p:nvSpPr>
           <p:cNvPr id="80" name="Google Shape;80;gc6f980f91_0_33:notes"/>
-          <p:cNvSpPr txBox="1"/>
+          <p:cNvSpPr txBox="1">
+            <a:spLocks noGrp="1"/>
+          </p:cNvSpPr>
           <p:nvPr>
-            <p:ph idx="1" type="body"/>
+            <p:ph type="body" idx="1"/>
           </p:nvPr>
         </p:nvSpPr>
         <p:spPr>
@@ -1471,12 +1529,12 @@
           </a:prstGeom>
         </p:spPr>
         <p:txBody>
-          <a:bodyPr anchorCtr="0" anchor="t" bIns="91425" lIns="91425" spcFirstLastPara="1" rIns="91425" wrap="square" tIns="91425">
+          <a:bodyPr spcFirstLastPara="1" wrap="square" lIns="91425" tIns="91425" rIns="91425" bIns="91425" anchor="t" anchorCtr="0">
             <a:noAutofit/>
           </a:bodyPr>
           <a:lstStyle/>
           <a:p>
-            <a:pPr indent="0" lvl="0" marL="0" rtl="0" algn="l">
+            <a:pPr marL="0" lvl="0" indent="0" algn="l" rtl="0">
               <a:spcBef>
                 <a:spcPts val="0"/>
               </a:spcBef>
@@ -1485,9 +1543,6 @@
               </a:spcAft>
               <a:buNone/>
             </a:pPr>
-            <a:r>
-              <a:t/>
-            </a:r>
             <a:endParaRPr/>
           </a:p>
         </p:txBody>
@@ -1501,11 +1556,11 @@
 </file>
 
 <file path=ppt/notesSlides/notesSlide6.xml><?xml version="1.0" encoding="utf-8"?>
-<p:notes xmlns:a="http://schemas.openxmlformats.org/drawingml/2006/main" xmlns:r="http://schemas.openxmlformats.org/officeDocument/2006/relationships" xmlns:mc="http://schemas.openxmlformats.org/markup-compatibility/2006" xmlns:mv="urn:schemas-microsoft-com:mac:vml" xmlns:p="http://schemas.openxmlformats.org/presentationml/2006/main" xmlns:c="http://schemas.openxmlformats.org/drawingml/2006/chart" xmlns:dgm="http://schemas.openxmlformats.org/drawingml/2006/diagram" xmlns:o="urn:schemas-microsoft-com:office:office" xmlns:v="urn:schemas-microsoft-com:vml" xmlns:pvml="urn:schemas-microsoft-com:office:powerpoint" xmlns:com="http://schemas.openxmlformats.org/drawingml/2006/compatibility" xmlns:p14="http://schemas.microsoft.com/office/powerpoint/2010/main" xmlns:p15="http://schemas.microsoft.com/office/powerpoint/2012/main" xmlns:ahyp="http://schemas.microsoft.com/office/drawing/2018/hyperlinkcolor" showMasterPhAnim="0" showMasterSp="0">
+<p:notes xmlns:a="http://schemas.openxmlformats.org/drawingml/2006/main" xmlns:r="http://schemas.openxmlformats.org/officeDocument/2006/relationships" xmlns:p="http://schemas.openxmlformats.org/presentationml/2006/main" showMasterSp="0" showMasterPhAnim="0">
   <p:cSld>
     <p:spTree>
       <p:nvGrpSpPr>
-        <p:cNvPr id="85" name="Shape 85"/>
+        <p:cNvPr id="1" name="Shape 85"/>
         <p:cNvGrpSpPr/>
         <p:nvPr/>
       </p:nvGrpSpPr>
@@ -1520,20 +1575,26 @@
       <p:sp>
         <p:nvSpPr>
           <p:cNvPr id="86" name="Google Shape;86;g1dfb89cbce2_0_12:notes"/>
-          <p:cNvSpPr/>
+          <p:cNvSpPr>
+            <a:spLocks noGrp="1" noRot="1" noChangeAspect="1"/>
+          </p:cNvSpPr>
           <p:nvPr>
-            <p:ph idx="2" type="sldImg"/>
+            <p:ph type="sldImg" idx="2"/>
           </p:nvPr>
         </p:nvSpPr>
         <p:spPr>
           <a:xfrm>
-            <a:off x="381188" y="685800"/>
-            <a:ext cx="6096300" cy="3429000"/>
+            <a:off x="381000" y="685800"/>
+            <a:ext cx="6096000" cy="3429000"/>
           </a:xfrm>
           <a:custGeom>
-            <a:rect b="b" l="l" r="r" t="t"/>
+            <a:avLst/>
+            <a:gdLst/>
+            <a:ahLst/>
+            <a:cxnLst/>
+            <a:rect l="l" t="t" r="r" b="b"/>
             <a:pathLst>
-              <a:path extrusionOk="0" h="120000" w="120000">
+              <a:path w="120000" h="120000" extrusionOk="0">
                 <a:moveTo>
                   <a:pt x="0" y="0"/>
                 </a:moveTo>
@@ -1555,9 +1616,11 @@
       <p:sp>
         <p:nvSpPr>
           <p:cNvPr id="87" name="Google Shape;87;g1dfb89cbce2_0_12:notes"/>
-          <p:cNvSpPr txBox="1"/>
+          <p:cNvSpPr txBox="1">
+            <a:spLocks noGrp="1"/>
+          </p:cNvSpPr>
           <p:nvPr>
-            <p:ph idx="1" type="body"/>
+            <p:ph type="body" idx="1"/>
           </p:nvPr>
         </p:nvSpPr>
         <p:spPr>
@@ -1570,12 +1633,12 @@
           </a:prstGeom>
         </p:spPr>
         <p:txBody>
-          <a:bodyPr anchorCtr="0" anchor="t" bIns="91425" lIns="91425" spcFirstLastPara="1" rIns="91425" wrap="square" tIns="91425">
+          <a:bodyPr spcFirstLastPara="1" wrap="square" lIns="91425" tIns="91425" rIns="91425" bIns="91425" anchor="t" anchorCtr="0">
             <a:noAutofit/>
           </a:bodyPr>
           <a:lstStyle/>
           <a:p>
-            <a:pPr indent="0" lvl="0" marL="0" rtl="0" algn="l">
+            <a:pPr marL="0" lvl="0" indent="0" algn="l" rtl="0">
               <a:spcBef>
                 <a:spcPts val="0"/>
               </a:spcBef>
@@ -1584,9 +1647,6 @@
               </a:spcAft>
               <a:buNone/>
             </a:pPr>
-            <a:r>
-              <a:t/>
-            </a:r>
             <a:endParaRPr/>
           </a:p>
         </p:txBody>
@@ -1600,11 +1660,11 @@
 </file>
 
 <file path=ppt/notesSlides/notesSlide7.xml><?xml version="1.0" encoding="utf-8"?>
-<p:notes xmlns:a="http://schemas.openxmlformats.org/drawingml/2006/main" xmlns:r="http://schemas.openxmlformats.org/officeDocument/2006/relationships" xmlns:mc="http://schemas.openxmlformats.org/markup-compatibility/2006" xmlns:mv="urn:schemas-microsoft-com:mac:vml" xmlns:p="http://schemas.openxmlformats.org/presentationml/2006/main" xmlns:c="http://schemas.openxmlformats.org/drawingml/2006/chart" xmlns:dgm="http://schemas.openxmlformats.org/drawingml/2006/diagram" xmlns:o="urn:schemas-microsoft-com:office:office" xmlns:v="urn:schemas-microsoft-com:vml" xmlns:pvml="urn:schemas-microsoft-com:office:powerpoint" xmlns:com="http://schemas.openxmlformats.org/drawingml/2006/compatibility" xmlns:p14="http://schemas.microsoft.com/office/powerpoint/2010/main" xmlns:p15="http://schemas.microsoft.com/office/powerpoint/2012/main" xmlns:ahyp="http://schemas.microsoft.com/office/drawing/2018/hyperlinkcolor" showMasterPhAnim="0" showMasterSp="0">
+<p:notes xmlns:a="http://schemas.openxmlformats.org/drawingml/2006/main" xmlns:r="http://schemas.openxmlformats.org/officeDocument/2006/relationships" xmlns:p="http://schemas.openxmlformats.org/presentationml/2006/main" showMasterSp="0" showMasterPhAnim="0">
   <p:cSld>
     <p:spTree>
       <p:nvGrpSpPr>
-        <p:cNvPr id="92" name="Shape 92"/>
+        <p:cNvPr id="1" name="Shape 92"/>
         <p:cNvGrpSpPr/>
         <p:nvPr/>
       </p:nvGrpSpPr>
@@ -1619,20 +1679,26 @@
       <p:sp>
         <p:nvSpPr>
           <p:cNvPr id="93" name="Google Shape;93;g1dfb89cbce2_0_21:notes"/>
-          <p:cNvSpPr/>
+          <p:cNvSpPr>
+            <a:spLocks noGrp="1" noRot="1" noChangeAspect="1"/>
+          </p:cNvSpPr>
           <p:nvPr>
-            <p:ph idx="2" type="sldImg"/>
+            <p:ph type="sldImg" idx="2"/>
           </p:nvPr>
         </p:nvSpPr>
         <p:spPr>
           <a:xfrm>
-            <a:off x="381188" y="685800"/>
-            <a:ext cx="6096300" cy="3429000"/>
+            <a:off x="381000" y="685800"/>
+            <a:ext cx="6096000" cy="3429000"/>
           </a:xfrm>
           <a:custGeom>
-            <a:rect b="b" l="l" r="r" t="t"/>
+            <a:avLst/>
+            <a:gdLst/>
+            <a:ahLst/>
+            <a:cxnLst/>
+            <a:rect l="l" t="t" r="r" b="b"/>
             <a:pathLst>
-              <a:path extrusionOk="0" h="120000" w="120000">
+              <a:path w="120000" h="120000" extrusionOk="0">
                 <a:moveTo>
                   <a:pt x="0" y="0"/>
                 </a:moveTo>
@@ -1654,9 +1720,11 @@
       <p:sp>
         <p:nvSpPr>
           <p:cNvPr id="94" name="Google Shape;94;g1dfb89cbce2_0_21:notes"/>
-          <p:cNvSpPr txBox="1"/>
+          <p:cNvSpPr txBox="1">
+            <a:spLocks noGrp="1"/>
+          </p:cNvSpPr>
           <p:nvPr>
-            <p:ph idx="1" type="body"/>
+            <p:ph type="body" idx="1"/>
           </p:nvPr>
         </p:nvSpPr>
         <p:spPr>
@@ -1669,12 +1737,12 @@
           </a:prstGeom>
         </p:spPr>
         <p:txBody>
-          <a:bodyPr anchorCtr="0" anchor="t" bIns="91425" lIns="91425" spcFirstLastPara="1" rIns="91425" wrap="square" tIns="91425">
+          <a:bodyPr spcFirstLastPara="1" wrap="square" lIns="91425" tIns="91425" rIns="91425" bIns="91425" anchor="t" anchorCtr="0">
             <a:noAutofit/>
           </a:bodyPr>
           <a:lstStyle/>
           <a:p>
-            <a:pPr indent="0" lvl="0" marL="0" rtl="0" algn="l">
+            <a:pPr marL="0" lvl="0" indent="0" algn="l" rtl="0">
               <a:spcBef>
                 <a:spcPts val="0"/>
               </a:spcBef>
@@ -1683,9 +1751,6 @@
               </a:spcAft>
               <a:buNone/>
             </a:pPr>
-            <a:r>
-              <a:t/>
-            </a:r>
             <a:endParaRPr/>
           </a:p>
         </p:txBody>
@@ -1699,11 +1764,11 @@
 </file>
 
 <file path=ppt/notesSlides/notesSlide8.xml><?xml version="1.0" encoding="utf-8"?>
-<p:notes xmlns:a="http://schemas.openxmlformats.org/drawingml/2006/main" xmlns:r="http://schemas.openxmlformats.org/officeDocument/2006/relationships" xmlns:mc="http://schemas.openxmlformats.org/markup-compatibility/2006" xmlns:mv="urn:schemas-microsoft-com:mac:vml" xmlns:p="http://schemas.openxmlformats.org/presentationml/2006/main" xmlns:c="http://schemas.openxmlformats.org/drawingml/2006/chart" xmlns:dgm="http://schemas.openxmlformats.org/drawingml/2006/diagram" xmlns:o="urn:schemas-microsoft-com:office:office" xmlns:v="urn:schemas-microsoft-com:vml" xmlns:pvml="urn:schemas-microsoft-com:office:powerpoint" xmlns:com="http://schemas.openxmlformats.org/drawingml/2006/compatibility" xmlns:p14="http://schemas.microsoft.com/office/powerpoint/2010/main" xmlns:p15="http://schemas.microsoft.com/office/powerpoint/2012/main" xmlns:ahyp="http://schemas.microsoft.com/office/drawing/2018/hyperlinkcolor" showMasterPhAnim="0" showMasterSp="0">
+<p:notes xmlns:a="http://schemas.openxmlformats.org/drawingml/2006/main" xmlns:r="http://schemas.openxmlformats.org/officeDocument/2006/relationships" xmlns:p="http://schemas.openxmlformats.org/presentationml/2006/main" showMasterSp="0" showMasterPhAnim="0">
   <p:cSld>
     <p:spTree>
       <p:nvGrpSpPr>
-        <p:cNvPr id="99" name="Shape 99"/>
+        <p:cNvPr id="1" name="Shape 99"/>
         <p:cNvGrpSpPr/>
         <p:nvPr/>
       </p:nvGrpSpPr>
@@ -1718,20 +1783,26 @@
       <p:sp>
         <p:nvSpPr>
           <p:cNvPr id="100" name="Google Shape;100;g1dfb89cbce2_0_29:notes"/>
-          <p:cNvSpPr/>
+          <p:cNvSpPr>
+            <a:spLocks noGrp="1" noRot="1" noChangeAspect="1"/>
+          </p:cNvSpPr>
           <p:nvPr>
-            <p:ph idx="2" type="sldImg"/>
+            <p:ph type="sldImg" idx="2"/>
           </p:nvPr>
         </p:nvSpPr>
         <p:spPr>
           <a:xfrm>
-            <a:off x="381188" y="685800"/>
-            <a:ext cx="6096300" cy="3429000"/>
+            <a:off x="381000" y="685800"/>
+            <a:ext cx="6096000" cy="3429000"/>
           </a:xfrm>
           <a:custGeom>
-            <a:rect b="b" l="l" r="r" t="t"/>
+            <a:avLst/>
+            <a:gdLst/>
+            <a:ahLst/>
+            <a:cxnLst/>
+            <a:rect l="l" t="t" r="r" b="b"/>
             <a:pathLst>
-              <a:path extrusionOk="0" h="120000" w="120000">
+              <a:path w="120000" h="120000" extrusionOk="0">
                 <a:moveTo>
                   <a:pt x="0" y="0"/>
                 </a:moveTo>
@@ -1753,9 +1824,11 @@
       <p:sp>
         <p:nvSpPr>
           <p:cNvPr id="101" name="Google Shape;101;g1dfb89cbce2_0_29:notes"/>
-          <p:cNvSpPr txBox="1"/>
+          <p:cNvSpPr txBox="1">
+            <a:spLocks noGrp="1"/>
+          </p:cNvSpPr>
           <p:nvPr>
-            <p:ph idx="1" type="body"/>
+            <p:ph type="body" idx="1"/>
           </p:nvPr>
         </p:nvSpPr>
         <p:spPr>
@@ -1768,12 +1841,12 @@
           </a:prstGeom>
         </p:spPr>
         <p:txBody>
-          <a:bodyPr anchorCtr="0" anchor="t" bIns="91425" lIns="91425" spcFirstLastPara="1" rIns="91425" wrap="square" tIns="91425">
+          <a:bodyPr spcFirstLastPara="1" wrap="square" lIns="91425" tIns="91425" rIns="91425" bIns="91425" anchor="t" anchorCtr="0">
             <a:noAutofit/>
           </a:bodyPr>
           <a:lstStyle/>
           <a:p>
-            <a:pPr indent="0" lvl="0" marL="0" rtl="0" algn="l">
+            <a:pPr marL="0" lvl="0" indent="0" algn="l" rtl="0">
               <a:spcBef>
                 <a:spcPts val="0"/>
               </a:spcBef>
@@ -1782,9 +1855,6 @@
               </a:spcAft>
               <a:buNone/>
             </a:pPr>
-            <a:r>
-              <a:t/>
-            </a:r>
             <a:endParaRPr/>
           </a:p>
         </p:txBody>
@@ -1798,11 +1868,11 @@
 </file>
 
 <file path=ppt/notesSlides/notesSlide9.xml><?xml version="1.0" encoding="utf-8"?>
-<p:notes xmlns:a="http://schemas.openxmlformats.org/drawingml/2006/main" xmlns:r="http://schemas.openxmlformats.org/officeDocument/2006/relationships" xmlns:mc="http://schemas.openxmlformats.org/markup-compatibility/2006" xmlns:mv="urn:schemas-microsoft-com:mac:vml" xmlns:p="http://schemas.openxmlformats.org/presentationml/2006/main" xmlns:c="http://schemas.openxmlformats.org/drawingml/2006/chart" xmlns:dgm="http://schemas.openxmlformats.org/drawingml/2006/diagram" xmlns:o="urn:schemas-microsoft-com:office:office" xmlns:v="urn:schemas-microsoft-com:vml" xmlns:pvml="urn:schemas-microsoft-com:office:powerpoint" xmlns:com="http://schemas.openxmlformats.org/drawingml/2006/compatibility" xmlns:p14="http://schemas.microsoft.com/office/powerpoint/2010/main" xmlns:p15="http://schemas.microsoft.com/office/powerpoint/2012/main" xmlns:ahyp="http://schemas.microsoft.com/office/drawing/2018/hyperlinkcolor" showMasterPhAnim="0" showMasterSp="0">
+<p:notes xmlns:a="http://schemas.openxmlformats.org/drawingml/2006/main" xmlns:r="http://schemas.openxmlformats.org/officeDocument/2006/relationships" xmlns:p="http://schemas.openxmlformats.org/presentationml/2006/main" showMasterSp="0" showMasterPhAnim="0">
   <p:cSld>
     <p:spTree>
       <p:nvGrpSpPr>
-        <p:cNvPr id="106" name="Shape 106"/>
+        <p:cNvPr id="1" name="Shape 106"/>
         <p:cNvGrpSpPr/>
         <p:nvPr/>
       </p:nvGrpSpPr>
@@ -1817,20 +1887,26 @@
       <p:sp>
         <p:nvSpPr>
           <p:cNvPr id="107" name="Google Shape;107;g1dfb89cbce2_0_37:notes"/>
-          <p:cNvSpPr/>
+          <p:cNvSpPr>
+            <a:spLocks noGrp="1" noRot="1" noChangeAspect="1"/>
+          </p:cNvSpPr>
           <p:nvPr>
-            <p:ph idx="2" type="sldImg"/>
+            <p:ph type="sldImg" idx="2"/>
           </p:nvPr>
         </p:nvSpPr>
         <p:spPr>
           <a:xfrm>
-            <a:off x="381188" y="685800"/>
-            <a:ext cx="6096300" cy="3429000"/>
+            <a:off x="381000" y="685800"/>
+            <a:ext cx="6096000" cy="3429000"/>
           </a:xfrm>
           <a:custGeom>
-            <a:rect b="b" l="l" r="r" t="t"/>
+            <a:avLst/>
+            <a:gdLst/>
+            <a:ahLst/>
+            <a:cxnLst/>
+            <a:rect l="l" t="t" r="r" b="b"/>
             <a:pathLst>
-              <a:path extrusionOk="0" h="120000" w="120000">
+              <a:path w="120000" h="120000" extrusionOk="0">
                 <a:moveTo>
                   <a:pt x="0" y="0"/>
                 </a:moveTo>
@@ -1852,9 +1928,11 @@
       <p:sp>
         <p:nvSpPr>
           <p:cNvPr id="108" name="Google Shape;108;g1dfb89cbce2_0_37:notes"/>
-          <p:cNvSpPr txBox="1"/>
+          <p:cNvSpPr txBox="1">
+            <a:spLocks noGrp="1"/>
+          </p:cNvSpPr>
           <p:nvPr>
-            <p:ph idx="1" type="body"/>
+            <p:ph type="body" idx="1"/>
           </p:nvPr>
         </p:nvSpPr>
         <p:spPr>
@@ -1867,12 +1945,12 @@
           </a:prstGeom>
         </p:spPr>
         <p:txBody>
-          <a:bodyPr anchorCtr="0" anchor="t" bIns="91425" lIns="91425" spcFirstLastPara="1" rIns="91425" wrap="square" tIns="91425">
+          <a:bodyPr spcFirstLastPara="1" wrap="square" lIns="91425" tIns="91425" rIns="91425" bIns="91425" anchor="t" anchorCtr="0">
             <a:noAutofit/>
           </a:bodyPr>
           <a:lstStyle/>
           <a:p>
-            <a:pPr indent="0" lvl="0" marL="0" rtl="0" algn="l">
+            <a:pPr marL="0" lvl="0" indent="0" algn="l" rtl="0">
               <a:spcBef>
                 <a:spcPts val="0"/>
               </a:spcBef>
@@ -1881,9 +1959,6 @@
               </a:spcAft>
               <a:buNone/>
             </a:pPr>
-            <a:r>
-              <a:t/>
-            </a:r>
             <a:endParaRPr/>
           </a:p>
         </p:txBody>
@@ -1897,18 +1972,19 @@
 </file>
 
 <file path=ppt/slideLayouts/slideLayout1.xml><?xml version="1.0" encoding="utf-8"?>
-<p:sldLayout xmlns:a="http://schemas.openxmlformats.org/drawingml/2006/main" xmlns:r="http://schemas.openxmlformats.org/officeDocument/2006/relationships" xmlns:mc="http://schemas.openxmlformats.org/markup-compatibility/2006" xmlns:mv="urn:schemas-microsoft-com:mac:vml" xmlns:p="http://schemas.openxmlformats.org/presentationml/2006/main" xmlns:c="http://schemas.openxmlformats.org/drawingml/2006/chart" xmlns:dgm="http://schemas.openxmlformats.org/drawingml/2006/diagram" xmlns:o="urn:schemas-microsoft-com:office:office" xmlns:v="urn:schemas-microsoft-com:vml" xmlns:pvml="urn:schemas-microsoft-com:office:powerpoint" xmlns:com="http://schemas.openxmlformats.org/drawingml/2006/compatibility" xmlns:p14="http://schemas.microsoft.com/office/powerpoint/2010/main" xmlns:p15="http://schemas.microsoft.com/office/powerpoint/2012/main" xmlns:ahyp="http://schemas.microsoft.com/office/drawing/2018/hyperlinkcolor" matchingName="Title slide" type="title">
+<p:sldLayout xmlns:a="http://schemas.openxmlformats.org/drawingml/2006/main" xmlns:r="http://schemas.openxmlformats.org/officeDocument/2006/relationships" xmlns:p="http://schemas.openxmlformats.org/presentationml/2006/main" matchingName="Title slide" type="title">
   <p:cSld name="TITLE">
     <p:bg>
       <p:bgPr>
         <a:solidFill>
           <a:schemeClr val="lt2"/>
         </a:solidFill>
+        <a:effectLst/>
       </p:bgPr>
     </p:bg>
     <p:spTree>
       <p:nvGrpSpPr>
-        <p:cNvPr id="9" name="Shape 9"/>
+        <p:cNvPr id="1" name="Shape 9"/>
         <p:cNvGrpSpPr/>
         <p:nvPr/>
       </p:nvGrpSpPr>
@@ -1956,12 +2032,12 @@
             </a:ln>
           </p:spPr>
           <p:txBody>
-            <a:bodyPr anchorCtr="0" anchor="ctr" bIns="91425" lIns="91425" spcFirstLastPara="1" rIns="91425" wrap="square" tIns="91425">
+            <a:bodyPr spcFirstLastPara="1" wrap="square" lIns="91425" tIns="91425" rIns="91425" bIns="91425" anchor="ctr" anchorCtr="0">
               <a:noAutofit/>
             </a:bodyPr>
             <a:lstStyle/>
             <a:p>
-              <a:pPr indent="0" lvl="0" marL="0" rtl="0" algn="l">
+              <a:pPr marL="0" lvl="0" indent="0" algn="l" rtl="0">
                 <a:spcBef>
                   <a:spcPts val="0"/>
                 </a:spcBef>
@@ -1970,9 +2046,6 @@
                 </a:spcAft>
                 <a:buNone/>
               </a:pPr>
-              <a:r>
-                <a:t/>
-              </a:r>
               <a:endParaRPr>
                 <a:solidFill>
                   <a:schemeClr val="dk2"/>
@@ -2003,12 +2076,12 @@
             </a:ln>
           </p:spPr>
           <p:txBody>
-            <a:bodyPr anchorCtr="0" anchor="ctr" bIns="91425" lIns="91425" spcFirstLastPara="1" rIns="91425" wrap="square" tIns="91425">
+            <a:bodyPr spcFirstLastPara="1" wrap="square" lIns="91425" tIns="91425" rIns="91425" bIns="91425" anchor="ctr" anchorCtr="0">
               <a:noAutofit/>
             </a:bodyPr>
             <a:lstStyle/>
             <a:p>
-              <a:pPr indent="0" lvl="0" marL="0" rtl="0" algn="l">
+              <a:pPr marL="0" lvl="0" indent="0" algn="l" rtl="0">
                 <a:spcBef>
                   <a:spcPts val="0"/>
                 </a:spcBef>
@@ -2017,9 +2090,6 @@
                 </a:spcAft>
                 <a:buNone/>
               </a:pPr>
-              <a:r>
-                <a:t/>
-              </a:r>
               <a:endParaRPr>
                 <a:solidFill>
                   <a:schemeClr val="dk2"/>
@@ -2050,12 +2120,12 @@
             </a:ln>
           </p:spPr>
           <p:txBody>
-            <a:bodyPr anchorCtr="0" anchor="ctr" bIns="91425" lIns="91425" spcFirstLastPara="1" rIns="91425" wrap="square" tIns="91425">
+            <a:bodyPr spcFirstLastPara="1" wrap="square" lIns="91425" tIns="91425" rIns="91425" bIns="91425" anchor="ctr" anchorCtr="0">
               <a:noAutofit/>
             </a:bodyPr>
             <a:lstStyle/>
             <a:p>
-              <a:pPr indent="0" lvl="0" marL="0" rtl="0" algn="l">
+              <a:pPr marL="0" lvl="0" indent="0" algn="l" rtl="0">
                 <a:spcBef>
                   <a:spcPts val="0"/>
                 </a:spcBef>
@@ -2064,9 +2134,6 @@
                 </a:spcAft>
                 <a:buNone/>
               </a:pPr>
-              <a:r>
-                <a:t/>
-              </a:r>
               <a:endParaRPr>
                 <a:solidFill>
                   <a:schemeClr val="dk2"/>
@@ -2079,7 +2146,9 @@
       <p:sp>
         <p:nvSpPr>
           <p:cNvPr id="14" name="Google Shape;14;p2"/>
-          <p:cNvSpPr txBox="1"/>
+          <p:cNvSpPr txBox="1">
+            <a:spLocks noGrp="1"/>
+          </p:cNvSpPr>
           <p:nvPr>
             <p:ph type="ctrTitle"/>
           </p:nvPr>
@@ -2094,7 +2163,7 @@
           </a:prstGeom>
         </p:spPr>
         <p:txBody>
-          <a:bodyPr anchorCtr="0" anchor="b" bIns="91425" lIns="91425" spcFirstLastPara="1" rIns="91425" wrap="square" tIns="91425">
+          <a:bodyPr spcFirstLastPara="1" wrap="square" lIns="91425" tIns="91425" rIns="91425" bIns="91425" anchor="b" anchorCtr="0">
             <a:noAutofit/>
           </a:bodyPr>
           <a:lstStyle>
@@ -2198,15 +2267,19 @@
               <a:defRPr sz="4800"/>
             </a:lvl9pPr>
           </a:lstStyle>
-          <a:p/>
+          <a:p>
+            <a:endParaRPr/>
+          </a:p>
         </p:txBody>
       </p:sp>
       <p:sp>
         <p:nvSpPr>
           <p:cNvPr id="15" name="Google Shape;15;p2"/>
-          <p:cNvSpPr txBox="1"/>
+          <p:cNvSpPr txBox="1">
+            <a:spLocks noGrp="1"/>
+          </p:cNvSpPr>
           <p:nvPr>
-            <p:ph idx="1" type="subTitle"/>
+            <p:ph type="subTitle" idx="1"/>
           </p:nvPr>
         </p:nvSpPr>
         <p:spPr>
@@ -2219,7 +2292,7 @@
           </a:prstGeom>
         </p:spPr>
         <p:txBody>
-          <a:bodyPr anchorCtr="0" anchor="t" bIns="91425" lIns="91425" spcFirstLastPara="1" rIns="91425" wrap="square" tIns="91425">
+          <a:bodyPr spcFirstLastPara="1" wrap="square" lIns="91425" tIns="91425" rIns="91425" bIns="91425" anchor="t" anchorCtr="0">
             <a:noAutofit/>
           </a:bodyPr>
           <a:lstStyle>
@@ -2350,15 +2423,19 @@
               <a:defRPr sz="2100"/>
             </a:lvl9pPr>
           </a:lstStyle>
-          <a:p/>
+          <a:p>
+            <a:endParaRPr/>
+          </a:p>
         </p:txBody>
       </p:sp>
       <p:sp>
         <p:nvSpPr>
           <p:cNvPr id="16" name="Google Shape;16;p2"/>
-          <p:cNvSpPr txBox="1"/>
+          <p:cNvSpPr txBox="1">
+            <a:spLocks noGrp="1"/>
+          </p:cNvSpPr>
           <p:nvPr>
-            <p:ph idx="12" type="sldNum"/>
+            <p:ph type="sldNum" idx="12"/>
           </p:nvPr>
         </p:nvSpPr>
         <p:spPr>
@@ -2371,7 +2448,7 @@
           </a:prstGeom>
         </p:spPr>
         <p:txBody>
-          <a:bodyPr anchorCtr="0" anchor="ctr" bIns="91425" lIns="91425" spcFirstLastPara="1" rIns="91425" wrap="square" tIns="91425">
+          <a:bodyPr spcFirstLastPara="1" wrap="square" lIns="91425" tIns="91425" rIns="91425" bIns="91425" anchor="ctr" anchorCtr="0">
             <a:noAutofit/>
           </a:bodyPr>
           <a:lstStyle>
@@ -2413,7 +2490,7 @@
             </a:lvl9pPr>
           </a:lstStyle>
           <a:p>
-            <a:pPr indent="0" lvl="0" marL="0" rtl="0" algn="r">
+            <a:pPr marL="0" lvl="0" indent="0" algn="r" rtl="0">
               <a:spcBef>
                 <a:spcPts val="0"/>
               </a:spcBef>
@@ -2424,7 +2501,7 @@
             </a:pPr>
             <a:fld id="{00000000-1234-1234-1234-123412341234}" type="slidenum">
               <a:rPr lang="es"/>
-              <a:t>‹#›</a:t>
+              <a:t>‹Nº›</a:t>
             </a:fld>
             <a:endParaRPr/>
           </a:p>
@@ -2439,374 +2516,11 @@
 </file>
 
 <file path=ppt/slideLayouts/slideLayout10.xml><?xml version="1.0" encoding="utf-8"?>
-<p:sldLayout xmlns:a="http://schemas.openxmlformats.org/drawingml/2006/main" xmlns:r="http://schemas.openxmlformats.org/officeDocument/2006/relationships" xmlns:mc="http://schemas.openxmlformats.org/markup-compatibility/2006" xmlns:mv="urn:schemas-microsoft-com:mac:vml" xmlns:p="http://schemas.openxmlformats.org/presentationml/2006/main" xmlns:c="http://schemas.openxmlformats.org/drawingml/2006/chart" xmlns:dgm="http://schemas.openxmlformats.org/drawingml/2006/diagram" xmlns:o="urn:schemas-microsoft-com:office:office" xmlns:v="urn:schemas-microsoft-com:vml" xmlns:pvml="urn:schemas-microsoft-com:office:powerpoint" xmlns:com="http://schemas.openxmlformats.org/drawingml/2006/compatibility" xmlns:p14="http://schemas.microsoft.com/office/powerpoint/2010/main" xmlns:p15="http://schemas.microsoft.com/office/powerpoint/2012/main" xmlns:ahyp="http://schemas.microsoft.com/office/drawing/2018/hyperlinkcolor" matchingName="Big number">
-  <p:cSld name="BIG_NUMBER">
-    <p:bg>
-      <p:bgPr>
-        <a:solidFill>
-          <a:schemeClr val="lt2"/>
-        </a:solidFill>
-      </p:bgPr>
-    </p:bg>
-    <p:spTree>
-      <p:nvGrpSpPr>
-        <p:cNvPr id="49" name="Shape 49"/>
-        <p:cNvGrpSpPr/>
-        <p:nvPr/>
-      </p:nvGrpSpPr>
-      <p:grpSpPr>
-        <a:xfrm>
-          <a:off x="0" y="0"/>
-          <a:ext cx="0" cy="0"/>
-          <a:chOff x="0" y="0"/>
-          <a:chExt cx="0" cy="0"/>
-        </a:xfrm>
-      </p:grpSpPr>
-      <p:sp>
-        <p:nvSpPr>
-          <p:cNvPr id="50" name="Google Shape;50;p11"/>
-          <p:cNvSpPr txBox="1"/>
-          <p:nvPr>
-            <p:ph hasCustomPrompt="1" type="title"/>
-          </p:nvPr>
-        </p:nvSpPr>
-        <p:spPr>
-          <a:xfrm>
-            <a:off x="311700" y="1255275"/>
-            <a:ext cx="8520600" cy="1890600"/>
-          </a:xfrm>
-          <a:prstGeom prst="rect">
-            <a:avLst/>
-          </a:prstGeom>
-        </p:spPr>
-        <p:txBody>
-          <a:bodyPr anchorCtr="0" anchor="b" bIns="91425" lIns="91425" spcFirstLastPara="1" rIns="91425" wrap="square" tIns="91425">
-            <a:noAutofit/>
-          </a:bodyPr>
-          <a:lstStyle>
-            <a:lvl1pPr lvl="0" algn="ctr">
-              <a:spcBef>
-                <a:spcPts val="0"/>
-              </a:spcBef>
-              <a:spcAft>
-                <a:spcPts val="0"/>
-              </a:spcAft>
-              <a:buSzPts val="12000"/>
-              <a:buNone/>
-              <a:defRPr sz="12000"/>
-            </a:lvl1pPr>
-            <a:lvl2pPr lvl="1" algn="ctr">
-              <a:spcBef>
-                <a:spcPts val="0"/>
-              </a:spcBef>
-              <a:spcAft>
-                <a:spcPts val="0"/>
-              </a:spcAft>
-              <a:buSzPts val="12000"/>
-              <a:buNone/>
-              <a:defRPr sz="12000"/>
-            </a:lvl2pPr>
-            <a:lvl3pPr lvl="2" algn="ctr">
-              <a:spcBef>
-                <a:spcPts val="0"/>
-              </a:spcBef>
-              <a:spcAft>
-                <a:spcPts val="0"/>
-              </a:spcAft>
-              <a:buSzPts val="12000"/>
-              <a:buNone/>
-              <a:defRPr sz="12000"/>
-            </a:lvl3pPr>
-            <a:lvl4pPr lvl="3" algn="ctr">
-              <a:spcBef>
-                <a:spcPts val="0"/>
-              </a:spcBef>
-              <a:spcAft>
-                <a:spcPts val="0"/>
-              </a:spcAft>
-              <a:buSzPts val="12000"/>
-              <a:buNone/>
-              <a:defRPr sz="12000"/>
-            </a:lvl4pPr>
-            <a:lvl5pPr lvl="4" algn="ctr">
-              <a:spcBef>
-                <a:spcPts val="0"/>
-              </a:spcBef>
-              <a:spcAft>
-                <a:spcPts val="0"/>
-              </a:spcAft>
-              <a:buSzPts val="12000"/>
-              <a:buNone/>
-              <a:defRPr sz="12000"/>
-            </a:lvl5pPr>
-            <a:lvl6pPr lvl="5" algn="ctr">
-              <a:spcBef>
-                <a:spcPts val="0"/>
-              </a:spcBef>
-              <a:spcAft>
-                <a:spcPts val="0"/>
-              </a:spcAft>
-              <a:buSzPts val="12000"/>
-              <a:buNone/>
-              <a:defRPr sz="12000"/>
-            </a:lvl6pPr>
-            <a:lvl7pPr lvl="6" algn="ctr">
-              <a:spcBef>
-                <a:spcPts val="0"/>
-              </a:spcBef>
-              <a:spcAft>
-                <a:spcPts val="0"/>
-              </a:spcAft>
-              <a:buSzPts val="12000"/>
-              <a:buNone/>
-              <a:defRPr sz="12000"/>
-            </a:lvl7pPr>
-            <a:lvl8pPr lvl="7" algn="ctr">
-              <a:spcBef>
-                <a:spcPts val="0"/>
-              </a:spcBef>
-              <a:spcAft>
-                <a:spcPts val="0"/>
-              </a:spcAft>
-              <a:buSzPts val="12000"/>
-              <a:buNone/>
-              <a:defRPr sz="12000"/>
-            </a:lvl8pPr>
-            <a:lvl9pPr lvl="8" algn="ctr">
-              <a:spcBef>
-                <a:spcPts val="0"/>
-              </a:spcBef>
-              <a:spcAft>
-                <a:spcPts val="0"/>
-              </a:spcAft>
-              <a:buSzPts val="12000"/>
-              <a:buNone/>
-              <a:defRPr sz="12000"/>
-            </a:lvl9pPr>
-          </a:lstStyle>
-          <a:p>
-            <a:r>
-              <a:t>xx%</a:t>
-            </a:r>
-          </a:p>
-        </p:txBody>
-      </p:sp>
-      <p:sp>
-        <p:nvSpPr>
-          <p:cNvPr id="51" name="Google Shape;51;p11"/>
-          <p:cNvSpPr txBox="1"/>
-          <p:nvPr>
-            <p:ph idx="1" type="body"/>
-          </p:nvPr>
-        </p:nvSpPr>
-        <p:spPr>
-          <a:xfrm>
-            <a:off x="311700" y="3228425"/>
-            <a:ext cx="8520600" cy="1300800"/>
-          </a:xfrm>
-          <a:prstGeom prst="rect">
-            <a:avLst/>
-          </a:prstGeom>
-        </p:spPr>
-        <p:txBody>
-          <a:bodyPr anchorCtr="0" anchor="t" bIns="91425" lIns="91425" spcFirstLastPara="1" rIns="91425" wrap="square" tIns="91425">
-            <a:noAutofit/>
-          </a:bodyPr>
-          <a:lstStyle>
-            <a:lvl1pPr indent="-342900" lvl="0" marL="457200" algn="ctr">
-              <a:spcBef>
-                <a:spcPts val="0"/>
-              </a:spcBef>
-              <a:spcAft>
-                <a:spcPts val="0"/>
-              </a:spcAft>
-              <a:buSzPts val="1800"/>
-              <a:buChar char="●"/>
-              <a:defRPr/>
-            </a:lvl1pPr>
-            <a:lvl2pPr indent="-317500" lvl="1" marL="914400" algn="ctr">
-              <a:spcBef>
-                <a:spcPts val="1600"/>
-              </a:spcBef>
-              <a:spcAft>
-                <a:spcPts val="0"/>
-              </a:spcAft>
-              <a:buSzPts val="1400"/>
-              <a:buChar char="○"/>
-              <a:defRPr/>
-            </a:lvl2pPr>
-            <a:lvl3pPr indent="-317500" lvl="2" marL="1371600" algn="ctr">
-              <a:spcBef>
-                <a:spcPts val="1600"/>
-              </a:spcBef>
-              <a:spcAft>
-                <a:spcPts val="0"/>
-              </a:spcAft>
-              <a:buSzPts val="1400"/>
-              <a:buChar char="■"/>
-              <a:defRPr/>
-            </a:lvl3pPr>
-            <a:lvl4pPr indent="-317500" lvl="3" marL="1828800" algn="ctr">
-              <a:spcBef>
-                <a:spcPts val="1600"/>
-              </a:spcBef>
-              <a:spcAft>
-                <a:spcPts val="0"/>
-              </a:spcAft>
-              <a:buSzPts val="1400"/>
-              <a:buChar char="●"/>
-              <a:defRPr/>
-            </a:lvl4pPr>
-            <a:lvl5pPr indent="-317500" lvl="4" marL="2286000" algn="ctr">
-              <a:spcBef>
-                <a:spcPts val="1600"/>
-              </a:spcBef>
-              <a:spcAft>
-                <a:spcPts val="0"/>
-              </a:spcAft>
-              <a:buSzPts val="1400"/>
-              <a:buChar char="○"/>
-              <a:defRPr/>
-            </a:lvl5pPr>
-            <a:lvl6pPr indent="-317500" lvl="5" marL="2743200" algn="ctr">
-              <a:spcBef>
-                <a:spcPts val="1600"/>
-              </a:spcBef>
-              <a:spcAft>
-                <a:spcPts val="0"/>
-              </a:spcAft>
-              <a:buSzPts val="1400"/>
-              <a:buChar char="■"/>
-              <a:defRPr/>
-            </a:lvl6pPr>
-            <a:lvl7pPr indent="-317500" lvl="6" marL="3200400" algn="ctr">
-              <a:spcBef>
-                <a:spcPts val="1600"/>
-              </a:spcBef>
-              <a:spcAft>
-                <a:spcPts val="0"/>
-              </a:spcAft>
-              <a:buSzPts val="1400"/>
-              <a:buChar char="●"/>
-              <a:defRPr/>
-            </a:lvl7pPr>
-            <a:lvl8pPr indent="-317500" lvl="7" marL="3657600" algn="ctr">
-              <a:spcBef>
-                <a:spcPts val="1600"/>
-              </a:spcBef>
-              <a:spcAft>
-                <a:spcPts val="0"/>
-              </a:spcAft>
-              <a:buSzPts val="1400"/>
-              <a:buChar char="○"/>
-              <a:defRPr/>
-            </a:lvl8pPr>
-            <a:lvl9pPr indent="-317500" lvl="8" marL="4114800" algn="ctr">
-              <a:spcBef>
-                <a:spcPts val="1600"/>
-              </a:spcBef>
-              <a:spcAft>
-                <a:spcPts val="1600"/>
-              </a:spcAft>
-              <a:buSzPts val="1400"/>
-              <a:buChar char="■"/>
-              <a:defRPr/>
-            </a:lvl9pPr>
-          </a:lstStyle>
-          <a:p/>
-        </p:txBody>
-      </p:sp>
-      <p:sp>
-        <p:nvSpPr>
-          <p:cNvPr id="52" name="Google Shape;52;p11"/>
-          <p:cNvSpPr txBox="1"/>
-          <p:nvPr>
-            <p:ph idx="12" type="sldNum"/>
-          </p:nvPr>
-        </p:nvSpPr>
-        <p:spPr>
-          <a:xfrm>
-            <a:off x="8490250" y="4681009"/>
-            <a:ext cx="548700" cy="393600"/>
-          </a:xfrm>
-          <a:prstGeom prst="rect">
-            <a:avLst/>
-          </a:prstGeom>
-        </p:spPr>
-        <p:txBody>
-          <a:bodyPr anchorCtr="0" anchor="ctr" bIns="91425" lIns="91425" spcFirstLastPara="1" rIns="91425" wrap="square" tIns="91425">
-            <a:noAutofit/>
-          </a:bodyPr>
-          <a:lstStyle>
-            <a:lvl1pPr lvl="0">
-              <a:buNone/>
-              <a:defRPr/>
-            </a:lvl1pPr>
-            <a:lvl2pPr lvl="1">
-              <a:buNone/>
-              <a:defRPr/>
-            </a:lvl2pPr>
-            <a:lvl3pPr lvl="2">
-              <a:buNone/>
-              <a:defRPr/>
-            </a:lvl3pPr>
-            <a:lvl4pPr lvl="3">
-              <a:buNone/>
-              <a:defRPr/>
-            </a:lvl4pPr>
-            <a:lvl5pPr lvl="4">
-              <a:buNone/>
-              <a:defRPr/>
-            </a:lvl5pPr>
-            <a:lvl6pPr lvl="5">
-              <a:buNone/>
-              <a:defRPr/>
-            </a:lvl6pPr>
-            <a:lvl7pPr lvl="6">
-              <a:buNone/>
-              <a:defRPr/>
-            </a:lvl7pPr>
-            <a:lvl8pPr lvl="7">
-              <a:buNone/>
-              <a:defRPr/>
-            </a:lvl8pPr>
-            <a:lvl9pPr lvl="8">
-              <a:buNone/>
-              <a:defRPr/>
-            </a:lvl9pPr>
-          </a:lstStyle>
-          <a:p>
-            <a:pPr indent="0" lvl="0" marL="0" rtl="0" algn="r">
-              <a:spcBef>
-                <a:spcPts val="0"/>
-              </a:spcBef>
-              <a:spcAft>
-                <a:spcPts val="0"/>
-              </a:spcAft>
-              <a:buNone/>
-            </a:pPr>
-            <a:fld id="{00000000-1234-1234-1234-123412341234}" type="slidenum">
-              <a:rPr lang="es"/>
-              <a:t>‹#›</a:t>
-            </a:fld>
-            <a:endParaRPr/>
-          </a:p>
-        </p:txBody>
-      </p:sp>
-    </p:spTree>
-  </p:cSld>
-  <p:clrMapOvr>
-    <a:masterClrMapping/>
-  </p:clrMapOvr>
-</p:sldLayout>
-</file>
-
-<file path=ppt/slideLayouts/slideLayout11.xml><?xml version="1.0" encoding="utf-8"?>
-<p:sldLayout xmlns:a="http://schemas.openxmlformats.org/drawingml/2006/main" xmlns:r="http://schemas.openxmlformats.org/officeDocument/2006/relationships" xmlns:mc="http://schemas.openxmlformats.org/markup-compatibility/2006" xmlns:mv="urn:schemas-microsoft-com:mac:vml" xmlns:p="http://schemas.openxmlformats.org/presentationml/2006/main" xmlns:c="http://schemas.openxmlformats.org/drawingml/2006/chart" xmlns:dgm="http://schemas.openxmlformats.org/drawingml/2006/diagram" xmlns:o="urn:schemas-microsoft-com:office:office" xmlns:v="urn:schemas-microsoft-com:vml" xmlns:pvml="urn:schemas-microsoft-com:office:powerpoint" xmlns:com="http://schemas.openxmlformats.org/drawingml/2006/compatibility" xmlns:p14="http://schemas.microsoft.com/office/powerpoint/2010/main" xmlns:p15="http://schemas.microsoft.com/office/powerpoint/2012/main" xmlns:ahyp="http://schemas.microsoft.com/office/drawing/2018/hyperlinkcolor" matchingName="Blank" type="blank">
+<p:sldLayout xmlns:a="http://schemas.openxmlformats.org/drawingml/2006/main" xmlns:r="http://schemas.openxmlformats.org/officeDocument/2006/relationships" xmlns:p="http://schemas.openxmlformats.org/presentationml/2006/main" matchingName="Blank" type="blank">
   <p:cSld name="BLANK">
     <p:spTree>
       <p:nvGrpSpPr>
-        <p:cNvPr id="53" name="Shape 53"/>
+        <p:cNvPr id="1" name="Shape 53"/>
         <p:cNvGrpSpPr/>
         <p:nvPr/>
       </p:nvGrpSpPr>
@@ -2821,9 +2535,11 @@
       <p:sp>
         <p:nvSpPr>
           <p:cNvPr id="54" name="Google Shape;54;p12"/>
-          <p:cNvSpPr txBox="1"/>
+          <p:cNvSpPr txBox="1">
+            <a:spLocks noGrp="1"/>
+          </p:cNvSpPr>
           <p:nvPr>
-            <p:ph idx="12" type="sldNum"/>
+            <p:ph type="sldNum" idx="12"/>
           </p:nvPr>
         </p:nvSpPr>
         <p:spPr>
@@ -2836,7 +2552,7 @@
           </a:prstGeom>
         </p:spPr>
         <p:txBody>
-          <a:bodyPr anchorCtr="0" anchor="ctr" bIns="91425" lIns="91425" spcFirstLastPara="1" rIns="91425" wrap="square" tIns="91425">
+          <a:bodyPr spcFirstLastPara="1" wrap="square" lIns="91425" tIns="91425" rIns="91425" bIns="91425" anchor="ctr" anchorCtr="0">
             <a:noAutofit/>
           </a:bodyPr>
           <a:lstStyle>
@@ -2878,7 +2594,7 @@
             </a:lvl9pPr>
           </a:lstStyle>
           <a:p>
-            <a:pPr indent="0" lvl="0" marL="0" rtl="0" algn="r">
+            <a:pPr marL="0" lvl="0" indent="0" algn="r" rtl="0">
               <a:spcBef>
                 <a:spcPts val="0"/>
               </a:spcBef>
@@ -2889,7 +2605,7 @@
             </a:pPr>
             <a:fld id="{00000000-1234-1234-1234-123412341234}" type="slidenum">
               <a:rPr lang="es"/>
-              <a:t>‹#›</a:t>
+              <a:t>‹Nº›</a:t>
             </a:fld>
             <a:endParaRPr/>
           </a:p>
@@ -2904,18 +2620,19 @@
 </file>
 
 <file path=ppt/slideLayouts/slideLayout2.xml><?xml version="1.0" encoding="utf-8"?>
-<p:sldLayout xmlns:a="http://schemas.openxmlformats.org/drawingml/2006/main" xmlns:r="http://schemas.openxmlformats.org/officeDocument/2006/relationships" xmlns:mc="http://schemas.openxmlformats.org/markup-compatibility/2006" xmlns:mv="urn:schemas-microsoft-com:mac:vml" xmlns:p="http://schemas.openxmlformats.org/presentationml/2006/main" xmlns:c="http://schemas.openxmlformats.org/drawingml/2006/chart" xmlns:dgm="http://schemas.openxmlformats.org/drawingml/2006/diagram" xmlns:o="urn:schemas-microsoft-com:office:office" xmlns:v="urn:schemas-microsoft-com:vml" xmlns:pvml="urn:schemas-microsoft-com:office:powerpoint" xmlns:com="http://schemas.openxmlformats.org/drawingml/2006/compatibility" xmlns:p14="http://schemas.microsoft.com/office/powerpoint/2010/main" xmlns:p15="http://schemas.microsoft.com/office/powerpoint/2012/main" xmlns:ahyp="http://schemas.microsoft.com/office/drawing/2018/hyperlinkcolor" matchingName="Section header" type="secHead">
-  <p:cSld name="SECTION_HEADER">
+<p:sldLayout xmlns:a="http://schemas.openxmlformats.org/drawingml/2006/main" xmlns:r="http://schemas.openxmlformats.org/officeDocument/2006/relationships" xmlns:p="http://schemas.openxmlformats.org/presentationml/2006/main" matchingName="Title and body" type="tx">
+  <p:cSld name="TITLE_AND_BODY">
     <p:bg>
       <p:bgPr>
         <a:solidFill>
-          <a:schemeClr val="lt2"/>
+          <a:srgbClr val="434343"/>
         </a:solidFill>
+        <a:effectLst/>
       </p:bgPr>
     </p:bg>
     <p:spTree>
       <p:nvGrpSpPr>
-        <p:cNvPr id="17" name="Shape 17"/>
+        <p:cNvPr id="1" name="Shape 20"/>
         <p:cNvGrpSpPr/>
         <p:nvPr/>
       </p:nvGrpSpPr>
@@ -2929,135 +2646,270 @@
       </p:grpSpPr>
       <p:sp>
         <p:nvSpPr>
-          <p:cNvPr id="18" name="Google Shape;18;p3"/>
-          <p:cNvSpPr txBox="1"/>
+          <p:cNvPr id="21" name="Google Shape;21;p4"/>
+          <p:cNvSpPr txBox="1">
+            <a:spLocks noGrp="1"/>
+          </p:cNvSpPr>
           <p:nvPr>
             <p:ph type="title"/>
           </p:nvPr>
         </p:nvSpPr>
         <p:spPr>
           <a:xfrm>
-            <a:off x="671250" y="2141250"/>
-            <a:ext cx="7852200" cy="861000"/>
+            <a:off x="311700" y="445025"/>
+            <a:ext cx="8520600" cy="572700"/>
           </a:xfrm>
           <a:prstGeom prst="rect">
             <a:avLst/>
           </a:prstGeom>
         </p:spPr>
         <p:txBody>
-          <a:bodyPr anchorCtr="0" anchor="ctr" bIns="91425" lIns="91425" spcFirstLastPara="1" rIns="91425" wrap="square" tIns="91425">
+          <a:bodyPr spcFirstLastPara="1" wrap="square" lIns="91425" tIns="91425" rIns="91425" bIns="91425" anchor="t" anchorCtr="0">
             <a:noAutofit/>
           </a:bodyPr>
           <a:lstStyle>
-            <a:lvl1pPr lvl="0" algn="ctr">
-              <a:spcBef>
-                <a:spcPts val="0"/>
-              </a:spcBef>
-              <a:spcAft>
-                <a:spcPts val="0"/>
-              </a:spcAft>
-              <a:buSzPts val="3600"/>
-              <a:buNone/>
-              <a:defRPr sz="3600"/>
+            <a:lvl1pPr lvl="0">
+              <a:spcBef>
+                <a:spcPts val="0"/>
+              </a:spcBef>
+              <a:spcAft>
+                <a:spcPts val="0"/>
+              </a:spcAft>
+              <a:buSzPts val="3000"/>
+              <a:buNone/>
+              <a:defRPr/>
             </a:lvl1pPr>
-            <a:lvl2pPr lvl="1" algn="ctr">
-              <a:spcBef>
-                <a:spcPts val="0"/>
-              </a:spcBef>
-              <a:spcAft>
-                <a:spcPts val="0"/>
-              </a:spcAft>
-              <a:buSzPts val="3600"/>
-              <a:buNone/>
-              <a:defRPr sz="3600"/>
+            <a:lvl2pPr lvl="1">
+              <a:spcBef>
+                <a:spcPts val="0"/>
+              </a:spcBef>
+              <a:spcAft>
+                <a:spcPts val="0"/>
+              </a:spcAft>
+              <a:buSzPts val="3000"/>
+              <a:buNone/>
+              <a:defRPr/>
             </a:lvl2pPr>
-            <a:lvl3pPr lvl="2" algn="ctr">
-              <a:spcBef>
-                <a:spcPts val="0"/>
-              </a:spcBef>
-              <a:spcAft>
-                <a:spcPts val="0"/>
-              </a:spcAft>
-              <a:buSzPts val="3600"/>
-              <a:buNone/>
-              <a:defRPr sz="3600"/>
+            <a:lvl3pPr lvl="2">
+              <a:spcBef>
+                <a:spcPts val="0"/>
+              </a:spcBef>
+              <a:spcAft>
+                <a:spcPts val="0"/>
+              </a:spcAft>
+              <a:buSzPts val="3000"/>
+              <a:buNone/>
+              <a:defRPr/>
             </a:lvl3pPr>
-            <a:lvl4pPr lvl="3" algn="ctr">
-              <a:spcBef>
-                <a:spcPts val="0"/>
-              </a:spcBef>
-              <a:spcAft>
-                <a:spcPts val="0"/>
-              </a:spcAft>
-              <a:buSzPts val="3600"/>
-              <a:buNone/>
-              <a:defRPr sz="3600"/>
+            <a:lvl4pPr lvl="3">
+              <a:spcBef>
+                <a:spcPts val="0"/>
+              </a:spcBef>
+              <a:spcAft>
+                <a:spcPts val="0"/>
+              </a:spcAft>
+              <a:buSzPts val="3000"/>
+              <a:buNone/>
+              <a:defRPr/>
             </a:lvl4pPr>
-            <a:lvl5pPr lvl="4" algn="ctr">
-              <a:spcBef>
-                <a:spcPts val="0"/>
-              </a:spcBef>
-              <a:spcAft>
-                <a:spcPts val="0"/>
-              </a:spcAft>
-              <a:buSzPts val="3600"/>
-              <a:buNone/>
-              <a:defRPr sz="3600"/>
+            <a:lvl5pPr lvl="4">
+              <a:spcBef>
+                <a:spcPts val="0"/>
+              </a:spcBef>
+              <a:spcAft>
+                <a:spcPts val="0"/>
+              </a:spcAft>
+              <a:buSzPts val="3000"/>
+              <a:buNone/>
+              <a:defRPr/>
             </a:lvl5pPr>
-            <a:lvl6pPr lvl="5" algn="ctr">
-              <a:spcBef>
-                <a:spcPts val="0"/>
-              </a:spcBef>
-              <a:spcAft>
-                <a:spcPts val="0"/>
-              </a:spcAft>
-              <a:buSzPts val="3600"/>
-              <a:buNone/>
-              <a:defRPr sz="3600"/>
+            <a:lvl6pPr lvl="5">
+              <a:spcBef>
+                <a:spcPts val="0"/>
+              </a:spcBef>
+              <a:spcAft>
+                <a:spcPts val="0"/>
+              </a:spcAft>
+              <a:buSzPts val="3000"/>
+              <a:buNone/>
+              <a:defRPr/>
             </a:lvl6pPr>
-            <a:lvl7pPr lvl="6" algn="ctr">
-              <a:spcBef>
-                <a:spcPts val="0"/>
-              </a:spcBef>
-              <a:spcAft>
-                <a:spcPts val="0"/>
-              </a:spcAft>
-              <a:buSzPts val="3600"/>
-              <a:buNone/>
-              <a:defRPr sz="3600"/>
+            <a:lvl7pPr lvl="6">
+              <a:spcBef>
+                <a:spcPts val="0"/>
+              </a:spcBef>
+              <a:spcAft>
+                <a:spcPts val="0"/>
+              </a:spcAft>
+              <a:buSzPts val="3000"/>
+              <a:buNone/>
+              <a:defRPr/>
             </a:lvl7pPr>
-            <a:lvl8pPr lvl="7" algn="ctr">
-              <a:spcBef>
-                <a:spcPts val="0"/>
-              </a:spcBef>
-              <a:spcAft>
-                <a:spcPts val="0"/>
-              </a:spcAft>
-              <a:buSzPts val="3600"/>
-              <a:buNone/>
-              <a:defRPr sz="3600"/>
+            <a:lvl8pPr lvl="7">
+              <a:spcBef>
+                <a:spcPts val="0"/>
+              </a:spcBef>
+              <a:spcAft>
+                <a:spcPts val="0"/>
+              </a:spcAft>
+              <a:buSzPts val="3000"/>
+              <a:buNone/>
+              <a:defRPr/>
             </a:lvl8pPr>
-            <a:lvl9pPr lvl="8" algn="ctr">
-              <a:spcBef>
-                <a:spcPts val="0"/>
-              </a:spcBef>
-              <a:spcAft>
-                <a:spcPts val="0"/>
-              </a:spcAft>
-              <a:buSzPts val="3600"/>
-              <a:buNone/>
-              <a:defRPr sz="3600"/>
+            <a:lvl9pPr lvl="8">
+              <a:spcBef>
+                <a:spcPts val="0"/>
+              </a:spcBef>
+              <a:spcAft>
+                <a:spcPts val="0"/>
+              </a:spcAft>
+              <a:buSzPts val="3000"/>
+              <a:buNone/>
+              <a:defRPr/>
             </a:lvl9pPr>
           </a:lstStyle>
-          <a:p/>
+          <a:p>
+            <a:endParaRPr/>
+          </a:p>
         </p:txBody>
       </p:sp>
       <p:sp>
         <p:nvSpPr>
-          <p:cNvPr id="19" name="Google Shape;19;p3"/>
-          <p:cNvSpPr txBox="1"/>
+          <p:cNvPr id="22" name="Google Shape;22;p4"/>
+          <p:cNvSpPr txBox="1">
+            <a:spLocks noGrp="1"/>
+          </p:cNvSpPr>
           <p:nvPr>
-            <p:ph idx="12" type="sldNum"/>
+            <p:ph type="body" idx="1"/>
+          </p:nvPr>
+        </p:nvSpPr>
+        <p:spPr>
+          <a:xfrm>
+            <a:off x="311700" y="1152475"/>
+            <a:ext cx="8520600" cy="3416400"/>
+          </a:xfrm>
+          <a:prstGeom prst="rect">
+            <a:avLst/>
+          </a:prstGeom>
+        </p:spPr>
+        <p:txBody>
+          <a:bodyPr spcFirstLastPara="1" wrap="square" lIns="91425" tIns="91425" rIns="91425" bIns="91425" anchor="t" anchorCtr="0">
+            <a:noAutofit/>
+          </a:bodyPr>
+          <a:lstStyle>
+            <a:lvl1pPr marL="457200" lvl="0" indent="-342900">
+              <a:spcBef>
+                <a:spcPts val="0"/>
+              </a:spcBef>
+              <a:spcAft>
+                <a:spcPts val="0"/>
+              </a:spcAft>
+              <a:buSzPts val="1800"/>
+              <a:buChar char="●"/>
+              <a:defRPr/>
+            </a:lvl1pPr>
+            <a:lvl2pPr marL="914400" lvl="1" indent="-317500">
+              <a:spcBef>
+                <a:spcPts val="1600"/>
+              </a:spcBef>
+              <a:spcAft>
+                <a:spcPts val="0"/>
+              </a:spcAft>
+              <a:buSzPts val="1400"/>
+              <a:buChar char="○"/>
+              <a:defRPr/>
+            </a:lvl2pPr>
+            <a:lvl3pPr marL="1371600" lvl="2" indent="-317500">
+              <a:spcBef>
+                <a:spcPts val="1600"/>
+              </a:spcBef>
+              <a:spcAft>
+                <a:spcPts val="0"/>
+              </a:spcAft>
+              <a:buSzPts val="1400"/>
+              <a:buChar char="■"/>
+              <a:defRPr/>
+            </a:lvl3pPr>
+            <a:lvl4pPr marL="1828800" lvl="3" indent="-317500">
+              <a:spcBef>
+                <a:spcPts val="1600"/>
+              </a:spcBef>
+              <a:spcAft>
+                <a:spcPts val="0"/>
+              </a:spcAft>
+              <a:buSzPts val="1400"/>
+              <a:buChar char="●"/>
+              <a:defRPr/>
+            </a:lvl4pPr>
+            <a:lvl5pPr marL="2286000" lvl="4" indent="-317500">
+              <a:spcBef>
+                <a:spcPts val="1600"/>
+              </a:spcBef>
+              <a:spcAft>
+                <a:spcPts val="0"/>
+              </a:spcAft>
+              <a:buSzPts val="1400"/>
+              <a:buChar char="○"/>
+              <a:defRPr/>
+            </a:lvl5pPr>
+            <a:lvl6pPr marL="2743200" lvl="5" indent="-317500">
+              <a:spcBef>
+                <a:spcPts val="1600"/>
+              </a:spcBef>
+              <a:spcAft>
+                <a:spcPts val="0"/>
+              </a:spcAft>
+              <a:buSzPts val="1400"/>
+              <a:buChar char="■"/>
+              <a:defRPr/>
+            </a:lvl6pPr>
+            <a:lvl7pPr marL="3200400" lvl="6" indent="-317500">
+              <a:spcBef>
+                <a:spcPts val="1600"/>
+              </a:spcBef>
+              <a:spcAft>
+                <a:spcPts val="0"/>
+              </a:spcAft>
+              <a:buSzPts val="1400"/>
+              <a:buChar char="●"/>
+              <a:defRPr/>
+            </a:lvl7pPr>
+            <a:lvl8pPr marL="3657600" lvl="7" indent="-317500">
+              <a:spcBef>
+                <a:spcPts val="1600"/>
+              </a:spcBef>
+              <a:spcAft>
+                <a:spcPts val="0"/>
+              </a:spcAft>
+              <a:buSzPts val="1400"/>
+              <a:buChar char="○"/>
+              <a:defRPr/>
+            </a:lvl8pPr>
+            <a:lvl9pPr marL="4114800" lvl="8" indent="-317500">
+              <a:spcBef>
+                <a:spcPts val="1600"/>
+              </a:spcBef>
+              <a:spcAft>
+                <a:spcPts val="1600"/>
+              </a:spcAft>
+              <a:buSzPts val="1400"/>
+              <a:buChar char="■"/>
+              <a:defRPr/>
+            </a:lvl9pPr>
+          </a:lstStyle>
+          <a:p>
+            <a:endParaRPr/>
+          </a:p>
+        </p:txBody>
+      </p:sp>
+      <p:sp>
+        <p:nvSpPr>
+          <p:cNvPr id="23" name="Google Shape;23;p4"/>
+          <p:cNvSpPr txBox="1">
+            <a:spLocks noGrp="1"/>
+          </p:cNvSpPr>
+          <p:nvPr>
+            <p:ph type="sldNum" idx="12"/>
           </p:nvPr>
         </p:nvSpPr>
         <p:spPr>
@@ -3070,7 +2922,7 @@
           </a:prstGeom>
         </p:spPr>
         <p:txBody>
-          <a:bodyPr anchorCtr="0" anchor="ctr" bIns="91425" lIns="91425" spcFirstLastPara="1" rIns="91425" wrap="square" tIns="91425">
+          <a:bodyPr spcFirstLastPara="1" wrap="square" lIns="91425" tIns="91425" rIns="91425" bIns="91425" anchor="ctr" anchorCtr="0">
             <a:noAutofit/>
           </a:bodyPr>
           <a:lstStyle>
@@ -3112,7 +2964,7 @@
             </a:lvl9pPr>
           </a:lstStyle>
           <a:p>
-            <a:pPr indent="0" lvl="0" marL="0" rtl="0" algn="r">
+            <a:pPr marL="0" lvl="0" indent="0" algn="r" rtl="0">
               <a:spcBef>
                 <a:spcPts val="0"/>
               </a:spcBef>
@@ -3123,7 +2975,7 @@
             </a:pPr>
             <a:fld id="{00000000-1234-1234-1234-123412341234}" type="slidenum">
               <a:rPr lang="es"/>
-              <a:t>‹#›</a:t>
+              <a:t>‹Nº›</a:t>
             </a:fld>
             <a:endParaRPr/>
           </a:p>
@@ -3138,18 +2990,11 @@
 </file>
 
 <file path=ppt/slideLayouts/slideLayout3.xml><?xml version="1.0" encoding="utf-8"?>
-<p:sldLayout xmlns:a="http://schemas.openxmlformats.org/drawingml/2006/main" xmlns:r="http://schemas.openxmlformats.org/officeDocument/2006/relationships" xmlns:mc="http://schemas.openxmlformats.org/markup-compatibility/2006" xmlns:mv="urn:schemas-microsoft-com:mac:vml" xmlns:p="http://schemas.openxmlformats.org/presentationml/2006/main" xmlns:c="http://schemas.openxmlformats.org/drawingml/2006/chart" xmlns:dgm="http://schemas.openxmlformats.org/drawingml/2006/diagram" xmlns:o="urn:schemas-microsoft-com:office:office" xmlns:v="urn:schemas-microsoft-com:vml" xmlns:pvml="urn:schemas-microsoft-com:office:powerpoint" xmlns:com="http://schemas.openxmlformats.org/drawingml/2006/compatibility" xmlns:p14="http://schemas.microsoft.com/office/powerpoint/2010/main" xmlns:p15="http://schemas.microsoft.com/office/powerpoint/2012/main" xmlns:ahyp="http://schemas.microsoft.com/office/drawing/2018/hyperlinkcolor" matchingName="Title and body" type="tx">
-  <p:cSld name="TITLE_AND_BODY">
-    <p:bg>
-      <p:bgPr>
-        <a:solidFill>
-          <a:srgbClr val="434343"/>
-        </a:solidFill>
-      </p:bgPr>
-    </p:bg>
+<p:sldLayout xmlns:a="http://schemas.openxmlformats.org/drawingml/2006/main" xmlns:r="http://schemas.openxmlformats.org/officeDocument/2006/relationships" xmlns:p="http://schemas.openxmlformats.org/presentationml/2006/main" matchingName="Title and two columns" type="twoColTx">
+  <p:cSld name="TITLE_AND_TWO_COLUMNS">
     <p:spTree>
       <p:nvGrpSpPr>
-        <p:cNvPr id="20" name="Shape 20"/>
+        <p:cNvPr id="1" name="Shape 24"/>
         <p:cNvGrpSpPr/>
         <p:nvPr/>
       </p:nvGrpSpPr>
@@ -3163,8 +3008,10 @@
       </p:grpSpPr>
       <p:sp>
         <p:nvSpPr>
-          <p:cNvPr id="21" name="Google Shape;21;p4"/>
-          <p:cNvSpPr txBox="1"/>
+          <p:cNvPr id="25" name="Google Shape;25;p5"/>
+          <p:cNvSpPr txBox="1">
+            <a:spLocks noGrp="1"/>
+          </p:cNvSpPr>
           <p:nvPr>
             <p:ph type="title"/>
           </p:nvPr>
@@ -3179,7 +3026,7 @@
           </a:prstGeom>
         </p:spPr>
         <p:txBody>
-          <a:bodyPr anchorCtr="0" anchor="t" bIns="91425" lIns="91425" spcFirstLastPara="1" rIns="91425" wrap="square" tIns="91425">
+          <a:bodyPr spcFirstLastPara="1" wrap="square" lIns="91425" tIns="91425" rIns="91425" bIns="91425" anchor="t" anchorCtr="0">
             <a:noAutofit/>
           </a:bodyPr>
           <a:lstStyle>
@@ -3283,140 +3130,277 @@
               <a:defRPr/>
             </a:lvl9pPr>
           </a:lstStyle>
-          <a:p/>
+          <a:p>
+            <a:endParaRPr/>
+          </a:p>
         </p:txBody>
       </p:sp>
       <p:sp>
         <p:nvSpPr>
-          <p:cNvPr id="22" name="Google Shape;22;p4"/>
-          <p:cNvSpPr txBox="1"/>
+          <p:cNvPr id="26" name="Google Shape;26;p5"/>
+          <p:cNvSpPr txBox="1">
+            <a:spLocks noGrp="1"/>
+          </p:cNvSpPr>
           <p:nvPr>
-            <p:ph idx="1" type="body"/>
+            <p:ph type="body" idx="1"/>
           </p:nvPr>
         </p:nvSpPr>
         <p:spPr>
           <a:xfrm>
             <a:off x="311700" y="1152475"/>
-            <a:ext cx="8520600" cy="3416400"/>
+            <a:ext cx="3999900" cy="3416400"/>
           </a:xfrm>
           <a:prstGeom prst="rect">
             <a:avLst/>
           </a:prstGeom>
         </p:spPr>
         <p:txBody>
-          <a:bodyPr anchorCtr="0" anchor="t" bIns="91425" lIns="91425" spcFirstLastPara="1" rIns="91425" wrap="square" tIns="91425">
+          <a:bodyPr spcFirstLastPara="1" wrap="square" lIns="91425" tIns="91425" rIns="91425" bIns="91425" anchor="t" anchorCtr="0">
             <a:noAutofit/>
           </a:bodyPr>
           <a:lstStyle>
-            <a:lvl1pPr indent="-342900" lvl="0" marL="457200">
-              <a:spcBef>
-                <a:spcPts val="0"/>
-              </a:spcBef>
-              <a:spcAft>
-                <a:spcPts val="0"/>
-              </a:spcAft>
-              <a:buSzPts val="1800"/>
-              <a:buChar char="●"/>
-              <a:defRPr/>
-            </a:lvl1pPr>
-            <a:lvl2pPr indent="-317500" lvl="1" marL="914400">
-              <a:spcBef>
-                <a:spcPts val="1600"/>
-              </a:spcBef>
-              <a:spcAft>
-                <a:spcPts val="0"/>
-              </a:spcAft>
-              <a:buSzPts val="1400"/>
-              <a:buChar char="○"/>
-              <a:defRPr/>
-            </a:lvl2pPr>
-            <a:lvl3pPr indent="-317500" lvl="2" marL="1371600">
-              <a:spcBef>
-                <a:spcPts val="1600"/>
-              </a:spcBef>
-              <a:spcAft>
-                <a:spcPts val="0"/>
-              </a:spcAft>
-              <a:buSzPts val="1400"/>
-              <a:buChar char="■"/>
-              <a:defRPr/>
-            </a:lvl3pPr>
-            <a:lvl4pPr indent="-317500" lvl="3" marL="1828800">
-              <a:spcBef>
-                <a:spcPts val="1600"/>
+            <a:lvl1pPr marL="457200" lvl="0" indent="-317500">
+              <a:spcBef>
+                <a:spcPts val="0"/>
               </a:spcBef>
               <a:spcAft>
                 <a:spcPts val="0"/>
               </a:spcAft>
               <a:buSzPts val="1400"/>
               <a:buChar char="●"/>
-              <a:defRPr/>
+              <a:defRPr sz="1400"/>
+            </a:lvl1pPr>
+            <a:lvl2pPr marL="914400" lvl="1" indent="-304800">
+              <a:spcBef>
+                <a:spcPts val="1600"/>
+              </a:spcBef>
+              <a:spcAft>
+                <a:spcPts val="0"/>
+              </a:spcAft>
+              <a:buSzPts val="1200"/>
+              <a:buChar char="○"/>
+              <a:defRPr sz="1200"/>
+            </a:lvl2pPr>
+            <a:lvl3pPr marL="1371600" lvl="2" indent="-304800">
+              <a:spcBef>
+                <a:spcPts val="1600"/>
+              </a:spcBef>
+              <a:spcAft>
+                <a:spcPts val="0"/>
+              </a:spcAft>
+              <a:buSzPts val="1200"/>
+              <a:buChar char="■"/>
+              <a:defRPr sz="1200"/>
+            </a:lvl3pPr>
+            <a:lvl4pPr marL="1828800" lvl="3" indent="-304800">
+              <a:spcBef>
+                <a:spcPts val="1600"/>
+              </a:spcBef>
+              <a:spcAft>
+                <a:spcPts val="0"/>
+              </a:spcAft>
+              <a:buSzPts val="1200"/>
+              <a:buChar char="●"/>
+              <a:defRPr sz="1200"/>
             </a:lvl4pPr>
-            <a:lvl5pPr indent="-317500" lvl="4" marL="2286000">
+            <a:lvl5pPr marL="2286000" lvl="4" indent="-304800">
               <a:spcBef>
                 <a:spcPts val="1600"/>
               </a:spcBef>
               <a:spcAft>
                 <a:spcPts val="0"/>
               </a:spcAft>
-              <a:buSzPts val="1400"/>
+              <a:buSzPts val="1200"/>
               <a:buChar char="○"/>
-              <a:defRPr/>
+              <a:defRPr sz="1200"/>
             </a:lvl5pPr>
-            <a:lvl6pPr indent="-317500" lvl="5" marL="2743200">
+            <a:lvl6pPr marL="2743200" lvl="5" indent="-304800">
               <a:spcBef>
                 <a:spcPts val="1600"/>
               </a:spcBef>
               <a:spcAft>
                 <a:spcPts val="0"/>
               </a:spcAft>
-              <a:buSzPts val="1400"/>
+              <a:buSzPts val="1200"/>
               <a:buChar char="■"/>
-              <a:defRPr/>
+              <a:defRPr sz="1200"/>
             </a:lvl6pPr>
-            <a:lvl7pPr indent="-317500" lvl="6" marL="3200400">
+            <a:lvl7pPr marL="3200400" lvl="6" indent="-304800">
               <a:spcBef>
                 <a:spcPts val="1600"/>
               </a:spcBef>
               <a:spcAft>
                 <a:spcPts val="0"/>
               </a:spcAft>
-              <a:buSzPts val="1400"/>
+              <a:buSzPts val="1200"/>
               <a:buChar char="●"/>
-              <a:defRPr/>
+              <a:defRPr sz="1200"/>
             </a:lvl7pPr>
-            <a:lvl8pPr indent="-317500" lvl="7" marL="3657600">
+            <a:lvl8pPr marL="3657600" lvl="7" indent="-304800">
               <a:spcBef>
                 <a:spcPts val="1600"/>
               </a:spcBef>
               <a:spcAft>
                 <a:spcPts val="0"/>
               </a:spcAft>
-              <a:buSzPts val="1400"/>
+              <a:buSzPts val="1200"/>
               <a:buChar char="○"/>
-              <a:defRPr/>
+              <a:defRPr sz="1200"/>
             </a:lvl8pPr>
-            <a:lvl9pPr indent="-317500" lvl="8" marL="4114800">
+            <a:lvl9pPr marL="4114800" lvl="8" indent="-304800">
               <a:spcBef>
                 <a:spcPts val="1600"/>
               </a:spcBef>
               <a:spcAft>
                 <a:spcPts val="1600"/>
               </a:spcAft>
-              <a:buSzPts val="1400"/>
+              <a:buSzPts val="1200"/>
               <a:buChar char="■"/>
-              <a:defRPr/>
+              <a:defRPr sz="1200"/>
             </a:lvl9pPr>
           </a:lstStyle>
-          <a:p/>
+          <a:p>
+            <a:endParaRPr/>
+          </a:p>
         </p:txBody>
       </p:sp>
       <p:sp>
         <p:nvSpPr>
-          <p:cNvPr id="23" name="Google Shape;23;p4"/>
-          <p:cNvSpPr txBox="1"/>
+          <p:cNvPr id="27" name="Google Shape;27;p5"/>
+          <p:cNvSpPr txBox="1">
+            <a:spLocks noGrp="1"/>
+          </p:cNvSpPr>
           <p:nvPr>
-            <p:ph idx="12" type="sldNum"/>
+            <p:ph type="body" idx="2"/>
+          </p:nvPr>
+        </p:nvSpPr>
+        <p:spPr>
+          <a:xfrm>
+            <a:off x="4832400" y="1152475"/>
+            <a:ext cx="3999900" cy="3416400"/>
+          </a:xfrm>
+          <a:prstGeom prst="rect">
+            <a:avLst/>
+          </a:prstGeom>
+        </p:spPr>
+        <p:txBody>
+          <a:bodyPr spcFirstLastPara="1" wrap="square" lIns="91425" tIns="91425" rIns="91425" bIns="91425" anchor="t" anchorCtr="0">
+            <a:noAutofit/>
+          </a:bodyPr>
+          <a:lstStyle>
+            <a:lvl1pPr marL="457200" lvl="0" indent="-317500">
+              <a:spcBef>
+                <a:spcPts val="0"/>
+              </a:spcBef>
+              <a:spcAft>
+                <a:spcPts val="0"/>
+              </a:spcAft>
+              <a:buSzPts val="1400"/>
+              <a:buChar char="●"/>
+              <a:defRPr sz="1400"/>
+            </a:lvl1pPr>
+            <a:lvl2pPr marL="914400" lvl="1" indent="-304800">
+              <a:spcBef>
+                <a:spcPts val="1600"/>
+              </a:spcBef>
+              <a:spcAft>
+                <a:spcPts val="0"/>
+              </a:spcAft>
+              <a:buSzPts val="1200"/>
+              <a:buChar char="○"/>
+              <a:defRPr sz="1200"/>
+            </a:lvl2pPr>
+            <a:lvl3pPr marL="1371600" lvl="2" indent="-304800">
+              <a:spcBef>
+                <a:spcPts val="1600"/>
+              </a:spcBef>
+              <a:spcAft>
+                <a:spcPts val="0"/>
+              </a:spcAft>
+              <a:buSzPts val="1200"/>
+              <a:buChar char="■"/>
+              <a:defRPr sz="1200"/>
+            </a:lvl3pPr>
+            <a:lvl4pPr marL="1828800" lvl="3" indent="-304800">
+              <a:spcBef>
+                <a:spcPts val="1600"/>
+              </a:spcBef>
+              <a:spcAft>
+                <a:spcPts val="0"/>
+              </a:spcAft>
+              <a:buSzPts val="1200"/>
+              <a:buChar char="●"/>
+              <a:defRPr sz="1200"/>
+            </a:lvl4pPr>
+            <a:lvl5pPr marL="2286000" lvl="4" indent="-304800">
+              <a:spcBef>
+                <a:spcPts val="1600"/>
+              </a:spcBef>
+              <a:spcAft>
+                <a:spcPts val="0"/>
+              </a:spcAft>
+              <a:buSzPts val="1200"/>
+              <a:buChar char="○"/>
+              <a:defRPr sz="1200"/>
+            </a:lvl5pPr>
+            <a:lvl6pPr marL="2743200" lvl="5" indent="-304800">
+              <a:spcBef>
+                <a:spcPts val="1600"/>
+              </a:spcBef>
+              <a:spcAft>
+                <a:spcPts val="0"/>
+              </a:spcAft>
+              <a:buSzPts val="1200"/>
+              <a:buChar char="■"/>
+              <a:defRPr sz="1200"/>
+            </a:lvl6pPr>
+            <a:lvl7pPr marL="3200400" lvl="6" indent="-304800">
+              <a:spcBef>
+                <a:spcPts val="1600"/>
+              </a:spcBef>
+              <a:spcAft>
+                <a:spcPts val="0"/>
+              </a:spcAft>
+              <a:buSzPts val="1200"/>
+              <a:buChar char="●"/>
+              <a:defRPr sz="1200"/>
+            </a:lvl7pPr>
+            <a:lvl8pPr marL="3657600" lvl="7" indent="-304800">
+              <a:spcBef>
+                <a:spcPts val="1600"/>
+              </a:spcBef>
+              <a:spcAft>
+                <a:spcPts val="0"/>
+              </a:spcAft>
+              <a:buSzPts val="1200"/>
+              <a:buChar char="○"/>
+              <a:defRPr sz="1200"/>
+            </a:lvl8pPr>
+            <a:lvl9pPr marL="4114800" lvl="8" indent="-304800">
+              <a:spcBef>
+                <a:spcPts val="1600"/>
+              </a:spcBef>
+              <a:spcAft>
+                <a:spcPts val="1600"/>
+              </a:spcAft>
+              <a:buSzPts val="1200"/>
+              <a:buChar char="■"/>
+              <a:defRPr sz="1200"/>
+            </a:lvl9pPr>
+          </a:lstStyle>
+          <a:p>
+            <a:endParaRPr/>
+          </a:p>
+        </p:txBody>
+      </p:sp>
+      <p:sp>
+        <p:nvSpPr>
+          <p:cNvPr id="28" name="Google Shape;28;p5"/>
+          <p:cNvSpPr txBox="1">
+            <a:spLocks noGrp="1"/>
+          </p:cNvSpPr>
+          <p:nvPr>
+            <p:ph type="sldNum" idx="12"/>
           </p:nvPr>
         </p:nvSpPr>
         <p:spPr>
@@ -3429,7 +3413,7 @@
           </a:prstGeom>
         </p:spPr>
         <p:txBody>
-          <a:bodyPr anchorCtr="0" anchor="ctr" bIns="91425" lIns="91425" spcFirstLastPara="1" rIns="91425" wrap="square" tIns="91425">
+          <a:bodyPr spcFirstLastPara="1" wrap="square" lIns="91425" tIns="91425" rIns="91425" bIns="91425" anchor="ctr" anchorCtr="0">
             <a:noAutofit/>
           </a:bodyPr>
           <a:lstStyle>
@@ -3471,7 +3455,7 @@
             </a:lvl9pPr>
           </a:lstStyle>
           <a:p>
-            <a:pPr indent="0" lvl="0" marL="0" rtl="0" algn="r">
+            <a:pPr marL="0" lvl="0" indent="0" algn="r" rtl="0">
               <a:spcBef>
                 <a:spcPts val="0"/>
               </a:spcBef>
@@ -3482,7 +3466,7 @@
             </a:pPr>
             <a:fld id="{00000000-1234-1234-1234-123412341234}" type="slidenum">
               <a:rPr lang="es"/>
-              <a:t>‹#›</a:t>
+              <a:t>‹Nº›</a:t>
             </a:fld>
             <a:endParaRPr/>
           </a:p>
@@ -3497,11 +3481,11 @@
 </file>
 
 <file path=ppt/slideLayouts/slideLayout4.xml><?xml version="1.0" encoding="utf-8"?>
-<p:sldLayout xmlns:a="http://schemas.openxmlformats.org/drawingml/2006/main" xmlns:r="http://schemas.openxmlformats.org/officeDocument/2006/relationships" xmlns:mc="http://schemas.openxmlformats.org/markup-compatibility/2006" xmlns:mv="urn:schemas-microsoft-com:mac:vml" xmlns:p="http://schemas.openxmlformats.org/presentationml/2006/main" xmlns:c="http://schemas.openxmlformats.org/drawingml/2006/chart" xmlns:dgm="http://schemas.openxmlformats.org/drawingml/2006/diagram" xmlns:o="urn:schemas-microsoft-com:office:office" xmlns:v="urn:schemas-microsoft-com:vml" xmlns:pvml="urn:schemas-microsoft-com:office:powerpoint" xmlns:com="http://schemas.openxmlformats.org/drawingml/2006/compatibility" xmlns:p14="http://schemas.microsoft.com/office/powerpoint/2010/main" xmlns:p15="http://schemas.microsoft.com/office/powerpoint/2012/main" xmlns:ahyp="http://schemas.microsoft.com/office/drawing/2018/hyperlinkcolor" matchingName="Title and two columns" type="twoColTx">
-  <p:cSld name="TITLE_AND_TWO_COLUMNS">
+<p:sldLayout xmlns:a="http://schemas.openxmlformats.org/drawingml/2006/main" xmlns:r="http://schemas.openxmlformats.org/officeDocument/2006/relationships" xmlns:p="http://schemas.openxmlformats.org/presentationml/2006/main" matchingName="Title only" type="titleOnly">
+  <p:cSld name="TITLE_ONLY">
     <p:spTree>
       <p:nvGrpSpPr>
-        <p:cNvPr id="24" name="Shape 24"/>
+        <p:cNvPr id="1" name="Shape 29"/>
         <p:cNvGrpSpPr/>
         <p:nvPr/>
       </p:nvGrpSpPr>
@@ -3515,8 +3499,10 @@
       </p:grpSpPr>
       <p:sp>
         <p:nvSpPr>
-          <p:cNvPr id="25" name="Google Shape;25;p5"/>
-          <p:cNvSpPr txBox="1"/>
+          <p:cNvPr id="30" name="Google Shape;30;p6"/>
+          <p:cNvSpPr txBox="1">
+            <a:spLocks noGrp="1"/>
+          </p:cNvSpPr>
           <p:nvPr>
             <p:ph type="title"/>
           </p:nvPr>
@@ -3531,7 +3517,7 @@
           </a:prstGeom>
         </p:spPr>
         <p:txBody>
-          <a:bodyPr anchorCtr="0" anchor="t" bIns="91425" lIns="91425" spcFirstLastPara="1" rIns="91425" wrap="square" tIns="91425">
+          <a:bodyPr spcFirstLastPara="1" wrap="square" lIns="91425" tIns="91425" rIns="91425" bIns="91425" anchor="t" anchorCtr="0">
             <a:noAutofit/>
           </a:bodyPr>
           <a:lstStyle>
@@ -3635,265 +3621,19 @@
               <a:defRPr/>
             </a:lvl9pPr>
           </a:lstStyle>
-          <a:p/>
+          <a:p>
+            <a:endParaRPr/>
+          </a:p>
         </p:txBody>
       </p:sp>
       <p:sp>
         <p:nvSpPr>
-          <p:cNvPr id="26" name="Google Shape;26;p5"/>
-          <p:cNvSpPr txBox="1"/>
+          <p:cNvPr id="31" name="Google Shape;31;p6"/>
+          <p:cNvSpPr txBox="1">
+            <a:spLocks noGrp="1"/>
+          </p:cNvSpPr>
           <p:nvPr>
-            <p:ph idx="1" type="body"/>
-          </p:nvPr>
-        </p:nvSpPr>
-        <p:spPr>
-          <a:xfrm>
-            <a:off x="311700" y="1152475"/>
-            <a:ext cx="3999900" cy="3416400"/>
-          </a:xfrm>
-          <a:prstGeom prst="rect">
-            <a:avLst/>
-          </a:prstGeom>
-        </p:spPr>
-        <p:txBody>
-          <a:bodyPr anchorCtr="0" anchor="t" bIns="91425" lIns="91425" spcFirstLastPara="1" rIns="91425" wrap="square" tIns="91425">
-            <a:noAutofit/>
-          </a:bodyPr>
-          <a:lstStyle>
-            <a:lvl1pPr indent="-317500" lvl="0" marL="457200">
-              <a:spcBef>
-                <a:spcPts val="0"/>
-              </a:spcBef>
-              <a:spcAft>
-                <a:spcPts val="0"/>
-              </a:spcAft>
-              <a:buSzPts val="1400"/>
-              <a:buChar char="●"/>
-              <a:defRPr sz="1400"/>
-            </a:lvl1pPr>
-            <a:lvl2pPr indent="-304800" lvl="1" marL="914400">
-              <a:spcBef>
-                <a:spcPts val="1600"/>
-              </a:spcBef>
-              <a:spcAft>
-                <a:spcPts val="0"/>
-              </a:spcAft>
-              <a:buSzPts val="1200"/>
-              <a:buChar char="○"/>
-              <a:defRPr sz="1200"/>
-            </a:lvl2pPr>
-            <a:lvl3pPr indent="-304800" lvl="2" marL="1371600">
-              <a:spcBef>
-                <a:spcPts val="1600"/>
-              </a:spcBef>
-              <a:spcAft>
-                <a:spcPts val="0"/>
-              </a:spcAft>
-              <a:buSzPts val="1200"/>
-              <a:buChar char="■"/>
-              <a:defRPr sz="1200"/>
-            </a:lvl3pPr>
-            <a:lvl4pPr indent="-304800" lvl="3" marL="1828800">
-              <a:spcBef>
-                <a:spcPts val="1600"/>
-              </a:spcBef>
-              <a:spcAft>
-                <a:spcPts val="0"/>
-              </a:spcAft>
-              <a:buSzPts val="1200"/>
-              <a:buChar char="●"/>
-              <a:defRPr sz="1200"/>
-            </a:lvl4pPr>
-            <a:lvl5pPr indent="-304800" lvl="4" marL="2286000">
-              <a:spcBef>
-                <a:spcPts val="1600"/>
-              </a:spcBef>
-              <a:spcAft>
-                <a:spcPts val="0"/>
-              </a:spcAft>
-              <a:buSzPts val="1200"/>
-              <a:buChar char="○"/>
-              <a:defRPr sz="1200"/>
-            </a:lvl5pPr>
-            <a:lvl6pPr indent="-304800" lvl="5" marL="2743200">
-              <a:spcBef>
-                <a:spcPts val="1600"/>
-              </a:spcBef>
-              <a:spcAft>
-                <a:spcPts val="0"/>
-              </a:spcAft>
-              <a:buSzPts val="1200"/>
-              <a:buChar char="■"/>
-              <a:defRPr sz="1200"/>
-            </a:lvl6pPr>
-            <a:lvl7pPr indent="-304800" lvl="6" marL="3200400">
-              <a:spcBef>
-                <a:spcPts val="1600"/>
-              </a:spcBef>
-              <a:spcAft>
-                <a:spcPts val="0"/>
-              </a:spcAft>
-              <a:buSzPts val="1200"/>
-              <a:buChar char="●"/>
-              <a:defRPr sz="1200"/>
-            </a:lvl7pPr>
-            <a:lvl8pPr indent="-304800" lvl="7" marL="3657600">
-              <a:spcBef>
-                <a:spcPts val="1600"/>
-              </a:spcBef>
-              <a:spcAft>
-                <a:spcPts val="0"/>
-              </a:spcAft>
-              <a:buSzPts val="1200"/>
-              <a:buChar char="○"/>
-              <a:defRPr sz="1200"/>
-            </a:lvl8pPr>
-            <a:lvl9pPr indent="-304800" lvl="8" marL="4114800">
-              <a:spcBef>
-                <a:spcPts val="1600"/>
-              </a:spcBef>
-              <a:spcAft>
-                <a:spcPts val="1600"/>
-              </a:spcAft>
-              <a:buSzPts val="1200"/>
-              <a:buChar char="■"/>
-              <a:defRPr sz="1200"/>
-            </a:lvl9pPr>
-          </a:lstStyle>
-          <a:p/>
-        </p:txBody>
-      </p:sp>
-      <p:sp>
-        <p:nvSpPr>
-          <p:cNvPr id="27" name="Google Shape;27;p5"/>
-          <p:cNvSpPr txBox="1"/>
-          <p:nvPr>
-            <p:ph idx="2" type="body"/>
-          </p:nvPr>
-        </p:nvSpPr>
-        <p:spPr>
-          <a:xfrm>
-            <a:off x="4832400" y="1152475"/>
-            <a:ext cx="3999900" cy="3416400"/>
-          </a:xfrm>
-          <a:prstGeom prst="rect">
-            <a:avLst/>
-          </a:prstGeom>
-        </p:spPr>
-        <p:txBody>
-          <a:bodyPr anchorCtr="0" anchor="t" bIns="91425" lIns="91425" spcFirstLastPara="1" rIns="91425" wrap="square" tIns="91425">
-            <a:noAutofit/>
-          </a:bodyPr>
-          <a:lstStyle>
-            <a:lvl1pPr indent="-317500" lvl="0" marL="457200">
-              <a:spcBef>
-                <a:spcPts val="0"/>
-              </a:spcBef>
-              <a:spcAft>
-                <a:spcPts val="0"/>
-              </a:spcAft>
-              <a:buSzPts val="1400"/>
-              <a:buChar char="●"/>
-              <a:defRPr sz="1400"/>
-            </a:lvl1pPr>
-            <a:lvl2pPr indent="-304800" lvl="1" marL="914400">
-              <a:spcBef>
-                <a:spcPts val="1600"/>
-              </a:spcBef>
-              <a:spcAft>
-                <a:spcPts val="0"/>
-              </a:spcAft>
-              <a:buSzPts val="1200"/>
-              <a:buChar char="○"/>
-              <a:defRPr sz="1200"/>
-            </a:lvl2pPr>
-            <a:lvl3pPr indent="-304800" lvl="2" marL="1371600">
-              <a:spcBef>
-                <a:spcPts val="1600"/>
-              </a:spcBef>
-              <a:spcAft>
-                <a:spcPts val="0"/>
-              </a:spcAft>
-              <a:buSzPts val="1200"/>
-              <a:buChar char="■"/>
-              <a:defRPr sz="1200"/>
-            </a:lvl3pPr>
-            <a:lvl4pPr indent="-304800" lvl="3" marL="1828800">
-              <a:spcBef>
-                <a:spcPts val="1600"/>
-              </a:spcBef>
-              <a:spcAft>
-                <a:spcPts val="0"/>
-              </a:spcAft>
-              <a:buSzPts val="1200"/>
-              <a:buChar char="●"/>
-              <a:defRPr sz="1200"/>
-            </a:lvl4pPr>
-            <a:lvl5pPr indent="-304800" lvl="4" marL="2286000">
-              <a:spcBef>
-                <a:spcPts val="1600"/>
-              </a:spcBef>
-              <a:spcAft>
-                <a:spcPts val="0"/>
-              </a:spcAft>
-              <a:buSzPts val="1200"/>
-              <a:buChar char="○"/>
-              <a:defRPr sz="1200"/>
-            </a:lvl5pPr>
-            <a:lvl6pPr indent="-304800" lvl="5" marL="2743200">
-              <a:spcBef>
-                <a:spcPts val="1600"/>
-              </a:spcBef>
-              <a:spcAft>
-                <a:spcPts val="0"/>
-              </a:spcAft>
-              <a:buSzPts val="1200"/>
-              <a:buChar char="■"/>
-              <a:defRPr sz="1200"/>
-            </a:lvl6pPr>
-            <a:lvl7pPr indent="-304800" lvl="6" marL="3200400">
-              <a:spcBef>
-                <a:spcPts val="1600"/>
-              </a:spcBef>
-              <a:spcAft>
-                <a:spcPts val="0"/>
-              </a:spcAft>
-              <a:buSzPts val="1200"/>
-              <a:buChar char="●"/>
-              <a:defRPr sz="1200"/>
-            </a:lvl7pPr>
-            <a:lvl8pPr indent="-304800" lvl="7" marL="3657600">
-              <a:spcBef>
-                <a:spcPts val="1600"/>
-              </a:spcBef>
-              <a:spcAft>
-                <a:spcPts val="0"/>
-              </a:spcAft>
-              <a:buSzPts val="1200"/>
-              <a:buChar char="○"/>
-              <a:defRPr sz="1200"/>
-            </a:lvl8pPr>
-            <a:lvl9pPr indent="-304800" lvl="8" marL="4114800">
-              <a:spcBef>
-                <a:spcPts val="1600"/>
-              </a:spcBef>
-              <a:spcAft>
-                <a:spcPts val="1600"/>
-              </a:spcAft>
-              <a:buSzPts val="1200"/>
-              <a:buChar char="■"/>
-              <a:defRPr sz="1200"/>
-            </a:lvl9pPr>
-          </a:lstStyle>
-          <a:p/>
-        </p:txBody>
-      </p:sp>
-      <p:sp>
-        <p:nvSpPr>
-          <p:cNvPr id="28" name="Google Shape;28;p5"/>
-          <p:cNvSpPr txBox="1"/>
-          <p:nvPr>
-            <p:ph idx="12" type="sldNum"/>
+            <p:ph type="sldNum" idx="12"/>
           </p:nvPr>
         </p:nvSpPr>
         <p:spPr>
@@ -3906,7 +3646,7 @@
           </a:prstGeom>
         </p:spPr>
         <p:txBody>
-          <a:bodyPr anchorCtr="0" anchor="ctr" bIns="91425" lIns="91425" spcFirstLastPara="1" rIns="91425" wrap="square" tIns="91425">
+          <a:bodyPr spcFirstLastPara="1" wrap="square" lIns="91425" tIns="91425" rIns="91425" bIns="91425" anchor="ctr" anchorCtr="0">
             <a:noAutofit/>
           </a:bodyPr>
           <a:lstStyle>
@@ -3948,7 +3688,7 @@
             </a:lvl9pPr>
           </a:lstStyle>
           <a:p>
-            <a:pPr indent="0" lvl="0" marL="0" rtl="0" algn="r">
+            <a:pPr marL="0" lvl="0" indent="0" algn="r" rtl="0">
               <a:spcBef>
                 <a:spcPts val="0"/>
               </a:spcBef>
@@ -3959,7 +3699,7 @@
             </a:pPr>
             <a:fld id="{00000000-1234-1234-1234-123412341234}" type="slidenum">
               <a:rPr lang="es"/>
-              <a:t>‹#›</a:t>
+              <a:t>‹Nº›</a:t>
             </a:fld>
             <a:endParaRPr/>
           </a:p>
@@ -3974,11 +3714,11 @@
 </file>
 
 <file path=ppt/slideLayouts/slideLayout5.xml><?xml version="1.0" encoding="utf-8"?>
-<p:sldLayout xmlns:a="http://schemas.openxmlformats.org/drawingml/2006/main" xmlns:r="http://schemas.openxmlformats.org/officeDocument/2006/relationships" xmlns:mc="http://schemas.openxmlformats.org/markup-compatibility/2006" xmlns:mv="urn:schemas-microsoft-com:mac:vml" xmlns:p="http://schemas.openxmlformats.org/presentationml/2006/main" xmlns:c="http://schemas.openxmlformats.org/drawingml/2006/chart" xmlns:dgm="http://schemas.openxmlformats.org/drawingml/2006/diagram" xmlns:o="urn:schemas-microsoft-com:office:office" xmlns:v="urn:schemas-microsoft-com:vml" xmlns:pvml="urn:schemas-microsoft-com:office:powerpoint" xmlns:com="http://schemas.openxmlformats.org/drawingml/2006/compatibility" xmlns:p14="http://schemas.microsoft.com/office/powerpoint/2010/main" xmlns:p15="http://schemas.microsoft.com/office/powerpoint/2012/main" xmlns:ahyp="http://schemas.microsoft.com/office/drawing/2018/hyperlinkcolor" matchingName="Title only" type="titleOnly">
-  <p:cSld name="TITLE_ONLY">
+<p:sldLayout xmlns:a="http://schemas.openxmlformats.org/drawingml/2006/main" xmlns:r="http://schemas.openxmlformats.org/officeDocument/2006/relationships" xmlns:p="http://schemas.openxmlformats.org/presentationml/2006/main" matchingName="One column text">
+  <p:cSld name="ONE_COLUMN_TEXT">
     <p:spTree>
       <p:nvGrpSpPr>
-        <p:cNvPr id="29" name="Shape 29"/>
+        <p:cNvPr id="1" name="Shape 32"/>
         <p:cNvGrpSpPr/>
         <p:nvPr/>
       </p:nvGrpSpPr>
@@ -3992,23 +3732,25 @@
       </p:grpSpPr>
       <p:sp>
         <p:nvSpPr>
-          <p:cNvPr id="30" name="Google Shape;30;p6"/>
-          <p:cNvSpPr txBox="1"/>
+          <p:cNvPr id="33" name="Google Shape;33;p7"/>
+          <p:cNvSpPr txBox="1">
+            <a:spLocks noGrp="1"/>
+          </p:cNvSpPr>
           <p:nvPr>
             <p:ph type="title"/>
           </p:nvPr>
         </p:nvSpPr>
         <p:spPr>
           <a:xfrm>
-            <a:off x="311700" y="445025"/>
-            <a:ext cx="8520600" cy="572700"/>
+            <a:off x="311700" y="555600"/>
+            <a:ext cx="2808000" cy="755700"/>
           </a:xfrm>
           <a:prstGeom prst="rect">
             <a:avLst/>
           </a:prstGeom>
         </p:spPr>
         <p:txBody>
-          <a:bodyPr anchorCtr="0" anchor="t" bIns="91425" lIns="91425" spcFirstLastPara="1" rIns="91425" wrap="square" tIns="91425">
+          <a:bodyPr spcFirstLastPara="1" wrap="square" lIns="91425" tIns="91425" rIns="91425" bIns="91425" anchor="b" anchorCtr="0">
             <a:noAutofit/>
           </a:bodyPr>
           <a:lstStyle>
@@ -4019,9 +3761,9 @@
               <a:spcAft>
                 <a:spcPts val="0"/>
               </a:spcAft>
-              <a:buSzPts val="3000"/>
-              <a:buNone/>
-              <a:defRPr/>
+              <a:buSzPts val="2400"/>
+              <a:buNone/>
+              <a:defRPr sz="2400"/>
             </a:lvl1pPr>
             <a:lvl2pPr lvl="1">
               <a:spcBef>
@@ -4030,9 +3772,9 @@
               <a:spcAft>
                 <a:spcPts val="0"/>
               </a:spcAft>
-              <a:buSzPts val="3000"/>
-              <a:buNone/>
-              <a:defRPr/>
+              <a:buSzPts val="2400"/>
+              <a:buNone/>
+              <a:defRPr sz="2400"/>
             </a:lvl2pPr>
             <a:lvl3pPr lvl="2">
               <a:spcBef>
@@ -4041,9 +3783,9 @@
               <a:spcAft>
                 <a:spcPts val="0"/>
               </a:spcAft>
-              <a:buSzPts val="3000"/>
-              <a:buNone/>
-              <a:defRPr/>
+              <a:buSzPts val="2400"/>
+              <a:buNone/>
+              <a:defRPr sz="2400"/>
             </a:lvl3pPr>
             <a:lvl4pPr lvl="3">
               <a:spcBef>
@@ -4052,9 +3794,9 @@
               <a:spcAft>
                 <a:spcPts val="0"/>
               </a:spcAft>
-              <a:buSzPts val="3000"/>
-              <a:buNone/>
-              <a:defRPr/>
+              <a:buSzPts val="2400"/>
+              <a:buNone/>
+              <a:defRPr sz="2400"/>
             </a:lvl4pPr>
             <a:lvl5pPr lvl="4">
               <a:spcBef>
@@ -4063,9 +3805,9 @@
               <a:spcAft>
                 <a:spcPts val="0"/>
               </a:spcAft>
-              <a:buSzPts val="3000"/>
-              <a:buNone/>
-              <a:defRPr/>
+              <a:buSzPts val="2400"/>
+              <a:buNone/>
+              <a:defRPr sz="2400"/>
             </a:lvl5pPr>
             <a:lvl6pPr lvl="5">
               <a:spcBef>
@@ -4074,9 +3816,9 @@
               <a:spcAft>
                 <a:spcPts val="0"/>
               </a:spcAft>
-              <a:buSzPts val="3000"/>
-              <a:buNone/>
-              <a:defRPr/>
+              <a:buSzPts val="2400"/>
+              <a:buNone/>
+              <a:defRPr sz="2400"/>
             </a:lvl6pPr>
             <a:lvl7pPr lvl="6">
               <a:spcBef>
@@ -4085,9 +3827,9 @@
               <a:spcAft>
                 <a:spcPts val="0"/>
               </a:spcAft>
-              <a:buSzPts val="3000"/>
-              <a:buNone/>
-              <a:defRPr/>
+              <a:buSzPts val="2400"/>
+              <a:buNone/>
+              <a:defRPr sz="2400"/>
             </a:lvl7pPr>
             <a:lvl8pPr lvl="7">
               <a:spcBef>
@@ -4096,9 +3838,9 @@
               <a:spcAft>
                 <a:spcPts val="0"/>
               </a:spcAft>
-              <a:buSzPts val="3000"/>
-              <a:buNone/>
-              <a:defRPr/>
+              <a:buSzPts val="2400"/>
+              <a:buNone/>
+              <a:defRPr sz="2400"/>
             </a:lvl8pPr>
             <a:lvl9pPr lvl="8">
               <a:spcBef>
@@ -4107,20 +3849,153 @@
               <a:spcAft>
                 <a:spcPts val="0"/>
               </a:spcAft>
-              <a:buSzPts val="3000"/>
-              <a:buNone/>
-              <a:defRPr/>
+              <a:buSzPts val="2400"/>
+              <a:buNone/>
+              <a:defRPr sz="2400"/>
             </a:lvl9pPr>
           </a:lstStyle>
-          <a:p/>
+          <a:p>
+            <a:endParaRPr/>
+          </a:p>
         </p:txBody>
       </p:sp>
       <p:sp>
         <p:nvSpPr>
-          <p:cNvPr id="31" name="Google Shape;31;p6"/>
-          <p:cNvSpPr txBox="1"/>
+          <p:cNvPr id="34" name="Google Shape;34;p7"/>
+          <p:cNvSpPr txBox="1">
+            <a:spLocks noGrp="1"/>
+          </p:cNvSpPr>
           <p:nvPr>
-            <p:ph idx="12" type="sldNum"/>
+            <p:ph type="body" idx="1"/>
+          </p:nvPr>
+        </p:nvSpPr>
+        <p:spPr>
+          <a:xfrm>
+            <a:off x="311700" y="1389600"/>
+            <a:ext cx="2808000" cy="3179400"/>
+          </a:xfrm>
+          <a:prstGeom prst="rect">
+            <a:avLst/>
+          </a:prstGeom>
+        </p:spPr>
+        <p:txBody>
+          <a:bodyPr spcFirstLastPara="1" wrap="square" lIns="91425" tIns="91425" rIns="91425" bIns="91425" anchor="t" anchorCtr="0">
+            <a:noAutofit/>
+          </a:bodyPr>
+          <a:lstStyle>
+            <a:lvl1pPr marL="457200" lvl="0" indent="-304800">
+              <a:spcBef>
+                <a:spcPts val="0"/>
+              </a:spcBef>
+              <a:spcAft>
+                <a:spcPts val="0"/>
+              </a:spcAft>
+              <a:buSzPts val="1200"/>
+              <a:buChar char="●"/>
+              <a:defRPr sz="1200"/>
+            </a:lvl1pPr>
+            <a:lvl2pPr marL="914400" lvl="1" indent="-304800">
+              <a:spcBef>
+                <a:spcPts val="1600"/>
+              </a:spcBef>
+              <a:spcAft>
+                <a:spcPts val="0"/>
+              </a:spcAft>
+              <a:buSzPts val="1200"/>
+              <a:buChar char="○"/>
+              <a:defRPr sz="1200"/>
+            </a:lvl2pPr>
+            <a:lvl3pPr marL="1371600" lvl="2" indent="-304800">
+              <a:spcBef>
+                <a:spcPts val="1600"/>
+              </a:spcBef>
+              <a:spcAft>
+                <a:spcPts val="0"/>
+              </a:spcAft>
+              <a:buSzPts val="1200"/>
+              <a:buChar char="■"/>
+              <a:defRPr sz="1200"/>
+            </a:lvl3pPr>
+            <a:lvl4pPr marL="1828800" lvl="3" indent="-304800">
+              <a:spcBef>
+                <a:spcPts val="1600"/>
+              </a:spcBef>
+              <a:spcAft>
+                <a:spcPts val="0"/>
+              </a:spcAft>
+              <a:buSzPts val="1200"/>
+              <a:buChar char="●"/>
+              <a:defRPr sz="1200"/>
+            </a:lvl4pPr>
+            <a:lvl5pPr marL="2286000" lvl="4" indent="-304800">
+              <a:spcBef>
+                <a:spcPts val="1600"/>
+              </a:spcBef>
+              <a:spcAft>
+                <a:spcPts val="0"/>
+              </a:spcAft>
+              <a:buSzPts val="1200"/>
+              <a:buChar char="○"/>
+              <a:defRPr sz="1200"/>
+            </a:lvl5pPr>
+            <a:lvl6pPr marL="2743200" lvl="5" indent="-304800">
+              <a:spcBef>
+                <a:spcPts val="1600"/>
+              </a:spcBef>
+              <a:spcAft>
+                <a:spcPts val="0"/>
+              </a:spcAft>
+              <a:buSzPts val="1200"/>
+              <a:buChar char="■"/>
+              <a:defRPr sz="1200"/>
+            </a:lvl6pPr>
+            <a:lvl7pPr marL="3200400" lvl="6" indent="-304800">
+              <a:spcBef>
+                <a:spcPts val="1600"/>
+              </a:spcBef>
+              <a:spcAft>
+                <a:spcPts val="0"/>
+              </a:spcAft>
+              <a:buSzPts val="1200"/>
+              <a:buChar char="●"/>
+              <a:defRPr sz="1200"/>
+            </a:lvl7pPr>
+            <a:lvl8pPr marL="3657600" lvl="7" indent="-304800">
+              <a:spcBef>
+                <a:spcPts val="1600"/>
+              </a:spcBef>
+              <a:spcAft>
+                <a:spcPts val="0"/>
+              </a:spcAft>
+              <a:buSzPts val="1200"/>
+              <a:buChar char="○"/>
+              <a:defRPr sz="1200"/>
+            </a:lvl8pPr>
+            <a:lvl9pPr marL="4114800" lvl="8" indent="-304800">
+              <a:spcBef>
+                <a:spcPts val="1600"/>
+              </a:spcBef>
+              <a:spcAft>
+                <a:spcPts val="1600"/>
+              </a:spcAft>
+              <a:buSzPts val="1200"/>
+              <a:buChar char="■"/>
+              <a:defRPr sz="1200"/>
+            </a:lvl9pPr>
+          </a:lstStyle>
+          <a:p>
+            <a:endParaRPr/>
+          </a:p>
+        </p:txBody>
+      </p:sp>
+      <p:sp>
+        <p:nvSpPr>
+          <p:cNvPr id="35" name="Google Shape;35;p7"/>
+          <p:cNvSpPr txBox="1">
+            <a:spLocks noGrp="1"/>
+          </p:cNvSpPr>
+          <p:nvPr>
+            <p:ph type="sldNum" idx="12"/>
           </p:nvPr>
         </p:nvSpPr>
         <p:spPr>
@@ -4133,7 +4008,7 @@
           </a:prstGeom>
         </p:spPr>
         <p:txBody>
-          <a:bodyPr anchorCtr="0" anchor="ctr" bIns="91425" lIns="91425" spcFirstLastPara="1" rIns="91425" wrap="square" tIns="91425">
+          <a:bodyPr spcFirstLastPara="1" wrap="square" lIns="91425" tIns="91425" rIns="91425" bIns="91425" anchor="ctr" anchorCtr="0">
             <a:noAutofit/>
           </a:bodyPr>
           <a:lstStyle>
@@ -4175,7 +4050,7 @@
             </a:lvl9pPr>
           </a:lstStyle>
           <a:p>
-            <a:pPr indent="0" lvl="0" marL="0" rtl="0" algn="r">
+            <a:pPr marL="0" lvl="0" indent="0" algn="r" rtl="0">
               <a:spcBef>
                 <a:spcPts val="0"/>
               </a:spcBef>
@@ -4186,7 +4061,7 @@
             </a:pPr>
             <a:fld id="{00000000-1234-1234-1234-123412341234}" type="slidenum">
               <a:rPr lang="es"/>
-              <a:t>‹#›</a:t>
+              <a:t>‹Nº›</a:t>
             </a:fld>
             <a:endParaRPr/>
           </a:p>
@@ -4201,11 +4076,19 @@
 </file>
 
 <file path=ppt/slideLayouts/slideLayout6.xml><?xml version="1.0" encoding="utf-8"?>
-<p:sldLayout xmlns:a="http://schemas.openxmlformats.org/drawingml/2006/main" xmlns:r="http://schemas.openxmlformats.org/officeDocument/2006/relationships" xmlns:mc="http://schemas.openxmlformats.org/markup-compatibility/2006" xmlns:mv="urn:schemas-microsoft-com:mac:vml" xmlns:p="http://schemas.openxmlformats.org/presentationml/2006/main" xmlns:c="http://schemas.openxmlformats.org/drawingml/2006/chart" xmlns:dgm="http://schemas.openxmlformats.org/drawingml/2006/diagram" xmlns:o="urn:schemas-microsoft-com:office:office" xmlns:v="urn:schemas-microsoft-com:vml" xmlns:pvml="urn:schemas-microsoft-com:office:powerpoint" xmlns:com="http://schemas.openxmlformats.org/drawingml/2006/compatibility" xmlns:p14="http://schemas.microsoft.com/office/powerpoint/2010/main" xmlns:p15="http://schemas.microsoft.com/office/powerpoint/2012/main" xmlns:ahyp="http://schemas.microsoft.com/office/drawing/2018/hyperlinkcolor" matchingName="One column text">
-  <p:cSld name="ONE_COLUMN_TEXT">
+<p:sldLayout xmlns:a="http://schemas.openxmlformats.org/drawingml/2006/main" xmlns:r="http://schemas.openxmlformats.org/officeDocument/2006/relationships" xmlns:p="http://schemas.openxmlformats.org/presentationml/2006/main" matchingName="Main point">
+  <p:cSld name="MAIN_POINT">
+    <p:bg>
+      <p:bgPr>
+        <a:solidFill>
+          <a:schemeClr val="lt2"/>
+        </a:solidFill>
+        <a:effectLst/>
+      </p:bgPr>
+    </p:bg>
     <p:spTree>
       <p:nvGrpSpPr>
-        <p:cNvPr id="32" name="Shape 32"/>
+        <p:cNvPr id="1" name="Shape 36"/>
         <p:cNvGrpSpPr/>
         <p:nvPr/>
       </p:nvGrpSpPr>
@@ -4219,23 +4102,25 @@
       </p:grpSpPr>
       <p:sp>
         <p:nvSpPr>
-          <p:cNvPr id="33" name="Google Shape;33;p7"/>
-          <p:cNvSpPr txBox="1"/>
+          <p:cNvPr id="37" name="Google Shape;37;p8"/>
+          <p:cNvSpPr txBox="1">
+            <a:spLocks noGrp="1"/>
+          </p:cNvSpPr>
           <p:nvPr>
             <p:ph type="title"/>
           </p:nvPr>
         </p:nvSpPr>
         <p:spPr>
           <a:xfrm>
-            <a:off x="311700" y="555600"/>
-            <a:ext cx="2808000" cy="755700"/>
+            <a:off x="490250" y="526350"/>
+            <a:ext cx="6227100" cy="4090800"/>
           </a:xfrm>
           <a:prstGeom prst="rect">
             <a:avLst/>
           </a:prstGeom>
         </p:spPr>
         <p:txBody>
-          <a:bodyPr anchorCtr="0" anchor="b" bIns="91425" lIns="91425" spcFirstLastPara="1" rIns="91425" wrap="square" tIns="91425">
+          <a:bodyPr spcFirstLastPara="1" wrap="square" lIns="91425" tIns="91425" rIns="91425" bIns="91425" anchor="ctr" anchorCtr="0">
             <a:noAutofit/>
           </a:bodyPr>
           <a:lstStyle>
@@ -4246,9 +4131,16 @@
               <a:spcAft>
                 <a:spcPts val="0"/>
               </a:spcAft>
-              <a:buSzPts val="2400"/>
-              <a:buNone/>
-              <a:defRPr sz="2400"/>
+              <a:buClr>
+                <a:schemeClr val="lt1"/>
+              </a:buClr>
+              <a:buSzPts val="4800"/>
+              <a:buNone/>
+              <a:defRPr sz="4800">
+                <a:solidFill>
+                  <a:schemeClr val="lt1"/>
+                </a:solidFill>
+              </a:defRPr>
             </a:lvl1pPr>
             <a:lvl2pPr lvl="1">
               <a:spcBef>
@@ -4257,9 +4149,16 @@
               <a:spcAft>
                 <a:spcPts val="0"/>
               </a:spcAft>
-              <a:buSzPts val="2400"/>
-              <a:buNone/>
-              <a:defRPr sz="2400"/>
+              <a:buClr>
+                <a:schemeClr val="lt1"/>
+              </a:buClr>
+              <a:buSzPts val="4800"/>
+              <a:buNone/>
+              <a:defRPr sz="4800">
+                <a:solidFill>
+                  <a:schemeClr val="lt1"/>
+                </a:solidFill>
+              </a:defRPr>
             </a:lvl2pPr>
             <a:lvl3pPr lvl="2">
               <a:spcBef>
@@ -4268,9 +4167,16 @@
               <a:spcAft>
                 <a:spcPts val="0"/>
               </a:spcAft>
-              <a:buSzPts val="2400"/>
-              <a:buNone/>
-              <a:defRPr sz="2400"/>
+              <a:buClr>
+                <a:schemeClr val="lt1"/>
+              </a:buClr>
+              <a:buSzPts val="4800"/>
+              <a:buNone/>
+              <a:defRPr sz="4800">
+                <a:solidFill>
+                  <a:schemeClr val="lt1"/>
+                </a:solidFill>
+              </a:defRPr>
             </a:lvl3pPr>
             <a:lvl4pPr lvl="3">
               <a:spcBef>
@@ -4279,9 +4185,16 @@
               <a:spcAft>
                 <a:spcPts val="0"/>
               </a:spcAft>
-              <a:buSzPts val="2400"/>
-              <a:buNone/>
-              <a:defRPr sz="2400"/>
+              <a:buClr>
+                <a:schemeClr val="lt1"/>
+              </a:buClr>
+              <a:buSzPts val="4800"/>
+              <a:buNone/>
+              <a:defRPr sz="4800">
+                <a:solidFill>
+                  <a:schemeClr val="lt1"/>
+                </a:solidFill>
+              </a:defRPr>
             </a:lvl4pPr>
             <a:lvl5pPr lvl="4">
               <a:spcBef>
@@ -4290,9 +4203,16 @@
               <a:spcAft>
                 <a:spcPts val="0"/>
               </a:spcAft>
-              <a:buSzPts val="2400"/>
-              <a:buNone/>
-              <a:defRPr sz="2400"/>
+              <a:buClr>
+                <a:schemeClr val="lt1"/>
+              </a:buClr>
+              <a:buSzPts val="4800"/>
+              <a:buNone/>
+              <a:defRPr sz="4800">
+                <a:solidFill>
+                  <a:schemeClr val="lt1"/>
+                </a:solidFill>
+              </a:defRPr>
             </a:lvl5pPr>
             <a:lvl6pPr lvl="5">
               <a:spcBef>
@@ -4301,9 +4221,16 @@
               <a:spcAft>
                 <a:spcPts val="0"/>
               </a:spcAft>
-              <a:buSzPts val="2400"/>
-              <a:buNone/>
-              <a:defRPr sz="2400"/>
+              <a:buClr>
+                <a:schemeClr val="lt1"/>
+              </a:buClr>
+              <a:buSzPts val="4800"/>
+              <a:buNone/>
+              <a:defRPr sz="4800">
+                <a:solidFill>
+                  <a:schemeClr val="lt1"/>
+                </a:solidFill>
+              </a:defRPr>
             </a:lvl6pPr>
             <a:lvl7pPr lvl="6">
               <a:spcBef>
@@ -4312,9 +4239,16 @@
               <a:spcAft>
                 <a:spcPts val="0"/>
               </a:spcAft>
-              <a:buSzPts val="2400"/>
-              <a:buNone/>
-              <a:defRPr sz="2400"/>
+              <a:buClr>
+                <a:schemeClr val="lt1"/>
+              </a:buClr>
+              <a:buSzPts val="4800"/>
+              <a:buNone/>
+              <a:defRPr sz="4800">
+                <a:solidFill>
+                  <a:schemeClr val="lt1"/>
+                </a:solidFill>
+              </a:defRPr>
             </a:lvl7pPr>
             <a:lvl8pPr lvl="7">
               <a:spcBef>
@@ -4323,9 +4257,16 @@
               <a:spcAft>
                 <a:spcPts val="0"/>
               </a:spcAft>
-              <a:buSzPts val="2400"/>
-              <a:buNone/>
-              <a:defRPr sz="2400"/>
+              <a:buClr>
+                <a:schemeClr val="lt1"/>
+              </a:buClr>
+              <a:buSzPts val="4800"/>
+              <a:buNone/>
+              <a:defRPr sz="4800">
+                <a:solidFill>
+                  <a:schemeClr val="lt1"/>
+                </a:solidFill>
+              </a:defRPr>
             </a:lvl8pPr>
             <a:lvl9pPr lvl="8">
               <a:spcBef>
@@ -4334,145 +4275,31 @@
               <a:spcAft>
                 <a:spcPts val="0"/>
               </a:spcAft>
-              <a:buSzPts val="2400"/>
-              <a:buNone/>
-              <a:defRPr sz="2400"/>
+              <a:buClr>
+                <a:schemeClr val="lt1"/>
+              </a:buClr>
+              <a:buSzPts val="4800"/>
+              <a:buNone/>
+              <a:defRPr sz="4800">
+                <a:solidFill>
+                  <a:schemeClr val="lt1"/>
+                </a:solidFill>
+              </a:defRPr>
             </a:lvl9pPr>
           </a:lstStyle>
-          <a:p/>
+          <a:p>
+            <a:endParaRPr/>
+          </a:p>
         </p:txBody>
       </p:sp>
       <p:sp>
         <p:nvSpPr>
-          <p:cNvPr id="34" name="Google Shape;34;p7"/>
-          <p:cNvSpPr txBox="1"/>
+          <p:cNvPr id="38" name="Google Shape;38;p8"/>
+          <p:cNvSpPr txBox="1">
+            <a:spLocks noGrp="1"/>
+          </p:cNvSpPr>
           <p:nvPr>
-            <p:ph idx="1" type="body"/>
-          </p:nvPr>
-        </p:nvSpPr>
-        <p:spPr>
-          <a:xfrm>
-            <a:off x="311700" y="1389600"/>
-            <a:ext cx="2808000" cy="3179400"/>
-          </a:xfrm>
-          <a:prstGeom prst="rect">
-            <a:avLst/>
-          </a:prstGeom>
-        </p:spPr>
-        <p:txBody>
-          <a:bodyPr anchorCtr="0" anchor="t" bIns="91425" lIns="91425" spcFirstLastPara="1" rIns="91425" wrap="square" tIns="91425">
-            <a:noAutofit/>
-          </a:bodyPr>
-          <a:lstStyle>
-            <a:lvl1pPr indent="-304800" lvl="0" marL="457200">
-              <a:spcBef>
-                <a:spcPts val="0"/>
-              </a:spcBef>
-              <a:spcAft>
-                <a:spcPts val="0"/>
-              </a:spcAft>
-              <a:buSzPts val="1200"/>
-              <a:buChar char="●"/>
-              <a:defRPr sz="1200"/>
-            </a:lvl1pPr>
-            <a:lvl2pPr indent="-304800" lvl="1" marL="914400">
-              <a:spcBef>
-                <a:spcPts val="1600"/>
-              </a:spcBef>
-              <a:spcAft>
-                <a:spcPts val="0"/>
-              </a:spcAft>
-              <a:buSzPts val="1200"/>
-              <a:buChar char="○"/>
-              <a:defRPr sz="1200"/>
-            </a:lvl2pPr>
-            <a:lvl3pPr indent="-304800" lvl="2" marL="1371600">
-              <a:spcBef>
-                <a:spcPts val="1600"/>
-              </a:spcBef>
-              <a:spcAft>
-                <a:spcPts val="0"/>
-              </a:spcAft>
-              <a:buSzPts val="1200"/>
-              <a:buChar char="■"/>
-              <a:defRPr sz="1200"/>
-            </a:lvl3pPr>
-            <a:lvl4pPr indent="-304800" lvl="3" marL="1828800">
-              <a:spcBef>
-                <a:spcPts val="1600"/>
-              </a:spcBef>
-              <a:spcAft>
-                <a:spcPts val="0"/>
-              </a:spcAft>
-              <a:buSzPts val="1200"/>
-              <a:buChar char="●"/>
-              <a:defRPr sz="1200"/>
-            </a:lvl4pPr>
-            <a:lvl5pPr indent="-304800" lvl="4" marL="2286000">
-              <a:spcBef>
-                <a:spcPts val="1600"/>
-              </a:spcBef>
-              <a:spcAft>
-                <a:spcPts val="0"/>
-              </a:spcAft>
-              <a:buSzPts val="1200"/>
-              <a:buChar char="○"/>
-              <a:defRPr sz="1200"/>
-            </a:lvl5pPr>
-            <a:lvl6pPr indent="-304800" lvl="5" marL="2743200">
-              <a:spcBef>
-                <a:spcPts val="1600"/>
-              </a:spcBef>
-              <a:spcAft>
-                <a:spcPts val="0"/>
-              </a:spcAft>
-              <a:buSzPts val="1200"/>
-              <a:buChar char="■"/>
-              <a:defRPr sz="1200"/>
-            </a:lvl6pPr>
-            <a:lvl7pPr indent="-304800" lvl="6" marL="3200400">
-              <a:spcBef>
-                <a:spcPts val="1600"/>
-              </a:spcBef>
-              <a:spcAft>
-                <a:spcPts val="0"/>
-              </a:spcAft>
-              <a:buSzPts val="1200"/>
-              <a:buChar char="●"/>
-              <a:defRPr sz="1200"/>
-            </a:lvl7pPr>
-            <a:lvl8pPr indent="-304800" lvl="7" marL="3657600">
-              <a:spcBef>
-                <a:spcPts val="1600"/>
-              </a:spcBef>
-              <a:spcAft>
-                <a:spcPts val="0"/>
-              </a:spcAft>
-              <a:buSzPts val="1200"/>
-              <a:buChar char="○"/>
-              <a:defRPr sz="1200"/>
-            </a:lvl8pPr>
-            <a:lvl9pPr indent="-304800" lvl="8" marL="4114800">
-              <a:spcBef>
-                <a:spcPts val="1600"/>
-              </a:spcBef>
-              <a:spcAft>
-                <a:spcPts val="1600"/>
-              </a:spcAft>
-              <a:buSzPts val="1200"/>
-              <a:buChar char="■"/>
-              <a:defRPr sz="1200"/>
-            </a:lvl9pPr>
-          </a:lstStyle>
-          <a:p/>
-        </p:txBody>
-      </p:sp>
-      <p:sp>
-        <p:nvSpPr>
-          <p:cNvPr id="35" name="Google Shape;35;p7"/>
-          <p:cNvSpPr txBox="1"/>
-          <p:nvPr>
-            <p:ph idx="12" type="sldNum"/>
+            <p:ph type="sldNum" idx="12"/>
           </p:nvPr>
         </p:nvSpPr>
         <p:spPr>
@@ -4485,49 +4312,85 @@
           </a:prstGeom>
         </p:spPr>
         <p:txBody>
-          <a:bodyPr anchorCtr="0" anchor="ctr" bIns="91425" lIns="91425" spcFirstLastPara="1" rIns="91425" wrap="square" tIns="91425">
+          <a:bodyPr spcFirstLastPara="1" wrap="square" lIns="91425" tIns="91425" rIns="91425" bIns="91425" anchor="ctr" anchorCtr="0">
             <a:noAutofit/>
           </a:bodyPr>
           <a:lstStyle>
             <a:lvl1pPr lvl="0">
               <a:buNone/>
-              <a:defRPr/>
+              <a:defRPr>
+                <a:solidFill>
+                  <a:schemeClr val="lt1"/>
+                </a:solidFill>
+              </a:defRPr>
             </a:lvl1pPr>
             <a:lvl2pPr lvl="1">
               <a:buNone/>
-              <a:defRPr/>
+              <a:defRPr>
+                <a:solidFill>
+                  <a:schemeClr val="lt1"/>
+                </a:solidFill>
+              </a:defRPr>
             </a:lvl2pPr>
             <a:lvl3pPr lvl="2">
               <a:buNone/>
-              <a:defRPr/>
+              <a:defRPr>
+                <a:solidFill>
+                  <a:schemeClr val="lt1"/>
+                </a:solidFill>
+              </a:defRPr>
             </a:lvl3pPr>
             <a:lvl4pPr lvl="3">
               <a:buNone/>
-              <a:defRPr/>
+              <a:defRPr>
+                <a:solidFill>
+                  <a:schemeClr val="lt1"/>
+                </a:solidFill>
+              </a:defRPr>
             </a:lvl4pPr>
             <a:lvl5pPr lvl="4">
               <a:buNone/>
-              <a:defRPr/>
+              <a:defRPr>
+                <a:solidFill>
+                  <a:schemeClr val="lt1"/>
+                </a:solidFill>
+              </a:defRPr>
             </a:lvl5pPr>
             <a:lvl6pPr lvl="5">
               <a:buNone/>
-              <a:defRPr/>
+              <a:defRPr>
+                <a:solidFill>
+                  <a:schemeClr val="lt1"/>
+                </a:solidFill>
+              </a:defRPr>
             </a:lvl6pPr>
             <a:lvl7pPr lvl="6">
               <a:buNone/>
-              <a:defRPr/>
+              <a:defRPr>
+                <a:solidFill>
+                  <a:schemeClr val="lt1"/>
+                </a:solidFill>
+              </a:defRPr>
             </a:lvl7pPr>
             <a:lvl8pPr lvl="7">
               <a:buNone/>
-              <a:defRPr/>
+              <a:defRPr>
+                <a:solidFill>
+                  <a:schemeClr val="lt1"/>
+                </a:solidFill>
+              </a:defRPr>
             </a:lvl8pPr>
             <a:lvl9pPr lvl="8">
               <a:buNone/>
-              <a:defRPr/>
+              <a:defRPr>
+                <a:solidFill>
+                  <a:schemeClr val="lt1"/>
+                </a:solidFill>
+              </a:defRPr>
             </a:lvl9pPr>
           </a:lstStyle>
           <a:p>
-            <a:pPr indent="0" lvl="0" marL="0" rtl="0" algn="r">
+            <a:pPr marL="0" lvl="0" indent="0" algn="r" rtl="0">
               <a:spcBef>
                 <a:spcPts val="0"/>
               </a:spcBef>
@@ -4538,7 +4401,7 @@
             </a:pPr>
             <a:fld id="{00000000-1234-1234-1234-123412341234}" type="slidenum">
               <a:rPr lang="es"/>
-              <a:t>‹#›</a:t>
+              <a:t>‹Nº›</a:t>
             </a:fld>
             <a:endParaRPr/>
           </a:p>
@@ -4553,351 +4416,19 @@
 </file>
 
 <file path=ppt/slideLayouts/slideLayout7.xml><?xml version="1.0" encoding="utf-8"?>
-<p:sldLayout xmlns:a="http://schemas.openxmlformats.org/drawingml/2006/main" xmlns:r="http://schemas.openxmlformats.org/officeDocument/2006/relationships" xmlns:mc="http://schemas.openxmlformats.org/markup-compatibility/2006" xmlns:mv="urn:schemas-microsoft-com:mac:vml" xmlns:p="http://schemas.openxmlformats.org/presentationml/2006/main" xmlns:c="http://schemas.openxmlformats.org/drawingml/2006/chart" xmlns:dgm="http://schemas.openxmlformats.org/drawingml/2006/diagram" xmlns:o="urn:schemas-microsoft-com:office:office" xmlns:v="urn:schemas-microsoft-com:vml" xmlns:pvml="urn:schemas-microsoft-com:office:powerpoint" xmlns:com="http://schemas.openxmlformats.org/drawingml/2006/compatibility" xmlns:p14="http://schemas.microsoft.com/office/powerpoint/2010/main" xmlns:p15="http://schemas.microsoft.com/office/powerpoint/2012/main" xmlns:ahyp="http://schemas.microsoft.com/office/drawing/2018/hyperlinkcolor" matchingName="Main point">
-  <p:cSld name="MAIN_POINT">
-    <p:bg>
-      <p:bgPr>
-        <a:solidFill>
-          <a:schemeClr val="lt2"/>
-        </a:solidFill>
-      </p:bgPr>
-    </p:bg>
-    <p:spTree>
-      <p:nvGrpSpPr>
-        <p:cNvPr id="36" name="Shape 36"/>
-        <p:cNvGrpSpPr/>
-        <p:nvPr/>
-      </p:nvGrpSpPr>
-      <p:grpSpPr>
-        <a:xfrm>
-          <a:off x="0" y="0"/>
-          <a:ext cx="0" cy="0"/>
-          <a:chOff x="0" y="0"/>
-          <a:chExt cx="0" cy="0"/>
-        </a:xfrm>
-      </p:grpSpPr>
-      <p:sp>
-        <p:nvSpPr>
-          <p:cNvPr id="37" name="Google Shape;37;p8"/>
-          <p:cNvSpPr txBox="1"/>
-          <p:nvPr>
-            <p:ph type="title"/>
-          </p:nvPr>
-        </p:nvSpPr>
-        <p:spPr>
-          <a:xfrm>
-            <a:off x="490250" y="526350"/>
-            <a:ext cx="6227100" cy="4090800"/>
-          </a:xfrm>
-          <a:prstGeom prst="rect">
-            <a:avLst/>
-          </a:prstGeom>
-        </p:spPr>
-        <p:txBody>
-          <a:bodyPr anchorCtr="0" anchor="ctr" bIns="91425" lIns="91425" spcFirstLastPara="1" rIns="91425" wrap="square" tIns="91425">
-            <a:noAutofit/>
-          </a:bodyPr>
-          <a:lstStyle>
-            <a:lvl1pPr lvl="0">
-              <a:spcBef>
-                <a:spcPts val="0"/>
-              </a:spcBef>
-              <a:spcAft>
-                <a:spcPts val="0"/>
-              </a:spcAft>
-              <a:buClr>
-                <a:schemeClr val="lt1"/>
-              </a:buClr>
-              <a:buSzPts val="4800"/>
-              <a:buNone/>
-              <a:defRPr sz="4800">
-                <a:solidFill>
-                  <a:schemeClr val="lt1"/>
-                </a:solidFill>
-              </a:defRPr>
-            </a:lvl1pPr>
-            <a:lvl2pPr lvl="1">
-              <a:spcBef>
-                <a:spcPts val="0"/>
-              </a:spcBef>
-              <a:spcAft>
-                <a:spcPts val="0"/>
-              </a:spcAft>
-              <a:buClr>
-                <a:schemeClr val="lt1"/>
-              </a:buClr>
-              <a:buSzPts val="4800"/>
-              <a:buNone/>
-              <a:defRPr sz="4800">
-                <a:solidFill>
-                  <a:schemeClr val="lt1"/>
-                </a:solidFill>
-              </a:defRPr>
-            </a:lvl2pPr>
-            <a:lvl3pPr lvl="2">
-              <a:spcBef>
-                <a:spcPts val="0"/>
-              </a:spcBef>
-              <a:spcAft>
-                <a:spcPts val="0"/>
-              </a:spcAft>
-              <a:buClr>
-                <a:schemeClr val="lt1"/>
-              </a:buClr>
-              <a:buSzPts val="4800"/>
-              <a:buNone/>
-              <a:defRPr sz="4800">
-                <a:solidFill>
-                  <a:schemeClr val="lt1"/>
-                </a:solidFill>
-              </a:defRPr>
-            </a:lvl3pPr>
-            <a:lvl4pPr lvl="3">
-              <a:spcBef>
-                <a:spcPts val="0"/>
-              </a:spcBef>
-              <a:spcAft>
-                <a:spcPts val="0"/>
-              </a:spcAft>
-              <a:buClr>
-                <a:schemeClr val="lt1"/>
-              </a:buClr>
-              <a:buSzPts val="4800"/>
-              <a:buNone/>
-              <a:defRPr sz="4800">
-                <a:solidFill>
-                  <a:schemeClr val="lt1"/>
-                </a:solidFill>
-              </a:defRPr>
-            </a:lvl4pPr>
-            <a:lvl5pPr lvl="4">
-              <a:spcBef>
-                <a:spcPts val="0"/>
-              </a:spcBef>
-              <a:spcAft>
-                <a:spcPts val="0"/>
-              </a:spcAft>
-              <a:buClr>
-                <a:schemeClr val="lt1"/>
-              </a:buClr>
-              <a:buSzPts val="4800"/>
-              <a:buNone/>
-              <a:defRPr sz="4800">
-                <a:solidFill>
-                  <a:schemeClr val="lt1"/>
-                </a:solidFill>
-              </a:defRPr>
-            </a:lvl5pPr>
-            <a:lvl6pPr lvl="5">
-              <a:spcBef>
-                <a:spcPts val="0"/>
-              </a:spcBef>
-              <a:spcAft>
-                <a:spcPts val="0"/>
-              </a:spcAft>
-              <a:buClr>
-                <a:schemeClr val="lt1"/>
-              </a:buClr>
-              <a:buSzPts val="4800"/>
-              <a:buNone/>
-              <a:defRPr sz="4800">
-                <a:solidFill>
-                  <a:schemeClr val="lt1"/>
-                </a:solidFill>
-              </a:defRPr>
-            </a:lvl6pPr>
-            <a:lvl7pPr lvl="6">
-              <a:spcBef>
-                <a:spcPts val="0"/>
-              </a:spcBef>
-              <a:spcAft>
-                <a:spcPts val="0"/>
-              </a:spcAft>
-              <a:buClr>
-                <a:schemeClr val="lt1"/>
-              </a:buClr>
-              <a:buSzPts val="4800"/>
-              <a:buNone/>
-              <a:defRPr sz="4800">
-                <a:solidFill>
-                  <a:schemeClr val="lt1"/>
-                </a:solidFill>
-              </a:defRPr>
-            </a:lvl7pPr>
-            <a:lvl8pPr lvl="7">
-              <a:spcBef>
-                <a:spcPts val="0"/>
-              </a:spcBef>
-              <a:spcAft>
-                <a:spcPts val="0"/>
-              </a:spcAft>
-              <a:buClr>
-                <a:schemeClr val="lt1"/>
-              </a:buClr>
-              <a:buSzPts val="4800"/>
-              <a:buNone/>
-              <a:defRPr sz="4800">
-                <a:solidFill>
-                  <a:schemeClr val="lt1"/>
-                </a:solidFill>
-              </a:defRPr>
-            </a:lvl8pPr>
-            <a:lvl9pPr lvl="8">
-              <a:spcBef>
-                <a:spcPts val="0"/>
-              </a:spcBef>
-              <a:spcAft>
-                <a:spcPts val="0"/>
-              </a:spcAft>
-              <a:buClr>
-                <a:schemeClr val="lt1"/>
-              </a:buClr>
-              <a:buSzPts val="4800"/>
-              <a:buNone/>
-              <a:defRPr sz="4800">
-                <a:solidFill>
-                  <a:schemeClr val="lt1"/>
-                </a:solidFill>
-              </a:defRPr>
-            </a:lvl9pPr>
-          </a:lstStyle>
-          <a:p/>
-        </p:txBody>
-      </p:sp>
-      <p:sp>
-        <p:nvSpPr>
-          <p:cNvPr id="38" name="Google Shape;38;p8"/>
-          <p:cNvSpPr txBox="1"/>
-          <p:nvPr>
-            <p:ph idx="12" type="sldNum"/>
-          </p:nvPr>
-        </p:nvSpPr>
-        <p:spPr>
-          <a:xfrm>
-            <a:off x="8490250" y="4681009"/>
-            <a:ext cx="548700" cy="393600"/>
-          </a:xfrm>
-          <a:prstGeom prst="rect">
-            <a:avLst/>
-          </a:prstGeom>
-        </p:spPr>
-        <p:txBody>
-          <a:bodyPr anchorCtr="0" anchor="ctr" bIns="91425" lIns="91425" spcFirstLastPara="1" rIns="91425" wrap="square" tIns="91425">
-            <a:noAutofit/>
-          </a:bodyPr>
-          <a:lstStyle>
-            <a:lvl1pPr lvl="0">
-              <a:buNone/>
-              <a:defRPr>
-                <a:solidFill>
-                  <a:schemeClr val="lt1"/>
-                </a:solidFill>
-              </a:defRPr>
-            </a:lvl1pPr>
-            <a:lvl2pPr lvl="1">
-              <a:buNone/>
-              <a:defRPr>
-                <a:solidFill>
-                  <a:schemeClr val="lt1"/>
-                </a:solidFill>
-              </a:defRPr>
-            </a:lvl2pPr>
-            <a:lvl3pPr lvl="2">
-              <a:buNone/>
-              <a:defRPr>
-                <a:solidFill>
-                  <a:schemeClr val="lt1"/>
-                </a:solidFill>
-              </a:defRPr>
-            </a:lvl3pPr>
-            <a:lvl4pPr lvl="3">
-              <a:buNone/>
-              <a:defRPr>
-                <a:solidFill>
-                  <a:schemeClr val="lt1"/>
-                </a:solidFill>
-              </a:defRPr>
-            </a:lvl4pPr>
-            <a:lvl5pPr lvl="4">
-              <a:buNone/>
-              <a:defRPr>
-                <a:solidFill>
-                  <a:schemeClr val="lt1"/>
-                </a:solidFill>
-              </a:defRPr>
-            </a:lvl5pPr>
-            <a:lvl6pPr lvl="5">
-              <a:buNone/>
-              <a:defRPr>
-                <a:solidFill>
-                  <a:schemeClr val="lt1"/>
-                </a:solidFill>
-              </a:defRPr>
-            </a:lvl6pPr>
-            <a:lvl7pPr lvl="6">
-              <a:buNone/>
-              <a:defRPr>
-                <a:solidFill>
-                  <a:schemeClr val="lt1"/>
-                </a:solidFill>
-              </a:defRPr>
-            </a:lvl7pPr>
-            <a:lvl8pPr lvl="7">
-              <a:buNone/>
-              <a:defRPr>
-                <a:solidFill>
-                  <a:schemeClr val="lt1"/>
-                </a:solidFill>
-              </a:defRPr>
-            </a:lvl8pPr>
-            <a:lvl9pPr lvl="8">
-              <a:buNone/>
-              <a:defRPr>
-                <a:solidFill>
-                  <a:schemeClr val="lt1"/>
-                </a:solidFill>
-              </a:defRPr>
-            </a:lvl9pPr>
-          </a:lstStyle>
-          <a:p>
-            <a:pPr indent="0" lvl="0" marL="0" rtl="0" algn="r">
-              <a:spcBef>
-                <a:spcPts val="0"/>
-              </a:spcBef>
-              <a:spcAft>
-                <a:spcPts val="0"/>
-              </a:spcAft>
-              <a:buNone/>
-            </a:pPr>
-            <a:fld id="{00000000-1234-1234-1234-123412341234}" type="slidenum">
-              <a:rPr lang="es"/>
-              <a:t>‹#›</a:t>
-            </a:fld>
-            <a:endParaRPr/>
-          </a:p>
-        </p:txBody>
-      </p:sp>
-    </p:spTree>
-  </p:cSld>
-  <p:clrMapOvr>
-    <a:masterClrMapping/>
-  </p:clrMapOvr>
-</p:sldLayout>
-</file>
-
-<file path=ppt/slideLayouts/slideLayout8.xml><?xml version="1.0" encoding="utf-8"?>
-<p:sldLayout xmlns:a="http://schemas.openxmlformats.org/drawingml/2006/main" xmlns:r="http://schemas.openxmlformats.org/officeDocument/2006/relationships" xmlns:mc="http://schemas.openxmlformats.org/markup-compatibility/2006" xmlns:mv="urn:schemas-microsoft-com:mac:vml" xmlns:p="http://schemas.openxmlformats.org/presentationml/2006/main" xmlns:c="http://schemas.openxmlformats.org/drawingml/2006/chart" xmlns:dgm="http://schemas.openxmlformats.org/drawingml/2006/diagram" xmlns:o="urn:schemas-microsoft-com:office:office" xmlns:v="urn:schemas-microsoft-com:vml" xmlns:pvml="urn:schemas-microsoft-com:office:powerpoint" xmlns:com="http://schemas.openxmlformats.org/drawingml/2006/compatibility" xmlns:p14="http://schemas.microsoft.com/office/powerpoint/2010/main" xmlns:p15="http://schemas.microsoft.com/office/powerpoint/2012/main" xmlns:ahyp="http://schemas.microsoft.com/office/drawing/2018/hyperlinkcolor" matchingName="Section title and description">
+<p:sldLayout xmlns:a="http://schemas.openxmlformats.org/drawingml/2006/main" xmlns:r="http://schemas.openxmlformats.org/officeDocument/2006/relationships" xmlns:p="http://schemas.openxmlformats.org/presentationml/2006/main" matchingName="Section title and description">
   <p:cSld name="SECTION_TITLE_AND_DESCRIPTION">
     <p:bg>
       <p:bgPr>
         <a:solidFill>
           <a:schemeClr val="lt2"/>
         </a:solidFill>
+        <a:effectLst/>
       </p:bgPr>
     </p:bg>
     <p:spTree>
       <p:nvGrpSpPr>
-        <p:cNvPr id="39" name="Shape 39"/>
+        <p:cNvPr id="1" name="Shape 39"/>
         <p:cNvGrpSpPr/>
         <p:nvPr/>
       </p:nvGrpSpPr>
@@ -4931,12 +4462,12 @@
           </a:ln>
         </p:spPr>
         <p:txBody>
-          <a:bodyPr anchorCtr="0" anchor="ctr" bIns="91425" lIns="91425" spcFirstLastPara="1" rIns="91425" wrap="square" tIns="91425">
+          <a:bodyPr spcFirstLastPara="1" wrap="square" lIns="91425" tIns="91425" rIns="91425" bIns="91425" anchor="ctr" anchorCtr="0">
             <a:noAutofit/>
           </a:bodyPr>
           <a:lstStyle/>
           <a:p>
-            <a:pPr indent="0" lvl="0" marL="0" rtl="0" algn="l">
+            <a:pPr marL="0" lvl="0" indent="0" algn="l" rtl="0">
               <a:spcBef>
                 <a:spcPts val="0"/>
               </a:spcBef>
@@ -4945,9 +4476,6 @@
               </a:spcAft>
               <a:buNone/>
             </a:pPr>
-            <a:r>
-              <a:t/>
-            </a:r>
             <a:endParaRPr/>
           </a:p>
         </p:txBody>
@@ -4967,21 +4495,23 @@
             <a:avLst/>
           </a:prstGeom>
           <a:noFill/>
-          <a:ln cap="flat" cmpd="sng" w="19050">
+          <a:ln w="19050" cap="flat" cmpd="sng">
             <a:solidFill>
               <a:schemeClr val="lt1"/>
             </a:solidFill>
             <a:prstDash val="solid"/>
             <a:round/>
-            <a:headEnd len="sm" w="sm" type="none"/>
-            <a:tailEnd len="sm" w="sm" type="none"/>
+            <a:headEnd type="none" w="sm" len="sm"/>
+            <a:tailEnd type="none" w="sm" len="sm"/>
           </a:ln>
         </p:spPr>
       </p:cxnSp>
       <p:sp>
         <p:nvSpPr>
           <p:cNvPr id="42" name="Google Shape;42;p9"/>
-          <p:cNvSpPr txBox="1"/>
+          <p:cNvSpPr txBox="1">
+            <a:spLocks noGrp="1"/>
+          </p:cNvSpPr>
           <p:nvPr>
             <p:ph type="title"/>
           </p:nvPr>
@@ -4996,7 +4526,7 @@
           </a:prstGeom>
         </p:spPr>
         <p:txBody>
-          <a:bodyPr anchorCtr="0" anchor="b" bIns="91425" lIns="91425" spcFirstLastPara="1" rIns="91425" wrap="square" tIns="91425">
+          <a:bodyPr spcFirstLastPara="1" wrap="square" lIns="91425" tIns="91425" rIns="91425" bIns="91425" anchor="b" anchorCtr="0">
             <a:noAutofit/>
           </a:bodyPr>
           <a:lstStyle>
@@ -5100,15 +4630,19 @@
               <a:defRPr sz="4200"/>
             </a:lvl9pPr>
           </a:lstStyle>
-          <a:p/>
+          <a:p>
+            <a:endParaRPr/>
+          </a:p>
         </p:txBody>
       </p:sp>
       <p:sp>
         <p:nvSpPr>
           <p:cNvPr id="43" name="Google Shape;43;p9"/>
-          <p:cNvSpPr txBox="1"/>
+          <p:cNvSpPr txBox="1">
+            <a:spLocks noGrp="1"/>
+          </p:cNvSpPr>
           <p:nvPr>
-            <p:ph idx="1" type="subTitle"/>
+            <p:ph type="subTitle" idx="1"/>
           </p:nvPr>
         </p:nvSpPr>
         <p:spPr>
@@ -5121,7 +4655,7 @@
           </a:prstGeom>
         </p:spPr>
         <p:txBody>
-          <a:bodyPr anchorCtr="0" anchor="t" bIns="91425" lIns="91425" spcFirstLastPara="1" rIns="91425" wrap="square" tIns="91425">
+          <a:bodyPr spcFirstLastPara="1" wrap="square" lIns="91425" tIns="91425" rIns="91425" bIns="91425" anchor="t" anchorCtr="0">
             <a:noAutofit/>
           </a:bodyPr>
           <a:lstStyle>
@@ -5315,15 +4849,19 @@
               </a:defRPr>
             </a:lvl9pPr>
           </a:lstStyle>
-          <a:p/>
+          <a:p>
+            <a:endParaRPr/>
+          </a:p>
         </p:txBody>
       </p:sp>
       <p:sp>
         <p:nvSpPr>
           <p:cNvPr id="44" name="Google Shape;44;p9"/>
-          <p:cNvSpPr txBox="1"/>
+          <p:cNvSpPr txBox="1">
+            <a:spLocks noGrp="1"/>
+          </p:cNvSpPr>
           <p:nvPr>
-            <p:ph idx="2" type="body"/>
+            <p:ph type="body" idx="2"/>
           </p:nvPr>
         </p:nvSpPr>
         <p:spPr>
@@ -5336,11 +4874,11 @@
           </a:prstGeom>
         </p:spPr>
         <p:txBody>
-          <a:bodyPr anchorCtr="0" anchor="ctr" bIns="91425" lIns="91425" spcFirstLastPara="1" rIns="91425" wrap="square" tIns="91425">
+          <a:bodyPr spcFirstLastPara="1" wrap="square" lIns="91425" tIns="91425" rIns="91425" bIns="91425" anchor="ctr" anchorCtr="0">
             <a:noAutofit/>
           </a:bodyPr>
           <a:lstStyle>
-            <a:lvl1pPr indent="-342900" lvl="0" marL="457200">
+            <a:lvl1pPr marL="457200" lvl="0" indent="-342900">
               <a:spcBef>
                 <a:spcPts val="0"/>
               </a:spcBef>
@@ -5358,7 +4896,7 @@
                 </a:solidFill>
               </a:defRPr>
             </a:lvl1pPr>
-            <a:lvl2pPr indent="-317500" lvl="1" marL="914400">
+            <a:lvl2pPr marL="914400" lvl="1" indent="-317500">
               <a:spcBef>
                 <a:spcPts val="1600"/>
               </a:spcBef>
@@ -5376,7 +4914,7 @@
                 </a:solidFill>
               </a:defRPr>
             </a:lvl2pPr>
-            <a:lvl3pPr indent="-317500" lvl="2" marL="1371600">
+            <a:lvl3pPr marL="1371600" lvl="2" indent="-317500">
               <a:spcBef>
                 <a:spcPts val="1600"/>
               </a:spcBef>
@@ -5394,7 +4932,7 @@
                 </a:solidFill>
               </a:defRPr>
             </a:lvl3pPr>
-            <a:lvl4pPr indent="-317500" lvl="3" marL="1828800">
+            <a:lvl4pPr marL="1828800" lvl="3" indent="-317500">
               <a:spcBef>
                 <a:spcPts val="1600"/>
               </a:spcBef>
@@ -5412,7 +4950,7 @@
                 </a:solidFill>
               </a:defRPr>
             </a:lvl4pPr>
-            <a:lvl5pPr indent="-317500" lvl="4" marL="2286000">
+            <a:lvl5pPr marL="2286000" lvl="4" indent="-317500">
               <a:spcBef>
                 <a:spcPts val="1600"/>
               </a:spcBef>
@@ -5430,7 +4968,7 @@
                 </a:solidFill>
               </a:defRPr>
             </a:lvl5pPr>
-            <a:lvl6pPr indent="-317500" lvl="5" marL="2743200">
+            <a:lvl6pPr marL="2743200" lvl="5" indent="-317500">
               <a:spcBef>
                 <a:spcPts val="1600"/>
               </a:spcBef>
@@ -5448,7 +4986,7 @@
                 </a:solidFill>
               </a:defRPr>
             </a:lvl6pPr>
-            <a:lvl7pPr indent="-317500" lvl="6" marL="3200400">
+            <a:lvl7pPr marL="3200400" lvl="6" indent="-317500">
               <a:spcBef>
                 <a:spcPts val="1600"/>
               </a:spcBef>
@@ -5466,7 +5004,7 @@
                 </a:solidFill>
               </a:defRPr>
             </a:lvl7pPr>
-            <a:lvl8pPr indent="-317500" lvl="7" marL="3657600">
+            <a:lvl8pPr marL="3657600" lvl="7" indent="-317500">
               <a:spcBef>
                 <a:spcPts val="1600"/>
               </a:spcBef>
@@ -5484,7 +5022,7 @@
                 </a:solidFill>
               </a:defRPr>
             </a:lvl8pPr>
-            <a:lvl9pPr indent="-317500" lvl="8" marL="4114800">
+            <a:lvl9pPr marL="4114800" lvl="8" indent="-317500">
               <a:spcBef>
                 <a:spcPts val="1600"/>
               </a:spcBef>
@@ -5503,15 +5041,19 @@
               </a:defRPr>
             </a:lvl9pPr>
           </a:lstStyle>
-          <a:p/>
+          <a:p>
+            <a:endParaRPr/>
+          </a:p>
         </p:txBody>
       </p:sp>
       <p:sp>
         <p:nvSpPr>
           <p:cNvPr id="45" name="Google Shape;45;p9"/>
-          <p:cNvSpPr txBox="1"/>
+          <p:cNvSpPr txBox="1">
+            <a:spLocks noGrp="1"/>
+          </p:cNvSpPr>
           <p:nvPr>
-            <p:ph idx="12" type="sldNum"/>
+            <p:ph type="sldNum" idx="12"/>
           </p:nvPr>
         </p:nvSpPr>
         <p:spPr>
@@ -5524,7 +5066,7 @@
           </a:prstGeom>
         </p:spPr>
         <p:txBody>
-          <a:bodyPr anchorCtr="0" anchor="ctr" bIns="91425" lIns="91425" spcFirstLastPara="1" rIns="91425" wrap="square" tIns="91425">
+          <a:bodyPr spcFirstLastPara="1" wrap="square" lIns="91425" tIns="91425" rIns="91425" bIns="91425" anchor="ctr" anchorCtr="0">
             <a:noAutofit/>
           </a:bodyPr>
           <a:lstStyle>
@@ -5602,7 +5144,7 @@
             </a:lvl9pPr>
           </a:lstStyle>
           <a:p>
-            <a:pPr indent="0" lvl="0" marL="0" rtl="0" algn="r">
+            <a:pPr marL="0" lvl="0" indent="0" algn="r" rtl="0">
               <a:spcBef>
                 <a:spcPts val="0"/>
               </a:spcBef>
@@ -5613,7 +5155,175 @@
             </a:pPr>
             <a:fld id="{00000000-1234-1234-1234-123412341234}" type="slidenum">
               <a:rPr lang="es"/>
-              <a:t>‹#›</a:t>
+              <a:t>‹Nº›</a:t>
+            </a:fld>
+            <a:endParaRPr/>
+          </a:p>
+        </p:txBody>
+      </p:sp>
+    </p:spTree>
+  </p:cSld>
+  <p:clrMapOvr>
+    <a:masterClrMapping/>
+  </p:clrMapOvr>
+</p:sldLayout>
+</file>
+
+<file path=ppt/slideLayouts/slideLayout8.xml><?xml version="1.0" encoding="utf-8"?>
+<p:sldLayout xmlns:a="http://schemas.openxmlformats.org/drawingml/2006/main" xmlns:r="http://schemas.openxmlformats.org/officeDocument/2006/relationships" xmlns:p="http://schemas.openxmlformats.org/presentationml/2006/main" matchingName="Caption">
+  <p:cSld name="CAPTION_ONLY">
+    <p:bg>
+      <p:bgPr>
+        <a:solidFill>
+          <a:schemeClr val="lt2"/>
+        </a:solidFill>
+        <a:effectLst/>
+      </p:bgPr>
+    </p:bg>
+    <p:spTree>
+      <p:nvGrpSpPr>
+        <p:cNvPr id="1" name="Shape 46"/>
+        <p:cNvGrpSpPr/>
+        <p:nvPr/>
+      </p:nvGrpSpPr>
+      <p:grpSpPr>
+        <a:xfrm>
+          <a:off x="0" y="0"/>
+          <a:ext cx="0" cy="0"/>
+          <a:chOff x="0" y="0"/>
+          <a:chExt cx="0" cy="0"/>
+        </a:xfrm>
+      </p:grpSpPr>
+      <p:sp>
+        <p:nvSpPr>
+          <p:cNvPr id="47" name="Google Shape;47;p10"/>
+          <p:cNvSpPr txBox="1">
+            <a:spLocks noGrp="1"/>
+          </p:cNvSpPr>
+          <p:nvPr>
+            <p:ph type="body" idx="1"/>
+          </p:nvPr>
+        </p:nvSpPr>
+        <p:spPr>
+          <a:xfrm>
+            <a:off x="311700" y="4230575"/>
+            <a:ext cx="5998800" cy="605100"/>
+          </a:xfrm>
+          <a:prstGeom prst="rect">
+            <a:avLst/>
+          </a:prstGeom>
+        </p:spPr>
+        <p:txBody>
+          <a:bodyPr spcFirstLastPara="1" wrap="square" lIns="91425" tIns="91425" rIns="91425" bIns="91425" anchor="ctr" anchorCtr="0">
+            <a:noAutofit/>
+          </a:bodyPr>
+          <a:lstStyle>
+            <a:lvl1pPr marL="457200" lvl="0" indent="-228600">
+              <a:lnSpc>
+                <a:spcPct val="100000"/>
+              </a:lnSpc>
+              <a:spcBef>
+                <a:spcPts val="0"/>
+              </a:spcBef>
+              <a:spcAft>
+                <a:spcPts val="0"/>
+              </a:spcAft>
+              <a:buClr>
+                <a:schemeClr val="dk1"/>
+              </a:buClr>
+              <a:buSzPts val="2100"/>
+              <a:buFont typeface="Oswald"/>
+              <a:buNone/>
+              <a:defRPr sz="2100">
+                <a:solidFill>
+                  <a:schemeClr val="dk1"/>
+                </a:solidFill>
+                <a:latin typeface="Oswald"/>
+                <a:ea typeface="Oswald"/>
+                <a:cs typeface="Oswald"/>
+                <a:sym typeface="Oswald"/>
+              </a:defRPr>
+            </a:lvl1pPr>
+          </a:lstStyle>
+          <a:p>
+            <a:endParaRPr/>
+          </a:p>
+        </p:txBody>
+      </p:sp>
+      <p:sp>
+        <p:nvSpPr>
+          <p:cNvPr id="48" name="Google Shape;48;p10"/>
+          <p:cNvSpPr txBox="1">
+            <a:spLocks noGrp="1"/>
+          </p:cNvSpPr>
+          <p:nvPr>
+            <p:ph type="sldNum" idx="12"/>
+          </p:nvPr>
+        </p:nvSpPr>
+        <p:spPr>
+          <a:xfrm>
+            <a:off x="8490250" y="4681009"/>
+            <a:ext cx="548700" cy="393600"/>
+          </a:xfrm>
+          <a:prstGeom prst="rect">
+            <a:avLst/>
+          </a:prstGeom>
+        </p:spPr>
+        <p:txBody>
+          <a:bodyPr spcFirstLastPara="1" wrap="square" lIns="91425" tIns="91425" rIns="91425" bIns="91425" anchor="ctr" anchorCtr="0">
+            <a:noAutofit/>
+          </a:bodyPr>
+          <a:lstStyle>
+            <a:lvl1pPr lvl="0">
+              <a:buNone/>
+              <a:defRPr/>
+            </a:lvl1pPr>
+            <a:lvl2pPr lvl="1">
+              <a:buNone/>
+              <a:defRPr/>
+            </a:lvl2pPr>
+            <a:lvl3pPr lvl="2">
+              <a:buNone/>
+              <a:defRPr/>
+            </a:lvl3pPr>
+            <a:lvl4pPr lvl="3">
+              <a:buNone/>
+              <a:defRPr/>
+            </a:lvl4pPr>
+            <a:lvl5pPr lvl="4">
+              <a:buNone/>
+              <a:defRPr/>
+            </a:lvl5pPr>
+            <a:lvl6pPr lvl="5">
+              <a:buNone/>
+              <a:defRPr/>
+            </a:lvl6pPr>
+            <a:lvl7pPr lvl="6">
+              <a:buNone/>
+              <a:defRPr/>
+            </a:lvl7pPr>
+            <a:lvl8pPr lvl="7">
+              <a:buNone/>
+              <a:defRPr/>
+            </a:lvl8pPr>
+            <a:lvl9pPr lvl="8">
+              <a:buNone/>
+              <a:defRPr/>
+            </a:lvl9pPr>
+          </a:lstStyle>
+          <a:p>
+            <a:pPr marL="0" lvl="0" indent="0" algn="r" rtl="0">
+              <a:spcBef>
+                <a:spcPts val="0"/>
+              </a:spcBef>
+              <a:spcAft>
+                <a:spcPts val="0"/>
+              </a:spcAft>
+              <a:buNone/>
+            </a:pPr>
+            <a:fld id="{00000000-1234-1234-1234-123412341234}" type="slidenum">
+              <a:rPr lang="es"/>
+              <a:t>‹Nº›</a:t>
             </a:fld>
             <a:endParaRPr/>
           </a:p>
@@ -5628,18 +5338,19 @@
 </file>
 
 <file path=ppt/slideLayouts/slideLayout9.xml><?xml version="1.0" encoding="utf-8"?>
-<p:sldLayout xmlns:a="http://schemas.openxmlformats.org/drawingml/2006/main" xmlns:r="http://schemas.openxmlformats.org/officeDocument/2006/relationships" xmlns:mc="http://schemas.openxmlformats.org/markup-compatibility/2006" xmlns:mv="urn:schemas-microsoft-com:mac:vml" xmlns:p="http://schemas.openxmlformats.org/presentationml/2006/main" xmlns:c="http://schemas.openxmlformats.org/drawingml/2006/chart" xmlns:dgm="http://schemas.openxmlformats.org/drawingml/2006/diagram" xmlns:o="urn:schemas-microsoft-com:office:office" xmlns:v="urn:schemas-microsoft-com:vml" xmlns:pvml="urn:schemas-microsoft-com:office:powerpoint" xmlns:com="http://schemas.openxmlformats.org/drawingml/2006/compatibility" xmlns:p14="http://schemas.microsoft.com/office/powerpoint/2010/main" xmlns:p15="http://schemas.microsoft.com/office/powerpoint/2012/main" xmlns:ahyp="http://schemas.microsoft.com/office/drawing/2018/hyperlinkcolor" matchingName="Caption">
-  <p:cSld name="CAPTION_ONLY">
+<p:sldLayout xmlns:a="http://schemas.openxmlformats.org/drawingml/2006/main" xmlns:r="http://schemas.openxmlformats.org/officeDocument/2006/relationships" xmlns:p="http://schemas.openxmlformats.org/presentationml/2006/main" matchingName="Big number">
+  <p:cSld name="BIG_NUMBER">
     <p:bg>
       <p:bgPr>
         <a:solidFill>
           <a:schemeClr val="lt2"/>
         </a:solidFill>
+        <a:effectLst/>
       </p:bgPr>
     </p:bg>
     <p:spTree>
       <p:nvGrpSpPr>
-        <p:cNvPr id="46" name="Shape 46"/>
+        <p:cNvPr id="1" name="Shape 49"/>
         <p:cNvGrpSpPr/>
         <p:nvPr/>
       </p:nvGrpSpPr>
@@ -5653,62 +5364,272 @@
       </p:grpSpPr>
       <p:sp>
         <p:nvSpPr>
-          <p:cNvPr id="47" name="Google Shape;47;p10"/>
-          <p:cNvSpPr txBox="1"/>
+          <p:cNvPr id="50" name="Google Shape;50;p11"/>
+          <p:cNvSpPr txBox="1">
+            <a:spLocks noGrp="1"/>
+          </p:cNvSpPr>
           <p:nvPr>
-            <p:ph idx="1" type="body"/>
+            <p:ph type="title" hasCustomPrompt="1"/>
           </p:nvPr>
         </p:nvSpPr>
         <p:spPr>
           <a:xfrm>
-            <a:off x="311700" y="4230575"/>
-            <a:ext cx="5998800" cy="605100"/>
+            <a:off x="311700" y="1255275"/>
+            <a:ext cx="8520600" cy="1890600"/>
           </a:xfrm>
           <a:prstGeom prst="rect">
             <a:avLst/>
           </a:prstGeom>
         </p:spPr>
         <p:txBody>
-          <a:bodyPr anchorCtr="0" anchor="ctr" bIns="91425" lIns="91425" spcFirstLastPara="1" rIns="91425" wrap="square" tIns="91425">
+          <a:bodyPr spcFirstLastPara="1" wrap="square" lIns="91425" tIns="91425" rIns="91425" bIns="91425" anchor="b" anchorCtr="0">
             <a:noAutofit/>
           </a:bodyPr>
           <a:lstStyle>
-            <a:lvl1pPr indent="-228600" lvl="0" marL="457200">
-              <a:lnSpc>
-                <a:spcPct val="100000"/>
-              </a:lnSpc>
-              <a:spcBef>
-                <a:spcPts val="0"/>
-              </a:spcBef>
-              <a:spcAft>
-                <a:spcPts val="0"/>
-              </a:spcAft>
-              <a:buClr>
-                <a:schemeClr val="dk1"/>
-              </a:buClr>
-              <a:buSzPts val="2100"/>
-              <a:buFont typeface="Oswald"/>
-              <a:buNone/>
-              <a:defRPr sz="2100">
-                <a:solidFill>
-                  <a:schemeClr val="dk1"/>
-                </a:solidFill>
-                <a:latin typeface="Oswald"/>
-                <a:ea typeface="Oswald"/>
-                <a:cs typeface="Oswald"/>
-                <a:sym typeface="Oswald"/>
-              </a:defRPr>
+            <a:lvl1pPr lvl="0" algn="ctr">
+              <a:spcBef>
+                <a:spcPts val="0"/>
+              </a:spcBef>
+              <a:spcAft>
+                <a:spcPts val="0"/>
+              </a:spcAft>
+              <a:buSzPts val="12000"/>
+              <a:buNone/>
+              <a:defRPr sz="12000"/>
             </a:lvl1pPr>
+            <a:lvl2pPr lvl="1" algn="ctr">
+              <a:spcBef>
+                <a:spcPts val="0"/>
+              </a:spcBef>
+              <a:spcAft>
+                <a:spcPts val="0"/>
+              </a:spcAft>
+              <a:buSzPts val="12000"/>
+              <a:buNone/>
+              <a:defRPr sz="12000"/>
+            </a:lvl2pPr>
+            <a:lvl3pPr lvl="2" algn="ctr">
+              <a:spcBef>
+                <a:spcPts val="0"/>
+              </a:spcBef>
+              <a:spcAft>
+                <a:spcPts val="0"/>
+              </a:spcAft>
+              <a:buSzPts val="12000"/>
+              <a:buNone/>
+              <a:defRPr sz="12000"/>
+            </a:lvl3pPr>
+            <a:lvl4pPr lvl="3" algn="ctr">
+              <a:spcBef>
+                <a:spcPts val="0"/>
+              </a:spcBef>
+              <a:spcAft>
+                <a:spcPts val="0"/>
+              </a:spcAft>
+              <a:buSzPts val="12000"/>
+              <a:buNone/>
+              <a:defRPr sz="12000"/>
+            </a:lvl4pPr>
+            <a:lvl5pPr lvl="4" algn="ctr">
+              <a:spcBef>
+                <a:spcPts val="0"/>
+              </a:spcBef>
+              <a:spcAft>
+                <a:spcPts val="0"/>
+              </a:spcAft>
+              <a:buSzPts val="12000"/>
+              <a:buNone/>
+              <a:defRPr sz="12000"/>
+            </a:lvl5pPr>
+            <a:lvl6pPr lvl="5" algn="ctr">
+              <a:spcBef>
+                <a:spcPts val="0"/>
+              </a:spcBef>
+              <a:spcAft>
+                <a:spcPts val="0"/>
+              </a:spcAft>
+              <a:buSzPts val="12000"/>
+              <a:buNone/>
+              <a:defRPr sz="12000"/>
+            </a:lvl6pPr>
+            <a:lvl7pPr lvl="6" algn="ctr">
+              <a:spcBef>
+                <a:spcPts val="0"/>
+              </a:spcBef>
+              <a:spcAft>
+                <a:spcPts val="0"/>
+              </a:spcAft>
+              <a:buSzPts val="12000"/>
+              <a:buNone/>
+              <a:defRPr sz="12000"/>
+            </a:lvl7pPr>
+            <a:lvl8pPr lvl="7" algn="ctr">
+              <a:spcBef>
+                <a:spcPts val="0"/>
+              </a:spcBef>
+              <a:spcAft>
+                <a:spcPts val="0"/>
+              </a:spcAft>
+              <a:buSzPts val="12000"/>
+              <a:buNone/>
+              <a:defRPr sz="12000"/>
+            </a:lvl8pPr>
+            <a:lvl9pPr lvl="8" algn="ctr">
+              <a:spcBef>
+                <a:spcPts val="0"/>
+              </a:spcBef>
+              <a:spcAft>
+                <a:spcPts val="0"/>
+              </a:spcAft>
+              <a:buSzPts val="12000"/>
+              <a:buNone/>
+              <a:defRPr sz="12000"/>
+            </a:lvl9pPr>
           </a:lstStyle>
-          <a:p/>
+          <a:p>
+            <a:r>
+              <a:t>xx%</a:t>
+            </a:r>
+          </a:p>
         </p:txBody>
       </p:sp>
       <p:sp>
         <p:nvSpPr>
-          <p:cNvPr id="48" name="Google Shape;48;p10"/>
-          <p:cNvSpPr txBox="1"/>
+          <p:cNvPr id="51" name="Google Shape;51;p11"/>
+          <p:cNvSpPr txBox="1">
+            <a:spLocks noGrp="1"/>
+          </p:cNvSpPr>
           <p:nvPr>
-            <p:ph idx="12" type="sldNum"/>
+            <p:ph type="body" idx="1"/>
+          </p:nvPr>
+        </p:nvSpPr>
+        <p:spPr>
+          <a:xfrm>
+            <a:off x="311700" y="3228425"/>
+            <a:ext cx="8520600" cy="1300800"/>
+          </a:xfrm>
+          <a:prstGeom prst="rect">
+            <a:avLst/>
+          </a:prstGeom>
+        </p:spPr>
+        <p:txBody>
+          <a:bodyPr spcFirstLastPara="1" wrap="square" lIns="91425" tIns="91425" rIns="91425" bIns="91425" anchor="t" anchorCtr="0">
+            <a:noAutofit/>
+          </a:bodyPr>
+          <a:lstStyle>
+            <a:lvl1pPr marL="457200" lvl="0" indent="-342900" algn="ctr">
+              <a:spcBef>
+                <a:spcPts val="0"/>
+              </a:spcBef>
+              <a:spcAft>
+                <a:spcPts val="0"/>
+              </a:spcAft>
+              <a:buSzPts val="1800"/>
+              <a:buChar char="●"/>
+              <a:defRPr/>
+            </a:lvl1pPr>
+            <a:lvl2pPr marL="914400" lvl="1" indent="-317500" algn="ctr">
+              <a:spcBef>
+                <a:spcPts val="1600"/>
+              </a:spcBef>
+              <a:spcAft>
+                <a:spcPts val="0"/>
+              </a:spcAft>
+              <a:buSzPts val="1400"/>
+              <a:buChar char="○"/>
+              <a:defRPr/>
+            </a:lvl2pPr>
+            <a:lvl3pPr marL="1371600" lvl="2" indent="-317500" algn="ctr">
+              <a:spcBef>
+                <a:spcPts val="1600"/>
+              </a:spcBef>
+              <a:spcAft>
+                <a:spcPts val="0"/>
+              </a:spcAft>
+              <a:buSzPts val="1400"/>
+              <a:buChar char="■"/>
+              <a:defRPr/>
+            </a:lvl3pPr>
+            <a:lvl4pPr marL="1828800" lvl="3" indent="-317500" algn="ctr">
+              <a:spcBef>
+                <a:spcPts val="1600"/>
+              </a:spcBef>
+              <a:spcAft>
+                <a:spcPts val="0"/>
+              </a:spcAft>
+              <a:buSzPts val="1400"/>
+              <a:buChar char="●"/>
+              <a:defRPr/>
+            </a:lvl4pPr>
+            <a:lvl5pPr marL="2286000" lvl="4" indent="-317500" algn="ctr">
+              <a:spcBef>
+                <a:spcPts val="1600"/>
+              </a:spcBef>
+              <a:spcAft>
+                <a:spcPts val="0"/>
+              </a:spcAft>
+              <a:buSzPts val="1400"/>
+              <a:buChar char="○"/>
+              <a:defRPr/>
+            </a:lvl5pPr>
+            <a:lvl6pPr marL="2743200" lvl="5" indent="-317500" algn="ctr">
+              <a:spcBef>
+                <a:spcPts val="1600"/>
+              </a:spcBef>
+              <a:spcAft>
+                <a:spcPts val="0"/>
+              </a:spcAft>
+              <a:buSzPts val="1400"/>
+              <a:buChar char="■"/>
+              <a:defRPr/>
+            </a:lvl6pPr>
+            <a:lvl7pPr marL="3200400" lvl="6" indent="-317500" algn="ctr">
+              <a:spcBef>
+                <a:spcPts val="1600"/>
+              </a:spcBef>
+              <a:spcAft>
+                <a:spcPts val="0"/>
+              </a:spcAft>
+              <a:buSzPts val="1400"/>
+              <a:buChar char="●"/>
+              <a:defRPr/>
+            </a:lvl7pPr>
+            <a:lvl8pPr marL="3657600" lvl="7" indent="-317500" algn="ctr">
+              <a:spcBef>
+                <a:spcPts val="1600"/>
+              </a:spcBef>
+              <a:spcAft>
+                <a:spcPts val="0"/>
+              </a:spcAft>
+              <a:buSzPts val="1400"/>
+              <a:buChar char="○"/>
+              <a:defRPr/>
+            </a:lvl8pPr>
+            <a:lvl9pPr marL="4114800" lvl="8" indent="-317500" algn="ctr">
+              <a:spcBef>
+                <a:spcPts val="1600"/>
+              </a:spcBef>
+              <a:spcAft>
+                <a:spcPts val="1600"/>
+              </a:spcAft>
+              <a:buSzPts val="1400"/>
+              <a:buChar char="■"/>
+              <a:defRPr/>
+            </a:lvl9pPr>
+          </a:lstStyle>
+          <a:p>
+            <a:endParaRPr/>
+          </a:p>
+        </p:txBody>
+      </p:sp>
+      <p:sp>
+        <p:nvSpPr>
+          <p:cNvPr id="52" name="Google Shape;52;p11"/>
+          <p:cNvSpPr txBox="1">
+            <a:spLocks noGrp="1"/>
+          </p:cNvSpPr>
+          <p:nvPr>
+            <p:ph type="sldNum" idx="12"/>
           </p:nvPr>
         </p:nvSpPr>
         <p:spPr>
@@ -5721,7 +5642,7 @@
           </a:prstGeom>
         </p:spPr>
         <p:txBody>
-          <a:bodyPr anchorCtr="0" anchor="ctr" bIns="91425" lIns="91425" spcFirstLastPara="1" rIns="91425" wrap="square" tIns="91425">
+          <a:bodyPr spcFirstLastPara="1" wrap="square" lIns="91425" tIns="91425" rIns="91425" bIns="91425" anchor="ctr" anchorCtr="0">
             <a:noAutofit/>
           </a:bodyPr>
           <a:lstStyle>
@@ -5763,7 +5684,7 @@
             </a:lvl9pPr>
           </a:lstStyle>
           <a:p>
-            <a:pPr indent="0" lvl="0" marL="0" rtl="0" algn="r">
+            <a:pPr marL="0" lvl="0" indent="0" algn="r" rtl="0">
               <a:spcBef>
                 <a:spcPts val="0"/>
               </a:spcBef>
@@ -5774,7 +5695,7 @@
             </a:pPr>
             <a:fld id="{00000000-1234-1234-1234-123412341234}" type="slidenum">
               <a:rPr lang="es"/>
-              <a:t>‹#›</a:t>
+              <a:t>‹Nº›</a:t>
             </a:fld>
             <a:endParaRPr/>
           </a:p>
@@ -5789,18 +5710,19 @@
 </file>
 
 <file path=ppt/slideMasters/slideMaster1.xml><?xml version="1.0" encoding="utf-8"?>
-<p:sldMaster xmlns:a="http://schemas.openxmlformats.org/drawingml/2006/main" xmlns:r="http://schemas.openxmlformats.org/officeDocument/2006/relationships" xmlns:mc="http://schemas.openxmlformats.org/markup-compatibility/2006" xmlns:mv="urn:schemas-microsoft-com:mac:vml" xmlns:p="http://schemas.openxmlformats.org/presentationml/2006/main" xmlns:c="http://schemas.openxmlformats.org/drawingml/2006/chart" xmlns:dgm="http://schemas.openxmlformats.org/drawingml/2006/diagram" xmlns:o="urn:schemas-microsoft-com:office:office" xmlns:v="urn:schemas-microsoft-com:vml" xmlns:pvml="urn:schemas-microsoft-com:office:powerpoint" xmlns:com="http://schemas.openxmlformats.org/drawingml/2006/compatibility" xmlns:p14="http://schemas.microsoft.com/office/powerpoint/2010/main" xmlns:p15="http://schemas.microsoft.com/office/powerpoint/2012/main" xmlns:ahyp="http://schemas.microsoft.com/office/drawing/2018/hyperlinkcolor">
+<p:sldMaster xmlns:a="http://schemas.openxmlformats.org/drawingml/2006/main" xmlns:r="http://schemas.openxmlformats.org/officeDocument/2006/relationships" xmlns:p="http://schemas.openxmlformats.org/presentationml/2006/main">
   <p:cSld name="slate">
     <p:bg>
       <p:bgPr>
         <a:solidFill>
           <a:schemeClr val="lt1"/>
         </a:solidFill>
+        <a:effectLst/>
       </p:bgPr>
     </p:bg>
     <p:spTree>
       <p:nvGrpSpPr>
-        <p:cNvPr id="5" name="Shape 5"/>
+        <p:cNvPr id="1" name="Shape 5"/>
         <p:cNvGrpSpPr/>
         <p:nvPr/>
       </p:nvGrpSpPr>
@@ -5815,7 +5737,9 @@
       <p:sp>
         <p:nvSpPr>
           <p:cNvPr id="6" name="Google Shape;6;p1"/>
-          <p:cNvSpPr txBox="1"/>
+          <p:cNvSpPr txBox="1">
+            <a:spLocks noGrp="1"/>
+          </p:cNvSpPr>
           <p:nvPr>
             <p:ph type="title"/>
           </p:nvPr>
@@ -5834,7 +5758,7 @@
           </a:ln>
         </p:spPr>
         <p:txBody>
-          <a:bodyPr anchorCtr="0" anchor="t" bIns="91425" lIns="91425" spcFirstLastPara="1" rIns="91425" wrap="square" tIns="91425">
+          <a:bodyPr spcFirstLastPara="1" wrap="square" lIns="91425" tIns="91425" rIns="91425" bIns="91425" anchor="t" anchorCtr="0">
             <a:noAutofit/>
           </a:bodyPr>
           <a:lstStyle>
@@ -6046,15 +5970,19 @@
               </a:defRPr>
             </a:lvl9pPr>
           </a:lstStyle>
-          <a:p/>
+          <a:p>
+            <a:endParaRPr/>
+          </a:p>
         </p:txBody>
       </p:sp>
       <p:sp>
         <p:nvSpPr>
           <p:cNvPr id="7" name="Google Shape;7;p1"/>
-          <p:cNvSpPr txBox="1"/>
+          <p:cNvSpPr txBox="1">
+            <a:spLocks noGrp="1"/>
+          </p:cNvSpPr>
           <p:nvPr>
-            <p:ph idx="1" type="body"/>
+            <p:ph type="body" idx="1"/>
           </p:nvPr>
         </p:nvSpPr>
         <p:spPr>
@@ -6071,11 +5999,11 @@
           </a:ln>
         </p:spPr>
         <p:txBody>
-          <a:bodyPr anchorCtr="0" anchor="t" bIns="91425" lIns="91425" spcFirstLastPara="1" rIns="91425" wrap="square" tIns="91425">
+          <a:bodyPr spcFirstLastPara="1" wrap="square" lIns="91425" tIns="91425" rIns="91425" bIns="91425" anchor="t" anchorCtr="0">
             <a:noAutofit/>
           </a:bodyPr>
           <a:lstStyle>
-            <a:lvl1pPr indent="-342900" lvl="0" marL="457200">
+            <a:lvl1pPr marL="457200" lvl="0" indent="-342900">
               <a:lnSpc>
                 <a:spcPct val="115000"/>
               </a:lnSpc>
@@ -6101,7 +6029,7 @@
                 <a:sym typeface="Average"/>
               </a:defRPr>
             </a:lvl1pPr>
-            <a:lvl2pPr indent="-317500" lvl="1" marL="914400">
+            <a:lvl2pPr marL="914400" lvl="1" indent="-317500">
               <a:lnSpc>
                 <a:spcPct val="115000"/>
               </a:lnSpc>
@@ -6127,7 +6055,7 @@
                 <a:sym typeface="Average"/>
               </a:defRPr>
             </a:lvl2pPr>
-            <a:lvl3pPr indent="-317500" lvl="2" marL="1371600">
+            <a:lvl3pPr marL="1371600" lvl="2" indent="-317500">
               <a:lnSpc>
                 <a:spcPct val="115000"/>
               </a:lnSpc>
@@ -6153,7 +6081,7 @@
                 <a:sym typeface="Average"/>
               </a:defRPr>
             </a:lvl3pPr>
-            <a:lvl4pPr indent="-317500" lvl="3" marL="1828800">
+            <a:lvl4pPr marL="1828800" lvl="3" indent="-317500">
               <a:lnSpc>
                 <a:spcPct val="115000"/>
               </a:lnSpc>
@@ -6179,7 +6107,7 @@
                 <a:sym typeface="Average"/>
               </a:defRPr>
             </a:lvl4pPr>
-            <a:lvl5pPr indent="-317500" lvl="4" marL="2286000">
+            <a:lvl5pPr marL="2286000" lvl="4" indent="-317500">
               <a:lnSpc>
                 <a:spcPct val="115000"/>
               </a:lnSpc>
@@ -6205,7 +6133,7 @@
                 <a:sym typeface="Average"/>
               </a:defRPr>
             </a:lvl5pPr>
-            <a:lvl6pPr indent="-317500" lvl="5" marL="2743200">
+            <a:lvl6pPr marL="2743200" lvl="5" indent="-317500">
               <a:lnSpc>
                 <a:spcPct val="115000"/>
               </a:lnSpc>
@@ -6231,7 +6159,7 @@
                 <a:sym typeface="Average"/>
               </a:defRPr>
             </a:lvl6pPr>
-            <a:lvl7pPr indent="-317500" lvl="6" marL="3200400">
+            <a:lvl7pPr marL="3200400" lvl="6" indent="-317500">
               <a:lnSpc>
                 <a:spcPct val="115000"/>
               </a:lnSpc>
@@ -6257,7 +6185,7 @@
                 <a:sym typeface="Average"/>
               </a:defRPr>
             </a:lvl7pPr>
-            <a:lvl8pPr indent="-317500" lvl="7" marL="3657600">
+            <a:lvl8pPr marL="3657600" lvl="7" indent="-317500">
               <a:lnSpc>
                 <a:spcPct val="115000"/>
               </a:lnSpc>
@@ -6283,7 +6211,7 @@
                 <a:sym typeface="Average"/>
               </a:defRPr>
             </a:lvl8pPr>
-            <a:lvl9pPr indent="-317500" lvl="8" marL="4114800">
+            <a:lvl9pPr marL="4114800" lvl="8" indent="-317500">
               <a:lnSpc>
                 <a:spcPct val="115000"/>
               </a:lnSpc>
@@ -6310,15 +6238,19 @@
               </a:defRPr>
             </a:lvl9pPr>
           </a:lstStyle>
-          <a:p/>
+          <a:p>
+            <a:endParaRPr/>
+          </a:p>
         </p:txBody>
       </p:sp>
       <p:sp>
         <p:nvSpPr>
           <p:cNvPr id="8" name="Google Shape;8;p1"/>
-          <p:cNvSpPr txBox="1"/>
+          <p:cNvSpPr txBox="1">
+            <a:spLocks noGrp="1"/>
+          </p:cNvSpPr>
           <p:nvPr>
-            <p:ph idx="12" type="sldNum"/>
+            <p:ph type="sldNum" idx="12"/>
           </p:nvPr>
         </p:nvSpPr>
         <p:spPr>
@@ -6335,7 +6267,7 @@
           </a:ln>
         </p:spPr>
         <p:txBody>
-          <a:bodyPr anchorCtr="0" anchor="ctr" bIns="91425" lIns="91425" spcFirstLastPara="1" rIns="91425" wrap="square" tIns="91425">
+          <a:bodyPr spcFirstLastPara="1" wrap="square" lIns="91425" tIns="91425" rIns="91425" bIns="91425" anchor="ctr" anchorCtr="0">
             <a:noAutofit/>
           </a:bodyPr>
           <a:lstStyle>
@@ -6449,7 +6381,7 @@
             </a:lvl9pPr>
           </a:lstStyle>
           <a:p>
-            <a:pPr indent="0" lvl="0" marL="0" rtl="0" algn="r">
+            <a:pPr marL="0" lvl="0" indent="0" algn="r" rtl="0">
               <a:spcBef>
                 <a:spcPts val="0"/>
               </a:spcBef>
@@ -6460,7 +6392,7 @@
             </a:pPr>
             <a:fld id="{00000000-1234-1234-1234-123412341234}" type="slidenum">
               <a:rPr lang="es"/>
-              <a:t>‹#›</a:t>
+              <a:t>‹Nº›</a:t>
             </a:fld>
             <a:endParaRPr/>
           </a:p>
@@ -6468,24 +6400,23 @@
       </p:sp>
     </p:spTree>
   </p:cSld>
-  <p:clrMap accent1="accent1" accent2="accent2" accent3="accent3" accent4="accent4" accent5="accent5" accent6="accent6" bg1="lt1" bg2="dk2" tx1="dk1" tx2="lt2" folHlink="folHlink" hlink="hlink"/>
+  <p:clrMap bg1="lt1" tx1="dk1" bg2="dk2" tx2="lt2" accent1="accent1" accent2="accent2" accent3="accent3" accent4="accent4" accent5="accent5" accent6="accent6" hlink="hlink" folHlink="folHlink"/>
   <p:sldLayoutIdLst>
     <p:sldLayoutId id="2147483648" r:id="rId1"/>
-    <p:sldLayoutId id="2147483649" r:id="rId2"/>
-    <p:sldLayoutId id="2147483650" r:id="rId3"/>
-    <p:sldLayoutId id="2147483651" r:id="rId4"/>
-    <p:sldLayoutId id="2147483652" r:id="rId5"/>
-    <p:sldLayoutId id="2147483653" r:id="rId6"/>
-    <p:sldLayoutId id="2147483654" r:id="rId7"/>
-    <p:sldLayoutId id="2147483655" r:id="rId8"/>
-    <p:sldLayoutId id="2147483656" r:id="rId9"/>
-    <p:sldLayoutId id="2147483657" r:id="rId10"/>
-    <p:sldLayoutId id="2147483658" r:id="rId11"/>
+    <p:sldLayoutId id="2147483650" r:id="rId2"/>
+    <p:sldLayoutId id="2147483651" r:id="rId3"/>
+    <p:sldLayoutId id="2147483652" r:id="rId4"/>
+    <p:sldLayoutId id="2147483653" r:id="rId5"/>
+    <p:sldLayoutId id="2147483654" r:id="rId6"/>
+    <p:sldLayoutId id="2147483655" r:id="rId7"/>
+    <p:sldLayoutId id="2147483656" r:id="rId8"/>
+    <p:sldLayoutId id="2147483657" r:id="rId9"/>
+    <p:sldLayoutId id="2147483658" r:id="rId10"/>
   </p:sldLayoutIdLst>
-  <p:hf dt="0" ftr="0" hdr="0" sldNum="0"/>
+  <p:hf sldNum="0" hdr="0" ftr="0" dt="0"/>
   <p:txStyles>
     <p:titleStyle>
-      <a:defPPr lvl="0" marR="0" rtl="0" algn="l">
+      <a:defPPr marR="0" lvl="0" algn="l" rtl="0">
         <a:lnSpc>
           <a:spcPct val="100000"/>
         </a:lnSpc>
@@ -6496,7 +6427,7 @@
           <a:spcPts val="0"/>
         </a:spcAft>
       </a:defPPr>
-      <a:lvl1pPr lvl="0" marR="0" rtl="0" algn="l">
+      <a:lvl1pPr marR="0" lvl="0" algn="l" rtl="0">
         <a:lnSpc>
           <a:spcPct val="100000"/>
         </a:lnSpc>
@@ -6510,7 +6441,7 @@
           <a:srgbClr val="000000"/>
         </a:buClr>
         <a:buFont typeface="Arial"/>
-        <a:defRPr b="0" i="0" sz="1400" u="none" cap="none" strike="noStrike">
+        <a:defRPr sz="1400" b="0" i="0" u="none" strike="noStrike" cap="none">
           <a:solidFill>
             <a:srgbClr val="000000"/>
           </a:solidFill>
@@ -6520,7 +6451,7 @@
           <a:sym typeface="Arial"/>
         </a:defRPr>
       </a:lvl1pPr>
-      <a:lvl2pPr lvl="1" marR="0" rtl="0" algn="l">
+      <a:lvl2pPr marR="0" lvl="1" algn="l" rtl="0">
         <a:lnSpc>
           <a:spcPct val="100000"/>
         </a:lnSpc>
@@ -6534,7 +6465,7 @@
           <a:srgbClr val="000000"/>
         </a:buClr>
         <a:buFont typeface="Arial"/>
-        <a:defRPr b="0" i="0" sz="1400" u="none" cap="none" strike="noStrike">
+        <a:defRPr sz="1400" b="0" i="0" u="none" strike="noStrike" cap="none">
           <a:solidFill>
             <a:srgbClr val="000000"/>
           </a:solidFill>
@@ -6544,7 +6475,7 @@
           <a:sym typeface="Arial"/>
         </a:defRPr>
       </a:lvl2pPr>
-      <a:lvl3pPr lvl="2" marR="0" rtl="0" algn="l">
+      <a:lvl3pPr marR="0" lvl="2" algn="l" rtl="0">
         <a:lnSpc>
           <a:spcPct val="100000"/>
         </a:lnSpc>
@@ -6558,7 +6489,7 @@
           <a:srgbClr val="000000"/>
         </a:buClr>
         <a:buFont typeface="Arial"/>
-        <a:defRPr b="0" i="0" sz="1400" u="none" cap="none" strike="noStrike">
+        <a:defRPr sz="1400" b="0" i="0" u="none" strike="noStrike" cap="none">
           <a:solidFill>
             <a:srgbClr val="000000"/>
           </a:solidFill>
@@ -6568,7 +6499,7 @@
           <a:sym typeface="Arial"/>
         </a:defRPr>
       </a:lvl3pPr>
-      <a:lvl4pPr lvl="3" marR="0" rtl="0" algn="l">
+      <a:lvl4pPr marR="0" lvl="3" algn="l" rtl="0">
         <a:lnSpc>
           <a:spcPct val="100000"/>
         </a:lnSpc>
@@ -6582,7 +6513,7 @@
           <a:srgbClr val="000000"/>
         </a:buClr>
         <a:buFont typeface="Arial"/>
-        <a:defRPr b="0" i="0" sz="1400" u="none" cap="none" strike="noStrike">
+        <a:defRPr sz="1400" b="0" i="0" u="none" strike="noStrike" cap="none">
           <a:solidFill>
             <a:srgbClr val="000000"/>
           </a:solidFill>
@@ -6592,7 +6523,7 @@
           <a:sym typeface="Arial"/>
         </a:defRPr>
       </a:lvl4pPr>
-      <a:lvl5pPr lvl="4" marR="0" rtl="0" algn="l">
+      <a:lvl5pPr marR="0" lvl="4" algn="l" rtl="0">
         <a:lnSpc>
           <a:spcPct val="100000"/>
         </a:lnSpc>
@@ -6606,7 +6537,7 @@
           <a:srgbClr val="000000"/>
         </a:buClr>
         <a:buFont typeface="Arial"/>
-        <a:defRPr b="0" i="0" sz="1400" u="none" cap="none" strike="noStrike">
+        <a:defRPr sz="1400" b="0" i="0" u="none" strike="noStrike" cap="none">
           <a:solidFill>
             <a:srgbClr val="000000"/>
           </a:solidFill>
@@ -6616,7 +6547,7 @@
           <a:sym typeface="Arial"/>
         </a:defRPr>
       </a:lvl5pPr>
-      <a:lvl6pPr lvl="5" marR="0" rtl="0" algn="l">
+      <a:lvl6pPr marR="0" lvl="5" algn="l" rtl="0">
         <a:lnSpc>
           <a:spcPct val="100000"/>
         </a:lnSpc>
@@ -6630,7 +6561,7 @@
           <a:srgbClr val="000000"/>
         </a:buClr>
         <a:buFont typeface="Arial"/>
-        <a:defRPr b="0" i="0" sz="1400" u="none" cap="none" strike="noStrike">
+        <a:defRPr sz="1400" b="0" i="0" u="none" strike="noStrike" cap="none">
           <a:solidFill>
             <a:srgbClr val="000000"/>
           </a:solidFill>
@@ -6640,7 +6571,7 @@
           <a:sym typeface="Arial"/>
         </a:defRPr>
       </a:lvl6pPr>
-      <a:lvl7pPr lvl="6" marR="0" rtl="0" algn="l">
+      <a:lvl7pPr marR="0" lvl="6" algn="l" rtl="0">
         <a:lnSpc>
           <a:spcPct val="100000"/>
         </a:lnSpc>
@@ -6654,7 +6585,7 @@
           <a:srgbClr val="000000"/>
         </a:buClr>
         <a:buFont typeface="Arial"/>
-        <a:defRPr b="0" i="0" sz="1400" u="none" cap="none" strike="noStrike">
+        <a:defRPr sz="1400" b="0" i="0" u="none" strike="noStrike" cap="none">
           <a:solidFill>
             <a:srgbClr val="000000"/>
           </a:solidFill>
@@ -6664,7 +6595,7 @@
           <a:sym typeface="Arial"/>
         </a:defRPr>
       </a:lvl7pPr>
-      <a:lvl8pPr lvl="7" marR="0" rtl="0" algn="l">
+      <a:lvl8pPr marR="0" lvl="7" algn="l" rtl="0">
         <a:lnSpc>
           <a:spcPct val="100000"/>
         </a:lnSpc>
@@ -6678,7 +6609,7 @@
           <a:srgbClr val="000000"/>
         </a:buClr>
         <a:buFont typeface="Arial"/>
-        <a:defRPr b="0" i="0" sz="1400" u="none" cap="none" strike="noStrike">
+        <a:defRPr sz="1400" b="0" i="0" u="none" strike="noStrike" cap="none">
           <a:solidFill>
             <a:srgbClr val="000000"/>
           </a:solidFill>
@@ -6688,7 +6619,7 @@
           <a:sym typeface="Arial"/>
         </a:defRPr>
       </a:lvl8pPr>
-      <a:lvl9pPr lvl="8" marR="0" rtl="0" algn="l">
+      <a:lvl9pPr marR="0" lvl="8" algn="l" rtl="0">
         <a:lnSpc>
           <a:spcPct val="100000"/>
         </a:lnSpc>
@@ -6702,7 +6633,7 @@
           <a:srgbClr val="000000"/>
         </a:buClr>
         <a:buFont typeface="Arial"/>
-        <a:defRPr b="0" i="0" sz="1400" u="none" cap="none" strike="noStrike">
+        <a:defRPr sz="1400" b="0" i="0" u="none" strike="noStrike" cap="none">
           <a:solidFill>
             <a:srgbClr val="000000"/>
           </a:solidFill>
@@ -6714,7 +6645,7 @@
       </a:lvl9pPr>
     </p:titleStyle>
     <p:bodyStyle>
-      <a:defPPr lvl="0" marR="0" rtl="0" algn="l">
+      <a:defPPr marR="0" lvl="0" algn="l" rtl="0">
         <a:lnSpc>
           <a:spcPct val="100000"/>
         </a:lnSpc>
@@ -6725,7 +6656,7 @@
           <a:spcPts val="0"/>
         </a:spcAft>
       </a:defPPr>
-      <a:lvl1pPr lvl="0" marR="0" rtl="0" algn="l">
+      <a:lvl1pPr marR="0" lvl="0" algn="l" rtl="0">
         <a:lnSpc>
           <a:spcPct val="100000"/>
         </a:lnSpc>
@@ -6739,7 +6670,7 @@
           <a:srgbClr val="000000"/>
         </a:buClr>
         <a:buFont typeface="Arial"/>
-        <a:defRPr b="0" i="0" sz="1400" u="none" cap="none" strike="noStrike">
+        <a:defRPr sz="1400" b="0" i="0" u="none" strike="noStrike" cap="none">
           <a:solidFill>
             <a:srgbClr val="000000"/>
           </a:solidFill>
@@ -6749,7 +6680,7 @@
           <a:sym typeface="Arial"/>
         </a:defRPr>
       </a:lvl1pPr>
-      <a:lvl2pPr lvl="1" marR="0" rtl="0" algn="l">
+      <a:lvl2pPr marR="0" lvl="1" algn="l" rtl="0">
         <a:lnSpc>
           <a:spcPct val="100000"/>
         </a:lnSpc>
@@ -6763,7 +6694,7 @@
           <a:srgbClr val="000000"/>
         </a:buClr>
         <a:buFont typeface="Arial"/>
-        <a:defRPr b="0" i="0" sz="1400" u="none" cap="none" strike="noStrike">
+        <a:defRPr sz="1400" b="0" i="0" u="none" strike="noStrike" cap="none">
           <a:solidFill>
             <a:srgbClr val="000000"/>
           </a:solidFill>
@@ -6773,7 +6704,7 @@
           <a:sym typeface="Arial"/>
         </a:defRPr>
       </a:lvl2pPr>
-      <a:lvl3pPr lvl="2" marR="0" rtl="0" algn="l">
+      <a:lvl3pPr marR="0" lvl="2" algn="l" rtl="0">
         <a:lnSpc>
           <a:spcPct val="100000"/>
         </a:lnSpc>
@@ -6787,7 +6718,7 @@
           <a:srgbClr val="000000"/>
         </a:buClr>
         <a:buFont typeface="Arial"/>
-        <a:defRPr b="0" i="0" sz="1400" u="none" cap="none" strike="noStrike">
+        <a:defRPr sz="1400" b="0" i="0" u="none" strike="noStrike" cap="none">
           <a:solidFill>
             <a:srgbClr val="000000"/>
           </a:solidFill>
@@ -6797,7 +6728,7 @@
           <a:sym typeface="Arial"/>
         </a:defRPr>
       </a:lvl3pPr>
-      <a:lvl4pPr lvl="3" marR="0" rtl="0" algn="l">
+      <a:lvl4pPr marR="0" lvl="3" algn="l" rtl="0">
         <a:lnSpc>
           <a:spcPct val="100000"/>
         </a:lnSpc>
@@ -6811,7 +6742,7 @@
           <a:srgbClr val="000000"/>
         </a:buClr>
         <a:buFont typeface="Arial"/>
-        <a:defRPr b="0" i="0" sz="1400" u="none" cap="none" strike="noStrike">
+        <a:defRPr sz="1400" b="0" i="0" u="none" strike="noStrike" cap="none">
           <a:solidFill>
             <a:srgbClr val="000000"/>
           </a:solidFill>
@@ -6821,7 +6752,7 @@
           <a:sym typeface="Arial"/>
         </a:defRPr>
       </a:lvl4pPr>
-      <a:lvl5pPr lvl="4" marR="0" rtl="0" algn="l">
+      <a:lvl5pPr marR="0" lvl="4" algn="l" rtl="0">
         <a:lnSpc>
           <a:spcPct val="100000"/>
         </a:lnSpc>
@@ -6835,7 +6766,7 @@
           <a:srgbClr val="000000"/>
         </a:buClr>
         <a:buFont typeface="Arial"/>
-        <a:defRPr b="0" i="0" sz="1400" u="none" cap="none" strike="noStrike">
+        <a:defRPr sz="1400" b="0" i="0" u="none" strike="noStrike" cap="none">
           <a:solidFill>
             <a:srgbClr val="000000"/>
           </a:solidFill>
@@ -6845,7 +6776,7 @@
           <a:sym typeface="Arial"/>
         </a:defRPr>
       </a:lvl5pPr>
-      <a:lvl6pPr lvl="5" marR="0" rtl="0" algn="l">
+      <a:lvl6pPr marR="0" lvl="5" algn="l" rtl="0">
         <a:lnSpc>
           <a:spcPct val="100000"/>
         </a:lnSpc>
@@ -6859,7 +6790,7 @@
           <a:srgbClr val="000000"/>
         </a:buClr>
         <a:buFont typeface="Arial"/>
-        <a:defRPr b="0" i="0" sz="1400" u="none" cap="none" strike="noStrike">
+        <a:defRPr sz="1400" b="0" i="0" u="none" strike="noStrike" cap="none">
           <a:solidFill>
             <a:srgbClr val="000000"/>
           </a:solidFill>
@@ -6869,7 +6800,7 @@
           <a:sym typeface="Arial"/>
         </a:defRPr>
       </a:lvl6pPr>
-      <a:lvl7pPr lvl="6" marR="0" rtl="0" algn="l">
+      <a:lvl7pPr marR="0" lvl="6" algn="l" rtl="0">
         <a:lnSpc>
           <a:spcPct val="100000"/>
         </a:lnSpc>
@@ -6883,7 +6814,7 @@
           <a:srgbClr val="000000"/>
         </a:buClr>
         <a:buFont typeface="Arial"/>
-        <a:defRPr b="0" i="0" sz="1400" u="none" cap="none" strike="noStrike">
+        <a:defRPr sz="1400" b="0" i="0" u="none" strike="noStrike" cap="none">
           <a:solidFill>
             <a:srgbClr val="000000"/>
           </a:solidFill>
@@ -6893,7 +6824,7 @@
           <a:sym typeface="Arial"/>
         </a:defRPr>
       </a:lvl7pPr>
-      <a:lvl8pPr lvl="7" marR="0" rtl="0" algn="l">
+      <a:lvl8pPr marR="0" lvl="7" algn="l" rtl="0">
         <a:lnSpc>
           <a:spcPct val="100000"/>
         </a:lnSpc>
@@ -6907,7 +6838,7 @@
           <a:srgbClr val="000000"/>
         </a:buClr>
         <a:buFont typeface="Arial"/>
-        <a:defRPr b="0" i="0" sz="1400" u="none" cap="none" strike="noStrike">
+        <a:defRPr sz="1400" b="0" i="0" u="none" strike="noStrike" cap="none">
           <a:solidFill>
             <a:srgbClr val="000000"/>
           </a:solidFill>
@@ -6917,7 +6848,7 @@
           <a:sym typeface="Arial"/>
         </a:defRPr>
       </a:lvl8pPr>
-      <a:lvl9pPr lvl="8" marR="0" rtl="0" algn="l">
+      <a:lvl9pPr marR="0" lvl="8" algn="l" rtl="0">
         <a:lnSpc>
           <a:spcPct val="100000"/>
         </a:lnSpc>
@@ -6931,7 +6862,7 @@
           <a:srgbClr val="000000"/>
         </a:buClr>
         <a:buFont typeface="Arial"/>
-        <a:defRPr b="0" i="0" sz="1400" u="none" cap="none" strike="noStrike">
+        <a:defRPr sz="1400" b="0" i="0" u="none" strike="noStrike" cap="none">
           <a:solidFill>
             <a:srgbClr val="000000"/>
           </a:solidFill>
@@ -6943,7 +6874,7 @@
       </a:lvl9pPr>
     </p:bodyStyle>
     <p:otherStyle>
-      <a:defPPr lvl="0" marR="0" rtl="0" algn="l">
+      <a:defPPr marR="0" lvl="0" algn="l" rtl="0">
         <a:lnSpc>
           <a:spcPct val="100000"/>
         </a:lnSpc>
@@ -6954,7 +6885,7 @@
           <a:spcPts val="0"/>
         </a:spcAft>
       </a:defPPr>
-      <a:lvl1pPr lvl="0" marR="0" rtl="0" algn="l">
+      <a:lvl1pPr marR="0" lvl="0" algn="l" rtl="0">
         <a:lnSpc>
           <a:spcPct val="100000"/>
         </a:lnSpc>
@@ -6968,7 +6899,7 @@
           <a:srgbClr val="000000"/>
         </a:buClr>
         <a:buFont typeface="Arial"/>
-        <a:defRPr b="0" i="0" sz="1400" u="none" cap="none" strike="noStrike">
+        <a:defRPr sz="1400" b="0" i="0" u="none" strike="noStrike" cap="none">
           <a:solidFill>
             <a:srgbClr val="000000"/>
           </a:solidFill>
@@ -6978,7 +6909,7 @@
           <a:sym typeface="Arial"/>
         </a:defRPr>
       </a:lvl1pPr>
-      <a:lvl2pPr lvl="1" marR="0" rtl="0" algn="l">
+      <a:lvl2pPr marR="0" lvl="1" algn="l" rtl="0">
         <a:lnSpc>
           <a:spcPct val="100000"/>
         </a:lnSpc>
@@ -6992,7 +6923,7 @@
           <a:srgbClr val="000000"/>
         </a:buClr>
         <a:buFont typeface="Arial"/>
-        <a:defRPr b="0" i="0" sz="1400" u="none" cap="none" strike="noStrike">
+        <a:defRPr sz="1400" b="0" i="0" u="none" strike="noStrike" cap="none">
           <a:solidFill>
             <a:srgbClr val="000000"/>
           </a:solidFill>
@@ -7002,7 +6933,7 @@
           <a:sym typeface="Arial"/>
         </a:defRPr>
       </a:lvl2pPr>
-      <a:lvl3pPr lvl="2" marR="0" rtl="0" algn="l">
+      <a:lvl3pPr marR="0" lvl="2" algn="l" rtl="0">
         <a:lnSpc>
           <a:spcPct val="100000"/>
         </a:lnSpc>
@@ -7016,7 +6947,7 @@
           <a:srgbClr val="000000"/>
         </a:buClr>
         <a:buFont typeface="Arial"/>
-        <a:defRPr b="0" i="0" sz="1400" u="none" cap="none" strike="noStrike">
+        <a:defRPr sz="1400" b="0" i="0" u="none" strike="noStrike" cap="none">
           <a:solidFill>
             <a:srgbClr val="000000"/>
           </a:solidFill>
@@ -7026,7 +6957,7 @@
           <a:sym typeface="Arial"/>
         </a:defRPr>
       </a:lvl3pPr>
-      <a:lvl4pPr lvl="3" marR="0" rtl="0" algn="l">
+      <a:lvl4pPr marR="0" lvl="3" algn="l" rtl="0">
         <a:lnSpc>
           <a:spcPct val="100000"/>
         </a:lnSpc>
@@ -7040,7 +6971,7 @@
           <a:srgbClr val="000000"/>
         </a:buClr>
         <a:buFont typeface="Arial"/>
-        <a:defRPr b="0" i="0" sz="1400" u="none" cap="none" strike="noStrike">
+        <a:defRPr sz="1400" b="0" i="0" u="none" strike="noStrike" cap="none">
           <a:solidFill>
             <a:srgbClr val="000000"/>
           </a:solidFill>
@@ -7050,7 +6981,7 @@
           <a:sym typeface="Arial"/>
         </a:defRPr>
       </a:lvl4pPr>
-      <a:lvl5pPr lvl="4" marR="0" rtl="0" algn="l">
+      <a:lvl5pPr marR="0" lvl="4" algn="l" rtl="0">
         <a:lnSpc>
           <a:spcPct val="100000"/>
         </a:lnSpc>
@@ -7064,7 +6995,7 @@
           <a:srgbClr val="000000"/>
         </a:buClr>
         <a:buFont typeface="Arial"/>
-        <a:defRPr b="0" i="0" sz="1400" u="none" cap="none" strike="noStrike">
+        <a:defRPr sz="1400" b="0" i="0" u="none" strike="noStrike" cap="none">
           <a:solidFill>
             <a:srgbClr val="000000"/>
           </a:solidFill>
@@ -7074,7 +7005,7 @@
           <a:sym typeface="Arial"/>
         </a:defRPr>
       </a:lvl5pPr>
-      <a:lvl6pPr lvl="5" marR="0" rtl="0" algn="l">
+      <a:lvl6pPr marR="0" lvl="5" algn="l" rtl="0">
         <a:lnSpc>
           <a:spcPct val="100000"/>
         </a:lnSpc>
@@ -7088,7 +7019,7 @@
           <a:srgbClr val="000000"/>
         </a:buClr>
         <a:buFont typeface="Arial"/>
-        <a:defRPr b="0" i="0" sz="1400" u="none" cap="none" strike="noStrike">
+        <a:defRPr sz="1400" b="0" i="0" u="none" strike="noStrike" cap="none">
           <a:solidFill>
             <a:srgbClr val="000000"/>
           </a:solidFill>
@@ -7098,7 +7029,7 @@
           <a:sym typeface="Arial"/>
         </a:defRPr>
       </a:lvl6pPr>
-      <a:lvl7pPr lvl="6" marR="0" rtl="0" algn="l">
+      <a:lvl7pPr marR="0" lvl="6" algn="l" rtl="0">
         <a:lnSpc>
           <a:spcPct val="100000"/>
         </a:lnSpc>
@@ -7112,7 +7043,7 @@
           <a:srgbClr val="000000"/>
         </a:buClr>
         <a:buFont typeface="Arial"/>
-        <a:defRPr b="0" i="0" sz="1400" u="none" cap="none" strike="noStrike">
+        <a:defRPr sz="1400" b="0" i="0" u="none" strike="noStrike" cap="none">
           <a:solidFill>
             <a:srgbClr val="000000"/>
           </a:solidFill>
@@ -7122,7 +7053,7 @@
           <a:sym typeface="Arial"/>
         </a:defRPr>
       </a:lvl7pPr>
-      <a:lvl8pPr lvl="7" marR="0" rtl="0" algn="l">
+      <a:lvl8pPr marR="0" lvl="7" algn="l" rtl="0">
         <a:lnSpc>
           <a:spcPct val="100000"/>
         </a:lnSpc>
@@ -7136,7 +7067,7 @@
           <a:srgbClr val="000000"/>
         </a:buClr>
         <a:buFont typeface="Arial"/>
-        <a:defRPr b="0" i="0" sz="1400" u="none" cap="none" strike="noStrike">
+        <a:defRPr sz="1400" b="0" i="0" u="none" strike="noStrike" cap="none">
           <a:solidFill>
             <a:srgbClr val="000000"/>
           </a:solidFill>
@@ -7146,7 +7077,7 @@
           <a:sym typeface="Arial"/>
         </a:defRPr>
       </a:lvl8pPr>
-      <a:lvl9pPr lvl="8" marR="0" rtl="0" algn="l">
+      <a:lvl9pPr marR="0" lvl="8" algn="l" rtl="0">
         <a:lnSpc>
           <a:spcPct val="100000"/>
         </a:lnSpc>
@@ -7160,7 +7091,7 @@
           <a:srgbClr val="000000"/>
         </a:buClr>
         <a:buFont typeface="Arial"/>
-        <a:defRPr b="0" i="0" sz="1400" u="none" cap="none" strike="noStrike">
+        <a:defRPr sz="1400" b="0" i="0" u="none" strike="noStrike" cap="none">
           <a:solidFill>
             <a:srgbClr val="000000"/>
           </a:solidFill>
@@ -7176,11 +7107,11 @@
 </file>
 
 <file path=ppt/slides/slide1.xml><?xml version="1.0" encoding="utf-8"?>
-<p:sld xmlns:a="http://schemas.openxmlformats.org/drawingml/2006/main" xmlns:r="http://schemas.openxmlformats.org/officeDocument/2006/relationships" xmlns:mc="http://schemas.openxmlformats.org/markup-compatibility/2006" xmlns:mv="urn:schemas-microsoft-com:mac:vml" xmlns:p="http://schemas.openxmlformats.org/presentationml/2006/main" xmlns:c="http://schemas.openxmlformats.org/drawingml/2006/chart" xmlns:dgm="http://schemas.openxmlformats.org/drawingml/2006/diagram" xmlns:o="urn:schemas-microsoft-com:office:office" xmlns:v="urn:schemas-microsoft-com:vml" xmlns:pvml="urn:schemas-microsoft-com:office:powerpoint" xmlns:com="http://schemas.openxmlformats.org/drawingml/2006/compatibility" xmlns:p14="http://schemas.microsoft.com/office/powerpoint/2010/main" xmlns:p15="http://schemas.microsoft.com/office/powerpoint/2012/main" xmlns:ahyp="http://schemas.microsoft.com/office/drawing/2018/hyperlinkcolor">
+<p:sld xmlns:a="http://schemas.openxmlformats.org/drawingml/2006/main" xmlns:r="http://schemas.openxmlformats.org/officeDocument/2006/relationships" xmlns:p="http://schemas.openxmlformats.org/presentationml/2006/main">
   <p:cSld>
     <p:spTree>
       <p:nvGrpSpPr>
-        <p:cNvPr id="58" name="Shape 58"/>
+        <p:cNvPr id="1" name="Shape 58"/>
         <p:cNvGrpSpPr/>
         <p:nvPr/>
       </p:nvGrpSpPr>
@@ -7195,7 +7126,9 @@
       <p:sp>
         <p:nvSpPr>
           <p:cNvPr id="59" name="Google Shape;59;p13"/>
-          <p:cNvSpPr txBox="1"/>
+          <p:cNvSpPr txBox="1">
+            <a:spLocks noGrp="1"/>
+          </p:cNvSpPr>
           <p:nvPr>
             <p:ph type="ctrTitle"/>
           </p:nvPr>
@@ -7210,12 +7143,12 @@
           </a:prstGeom>
         </p:spPr>
         <p:txBody>
-          <a:bodyPr anchorCtr="0" anchor="b" bIns="91425" lIns="91425" spcFirstLastPara="1" rIns="91425" wrap="square" tIns="91425">
+          <a:bodyPr spcFirstLastPara="1" wrap="square" lIns="91425" tIns="91425" rIns="91425" bIns="91425" anchor="b" anchorCtr="0">
             <a:noAutofit/>
           </a:bodyPr>
           <a:lstStyle/>
           <a:p>
-            <a:pPr indent="0" lvl="0" marL="0" rtl="0" algn="ctr">
+            <a:pPr marL="0" lvl="0" indent="0" algn="ctr" rtl="0">
               <a:spcBef>
                 <a:spcPts val="0"/>
               </a:spcBef>
@@ -7243,9 +7176,11 @@
       <p:sp>
         <p:nvSpPr>
           <p:cNvPr id="60" name="Google Shape;60;p13"/>
-          <p:cNvSpPr txBox="1"/>
+          <p:cNvSpPr txBox="1">
+            <a:spLocks noGrp="1"/>
+          </p:cNvSpPr>
           <p:nvPr>
-            <p:ph idx="1" type="subTitle"/>
+            <p:ph type="subTitle" idx="1"/>
           </p:nvPr>
         </p:nvSpPr>
         <p:spPr>
@@ -7258,12 +7193,12 @@
           </a:prstGeom>
         </p:spPr>
         <p:txBody>
-          <a:bodyPr anchorCtr="0" anchor="t" bIns="91425" lIns="91425" spcFirstLastPara="1" rIns="91425" wrap="square" tIns="91425">
+          <a:bodyPr spcFirstLastPara="1" wrap="square" lIns="91425" tIns="91425" rIns="91425" bIns="91425" anchor="t" anchorCtr="0">
             <a:noAutofit/>
           </a:bodyPr>
           <a:lstStyle/>
           <a:p>
-            <a:pPr indent="0" lvl="0" marL="0" rtl="0" algn="ctr">
+            <a:pPr marL="0" lvl="0" indent="0" algn="ctr" rtl="0">
               <a:spcBef>
                 <a:spcPts val="0"/>
               </a:spcBef>
@@ -7297,18 +7232,19 @@
 </file>
 
 <file path=ppt/slides/slide10.xml><?xml version="1.0" encoding="utf-8"?>
-<p:sld xmlns:a="http://schemas.openxmlformats.org/drawingml/2006/main" xmlns:r="http://schemas.openxmlformats.org/officeDocument/2006/relationships" xmlns:mc="http://schemas.openxmlformats.org/markup-compatibility/2006" xmlns:mv="urn:schemas-microsoft-com:mac:vml" xmlns:p="http://schemas.openxmlformats.org/presentationml/2006/main" xmlns:c="http://schemas.openxmlformats.org/drawingml/2006/chart" xmlns:dgm="http://schemas.openxmlformats.org/drawingml/2006/diagram" xmlns:o="urn:schemas-microsoft-com:office:office" xmlns:v="urn:schemas-microsoft-com:vml" xmlns:pvml="urn:schemas-microsoft-com:office:powerpoint" xmlns:com="http://schemas.openxmlformats.org/drawingml/2006/compatibility" xmlns:p14="http://schemas.microsoft.com/office/powerpoint/2010/main" xmlns:p15="http://schemas.microsoft.com/office/powerpoint/2012/main" xmlns:ahyp="http://schemas.microsoft.com/office/drawing/2018/hyperlinkcolor">
+<p:sld xmlns:a="http://schemas.openxmlformats.org/drawingml/2006/main" xmlns:r="http://schemas.openxmlformats.org/officeDocument/2006/relationships" xmlns:p="http://schemas.openxmlformats.org/presentationml/2006/main">
   <p:cSld>
     <p:bg>
       <p:bgPr>
         <a:solidFill>
           <a:srgbClr val="434343"/>
         </a:solidFill>
+        <a:effectLst/>
       </p:bgPr>
     </p:bg>
     <p:spTree>
       <p:nvGrpSpPr>
-        <p:cNvPr id="116" name="Shape 116"/>
+        <p:cNvPr id="1" name="Shape 116"/>
         <p:cNvGrpSpPr/>
         <p:nvPr/>
       </p:nvGrpSpPr>
@@ -7323,7 +7259,9 @@
       <p:sp>
         <p:nvSpPr>
           <p:cNvPr id="117" name="Google Shape;117;p22"/>
-          <p:cNvSpPr txBox="1"/>
+          <p:cNvSpPr txBox="1">
+            <a:spLocks noGrp="1"/>
+          </p:cNvSpPr>
           <p:nvPr>
             <p:ph type="title"/>
           </p:nvPr>
@@ -7338,12 +7276,12 @@
           </a:prstGeom>
         </p:spPr>
         <p:txBody>
-          <a:bodyPr anchorCtr="0" anchor="ctr" bIns="91425" lIns="91425" spcFirstLastPara="1" rIns="91425" wrap="square" tIns="91425">
+          <a:bodyPr spcFirstLastPara="1" wrap="square" lIns="91425" tIns="91425" rIns="91425" bIns="91425" anchor="ctr" anchorCtr="0">
             <a:noAutofit/>
           </a:bodyPr>
           <a:lstStyle/>
           <a:p>
-            <a:pPr indent="0" lvl="0" marL="0" rtl="0" algn="l">
+            <a:pPr marL="0" lvl="0" indent="0" algn="l" rtl="0">
               <a:spcBef>
                 <a:spcPts val="0"/>
               </a:spcBef>
@@ -7353,29 +7291,21 @@
               <a:buNone/>
             </a:pPr>
             <a:r>
-              <a:rPr b="1" lang="es" sz="4200">
+              <a:rPr lang="es" sz="4200" b="1">
                 <a:solidFill>
                   <a:schemeClr val="dk1"/>
                 </a:solidFill>
               </a:rPr>
-              <a:t>Conclusion</a:t>
+              <a:t>Conclusion: </a:t>
             </a:r>
-            <a:r>
-              <a:rPr b="1" lang="es" sz="4200">
-                <a:solidFill>
-                  <a:schemeClr val="dk1"/>
-                </a:solidFill>
-              </a:rPr>
-              <a:t>: </a:t>
-            </a:r>
-            <a:endParaRPr b="1" sz="4200">
+            <a:endParaRPr sz="4200" b="1">
               <a:solidFill>
                 <a:schemeClr val="dk1"/>
               </a:solidFill>
             </a:endParaRPr>
           </a:p>
           <a:p>
-            <a:pPr indent="0" lvl="0" marL="0" rtl="0" algn="l">
+            <a:pPr marL="0" lvl="0" indent="0" algn="l" rtl="0">
               <a:spcBef>
                 <a:spcPts val="0"/>
               </a:spcBef>
@@ -7399,7 +7329,7 @@
             </a:endParaRPr>
           </a:p>
           <a:p>
-            <a:pPr indent="0" lvl="0" marL="0" rtl="0" algn="l">
+            <a:pPr marL="0" lvl="0" indent="0" algn="l" rtl="0">
               <a:spcBef>
                 <a:spcPts val="0"/>
               </a:spcBef>
@@ -7408,9 +7338,6 @@
               </a:spcAft>
               <a:buNone/>
             </a:pPr>
-            <a:r>
-              <a:t/>
-            </a:r>
             <a:endParaRPr sz="1400">
               <a:solidFill>
                 <a:schemeClr val="dk1"/>
@@ -7418,7 +7345,7 @@
             </a:endParaRPr>
           </a:p>
           <a:p>
-            <a:pPr indent="0" lvl="0" marL="0" rtl="0" algn="l">
+            <a:pPr marL="0" lvl="0" indent="0" algn="l" rtl="0">
               <a:spcBef>
                 <a:spcPts val="0"/>
               </a:spcBef>
@@ -7452,11 +7379,11 @@
 </file>
 
 <file path=ppt/slides/slide11.xml><?xml version="1.0" encoding="utf-8"?>
-<p:sld xmlns:a="http://schemas.openxmlformats.org/drawingml/2006/main" xmlns:r="http://schemas.openxmlformats.org/officeDocument/2006/relationships" xmlns:mc="http://schemas.openxmlformats.org/markup-compatibility/2006" xmlns:mv="urn:schemas-microsoft-com:mac:vml" xmlns:p="http://schemas.openxmlformats.org/presentationml/2006/main" xmlns:c="http://schemas.openxmlformats.org/drawingml/2006/chart" xmlns:dgm="http://schemas.openxmlformats.org/drawingml/2006/diagram" xmlns:o="urn:schemas-microsoft-com:office:office" xmlns:v="urn:schemas-microsoft-com:vml" xmlns:pvml="urn:schemas-microsoft-com:office:powerpoint" xmlns:com="http://schemas.openxmlformats.org/drawingml/2006/compatibility" xmlns:p14="http://schemas.microsoft.com/office/powerpoint/2010/main" xmlns:p15="http://schemas.microsoft.com/office/powerpoint/2012/main" xmlns:ahyp="http://schemas.microsoft.com/office/drawing/2018/hyperlinkcolor">
+<p:sld xmlns:a="http://schemas.openxmlformats.org/drawingml/2006/main" xmlns:r="http://schemas.openxmlformats.org/officeDocument/2006/relationships" xmlns:p="http://schemas.openxmlformats.org/presentationml/2006/main">
   <p:cSld>
     <p:spTree>
       <p:nvGrpSpPr>
-        <p:cNvPr id="121" name="Shape 121"/>
+        <p:cNvPr id="1" name="Shape 121"/>
         <p:cNvGrpSpPr/>
         <p:nvPr/>
       </p:nvGrpSpPr>
@@ -7471,7 +7398,9 @@
       <p:sp>
         <p:nvSpPr>
           <p:cNvPr id="122" name="Google Shape;122;p23"/>
-          <p:cNvSpPr txBox="1"/>
+          <p:cNvSpPr txBox="1">
+            <a:spLocks noGrp="1"/>
+          </p:cNvSpPr>
           <p:nvPr>
             <p:ph type="title"/>
           </p:nvPr>
@@ -7486,12 +7415,12 @@
           </a:prstGeom>
         </p:spPr>
         <p:txBody>
-          <a:bodyPr anchorCtr="0" anchor="ctr" bIns="91425" lIns="91425" spcFirstLastPara="1" rIns="91425" wrap="square" tIns="91425">
+          <a:bodyPr spcFirstLastPara="1" wrap="square" lIns="91425" tIns="91425" rIns="91425" bIns="91425" anchor="ctr" anchorCtr="0">
             <a:noAutofit/>
           </a:bodyPr>
           <a:lstStyle/>
           <a:p>
-            <a:pPr indent="0" lvl="0" marL="0" rtl="0" algn="ctr">
+            <a:pPr marL="0" lvl="0" indent="0" algn="ctr" rtl="0">
               <a:spcBef>
                 <a:spcPts val="0"/>
               </a:spcBef>
@@ -7519,9 +7448,11 @@
       <p:sp>
         <p:nvSpPr>
           <p:cNvPr id="123" name="Google Shape;123;p23"/>
-          <p:cNvSpPr txBox="1"/>
+          <p:cNvSpPr txBox="1">
+            <a:spLocks noGrp="1"/>
+          </p:cNvSpPr>
           <p:nvPr>
-            <p:ph idx="1" type="body"/>
+            <p:ph type="body" idx="1"/>
           </p:nvPr>
         </p:nvSpPr>
         <p:spPr>
@@ -7534,12 +7465,12 @@
           </a:prstGeom>
         </p:spPr>
         <p:txBody>
-          <a:bodyPr anchorCtr="0" anchor="t" bIns="91425" lIns="91425" spcFirstLastPara="1" rIns="91425" wrap="square" tIns="91425">
+          <a:bodyPr spcFirstLastPara="1" wrap="square" lIns="91425" tIns="91425" rIns="91425" bIns="91425" anchor="t" anchorCtr="0">
             <a:noAutofit/>
           </a:bodyPr>
           <a:lstStyle/>
           <a:p>
-            <a:pPr indent="0" lvl="0" marL="0" rtl="0" algn="ctr">
+            <a:pPr marL="0" lvl="0" indent="0" algn="ctr" rtl="0">
               <a:spcBef>
                 <a:spcPts val="0"/>
               </a:spcBef>
@@ -7554,15 +7485,7 @@
                   <a:srgbClr val="434343"/>
                 </a:solidFill>
               </a:rPr>
-              <a:t>C</a:t>
-            </a:r>
-            <a:r>
-              <a:rPr lang="es">
-                <a:solidFill>
-                  <a:srgbClr val="434343"/>
-                </a:solidFill>
-              </a:rPr>
-              <a:t>asual users cannot be converted to members in the same way as the latter, due to their different reasons for renting a bike. Some recommendations:</a:t>
+              <a:t>Casual users cannot be converted to members in the same way as the latter, due to their different reasons for renting a bike. Some recommendations:</a:t>
             </a:r>
             <a:endParaRPr>
               <a:solidFill>
@@ -7571,7 +7494,7 @@
             </a:endParaRPr>
           </a:p>
           <a:p>
-            <a:pPr indent="-342900" lvl="0" marL="457200" rtl="0" algn="ctr">
+            <a:pPr marL="457200" lvl="0" indent="-342900" algn="ctr" rtl="0">
               <a:spcBef>
                 <a:spcPts val="1600"/>
               </a:spcBef>
@@ -7599,7 +7522,7 @@
             </a:endParaRPr>
           </a:p>
           <a:p>
-            <a:pPr indent="-342900" lvl="0" marL="457200" rtl="0" algn="ctr">
+            <a:pPr marL="457200" lvl="0" indent="-342900" algn="ctr" rtl="0">
               <a:spcBef>
                 <a:spcPts val="0"/>
               </a:spcBef>
@@ -7627,7 +7550,7 @@
             </a:endParaRPr>
           </a:p>
           <a:p>
-            <a:pPr indent="-342900" lvl="0" marL="457200" rtl="0" algn="ctr">
+            <a:pPr marL="457200" lvl="0" indent="-342900" algn="ctr" rtl="0">
               <a:spcBef>
                 <a:spcPts val="0"/>
               </a:spcBef>
@@ -7655,7 +7578,7 @@
             </a:endParaRPr>
           </a:p>
           <a:p>
-            <a:pPr indent="-342900" lvl="0" marL="457200" rtl="0" algn="ctr">
+            <a:pPr marL="457200" lvl="0" indent="-342900" algn="ctr" rtl="0">
               <a:spcBef>
                 <a:spcPts val="0"/>
               </a:spcBef>
@@ -7683,7 +7606,7 @@
             </a:endParaRPr>
           </a:p>
           <a:p>
-            <a:pPr indent="-342900" lvl="0" marL="457200" rtl="0" algn="ctr">
+            <a:pPr marL="457200" lvl="0" indent="-342900" algn="ctr" rtl="0">
               <a:spcBef>
                 <a:spcPts val="0"/>
               </a:spcBef>
@@ -7711,7 +7634,7 @@
             </a:endParaRPr>
           </a:p>
           <a:p>
-            <a:pPr indent="-342900" lvl="0" marL="457200" rtl="0" algn="ctr">
+            <a:pPr marL="457200" lvl="0" indent="-342900" algn="ctr" rtl="0">
               <a:spcBef>
                 <a:spcPts val="0"/>
               </a:spcBef>
@@ -7749,18 +7672,19 @@
 </file>
 
 <file path=ppt/slides/slide12.xml><?xml version="1.0" encoding="utf-8"?>
-<p:sld xmlns:a="http://schemas.openxmlformats.org/drawingml/2006/main" xmlns:r="http://schemas.openxmlformats.org/officeDocument/2006/relationships" xmlns:mc="http://schemas.openxmlformats.org/markup-compatibility/2006" xmlns:mv="urn:schemas-microsoft-com:mac:vml" xmlns:p="http://schemas.openxmlformats.org/presentationml/2006/main" xmlns:c="http://schemas.openxmlformats.org/drawingml/2006/chart" xmlns:dgm="http://schemas.openxmlformats.org/drawingml/2006/diagram" xmlns:o="urn:schemas-microsoft-com:office:office" xmlns:v="urn:schemas-microsoft-com:vml" xmlns:pvml="urn:schemas-microsoft-com:office:powerpoint" xmlns:com="http://schemas.openxmlformats.org/drawingml/2006/compatibility" xmlns:p14="http://schemas.microsoft.com/office/powerpoint/2010/main" xmlns:p15="http://schemas.microsoft.com/office/powerpoint/2012/main" xmlns:ahyp="http://schemas.microsoft.com/office/drawing/2018/hyperlinkcolor">
+<p:sld xmlns:a="http://schemas.openxmlformats.org/drawingml/2006/main" xmlns:r="http://schemas.openxmlformats.org/officeDocument/2006/relationships" xmlns:p="http://schemas.openxmlformats.org/presentationml/2006/main">
   <p:cSld>
     <p:bg>
       <p:bgPr>
         <a:solidFill>
           <a:srgbClr val="434343"/>
         </a:solidFill>
+        <a:effectLst/>
       </p:bgPr>
     </p:bg>
     <p:spTree>
       <p:nvGrpSpPr>
-        <p:cNvPr id="127" name="Shape 127"/>
+        <p:cNvPr id="1" name="Shape 127"/>
         <p:cNvGrpSpPr/>
         <p:nvPr/>
       </p:nvGrpSpPr>
@@ -7775,7 +7699,9 @@
       <p:sp>
         <p:nvSpPr>
           <p:cNvPr id="128" name="Google Shape;128;p24"/>
-          <p:cNvSpPr txBox="1"/>
+          <p:cNvSpPr txBox="1">
+            <a:spLocks noGrp="1"/>
+          </p:cNvSpPr>
           <p:nvPr>
             <p:ph type="title"/>
           </p:nvPr>
@@ -7790,12 +7716,12 @@
           </a:prstGeom>
         </p:spPr>
         <p:txBody>
-          <a:bodyPr anchorCtr="0" anchor="ctr" bIns="91425" lIns="91425" spcFirstLastPara="1" rIns="91425" wrap="square" tIns="91425">
+          <a:bodyPr spcFirstLastPara="1" wrap="square" lIns="91425" tIns="91425" rIns="91425" bIns="91425" anchor="ctr" anchorCtr="0">
             <a:noAutofit/>
           </a:bodyPr>
           <a:lstStyle/>
           <a:p>
-            <a:pPr indent="0" lvl="0" marL="0" rtl="0" algn="l">
+            <a:pPr marL="0" lvl="0" indent="0" algn="l" rtl="0">
               <a:spcBef>
                 <a:spcPts val="0"/>
               </a:spcBef>
@@ -7805,21 +7731,21 @@
               <a:buNone/>
             </a:pPr>
             <a:r>
-              <a:rPr b="1" lang="es" sz="4200">
+              <a:rPr lang="es" sz="4200" b="1">
                 <a:solidFill>
                   <a:schemeClr val="dk1"/>
                 </a:solidFill>
               </a:rPr>
               <a:t>Thanks.</a:t>
             </a:r>
-            <a:endParaRPr b="1" sz="4200">
+            <a:endParaRPr sz="4200" b="1">
               <a:solidFill>
                 <a:schemeClr val="dk1"/>
               </a:solidFill>
             </a:endParaRPr>
           </a:p>
           <a:p>
-            <a:pPr indent="0" lvl="0" marL="0" rtl="0" algn="l">
+            <a:pPr marL="0" lvl="0" indent="0" algn="l" rtl="0">
               <a:spcBef>
                 <a:spcPts val="0"/>
               </a:spcBef>
@@ -7828,17 +7754,14 @@
               </a:spcAft>
               <a:buNone/>
             </a:pPr>
-            <a:r>
-              <a:t/>
-            </a:r>
-            <a:endParaRPr b="1" sz="4200">
+            <a:endParaRPr sz="4200" b="1">
               <a:solidFill>
                 <a:schemeClr val="dk1"/>
               </a:solidFill>
             </a:endParaRPr>
           </a:p>
           <a:p>
-            <a:pPr indent="0" lvl="0" marL="0" rtl="0" algn="l">
+            <a:pPr marL="0" lvl="0" indent="0" algn="l" rtl="0">
               <a:spcBef>
                 <a:spcPts val="0"/>
               </a:spcBef>
@@ -7848,14 +7771,14 @@
               <a:buNone/>
             </a:pPr>
             <a:r>
-              <a:rPr b="1" lang="es" sz="2000">
+              <a:rPr lang="es" sz="2000" b="1">
                 <a:solidFill>
                   <a:schemeClr val="dk1"/>
                 </a:solidFill>
               </a:rPr>
               <a:t>Contact info:</a:t>
             </a:r>
-            <a:endParaRPr b="1" sz="2000">
+            <a:endParaRPr sz="2000" b="1">
               <a:solidFill>
                 <a:schemeClr val="dk1"/>
               </a:solidFill>
@@ -7956,11 +7879,11 @@
 </file>
 
 <file path=ppt/slides/slide2.xml><?xml version="1.0" encoding="utf-8"?>
-<p:sld xmlns:a="http://schemas.openxmlformats.org/drawingml/2006/main" xmlns:r="http://schemas.openxmlformats.org/officeDocument/2006/relationships" xmlns:mc="http://schemas.openxmlformats.org/markup-compatibility/2006" xmlns:mv="urn:schemas-microsoft-com:mac:vml" xmlns:p="http://schemas.openxmlformats.org/presentationml/2006/main" xmlns:c="http://schemas.openxmlformats.org/drawingml/2006/chart" xmlns:dgm="http://schemas.openxmlformats.org/drawingml/2006/diagram" xmlns:o="urn:schemas-microsoft-com:office:office" xmlns:v="urn:schemas-microsoft-com:vml" xmlns:pvml="urn:schemas-microsoft-com:office:powerpoint" xmlns:com="http://schemas.openxmlformats.org/drawingml/2006/compatibility" xmlns:p14="http://schemas.microsoft.com/office/powerpoint/2010/main" xmlns:p15="http://schemas.microsoft.com/office/powerpoint/2012/main" xmlns:ahyp="http://schemas.microsoft.com/office/drawing/2018/hyperlinkcolor">
+<p:sld xmlns:a="http://schemas.openxmlformats.org/drawingml/2006/main" xmlns:r="http://schemas.openxmlformats.org/officeDocument/2006/relationships" xmlns:p="http://schemas.openxmlformats.org/presentationml/2006/main">
   <p:cSld>
     <p:spTree>
       <p:nvGrpSpPr>
-        <p:cNvPr id="64" name="Shape 64"/>
+        <p:cNvPr id="1" name="Shape 64"/>
         <p:cNvGrpSpPr/>
         <p:nvPr/>
       </p:nvGrpSpPr>
@@ -7975,7 +7898,9 @@
       <p:sp>
         <p:nvSpPr>
           <p:cNvPr id="65" name="Google Shape;65;p14"/>
-          <p:cNvSpPr txBox="1"/>
+          <p:cNvSpPr txBox="1">
+            <a:spLocks noGrp="1"/>
+          </p:cNvSpPr>
           <p:nvPr>
             <p:ph type="title"/>
           </p:nvPr>
@@ -7990,12 +7915,12 @@
           </a:prstGeom>
         </p:spPr>
         <p:txBody>
-          <a:bodyPr anchorCtr="0" anchor="t" bIns="91425" lIns="91425" spcFirstLastPara="1" rIns="91425" wrap="square" tIns="91425">
+          <a:bodyPr spcFirstLastPara="1" wrap="square" lIns="91425" tIns="91425" rIns="91425" bIns="91425" anchor="t" anchorCtr="0">
             <a:noAutofit/>
           </a:bodyPr>
           <a:lstStyle/>
           <a:p>
-            <a:pPr indent="0" lvl="0" marL="0" rtl="0" algn="l">
+            <a:pPr marL="0" lvl="0" indent="0" algn="l" rtl="0">
               <a:spcBef>
                 <a:spcPts val="0"/>
               </a:spcBef>
@@ -8015,9 +7940,11 @@
       <p:sp>
         <p:nvSpPr>
           <p:cNvPr id="66" name="Google Shape;66;p14"/>
-          <p:cNvSpPr txBox="1"/>
+          <p:cNvSpPr txBox="1">
+            <a:spLocks noGrp="1"/>
+          </p:cNvSpPr>
           <p:nvPr>
-            <p:ph idx="1" type="body"/>
+            <p:ph type="body" idx="1"/>
           </p:nvPr>
         </p:nvSpPr>
         <p:spPr>
@@ -8030,12 +7957,12 @@
           </a:prstGeom>
         </p:spPr>
         <p:txBody>
-          <a:bodyPr anchorCtr="0" anchor="t" bIns="91425" lIns="91425" spcFirstLastPara="1" rIns="91425" wrap="square" tIns="91425">
+          <a:bodyPr spcFirstLastPara="1" wrap="square" lIns="91425" tIns="91425" rIns="91425" bIns="91425" anchor="t" anchorCtr="0">
             <a:noAutofit/>
           </a:bodyPr>
           <a:lstStyle/>
           <a:p>
-            <a:pPr indent="0" lvl="0" marL="0" rtl="0" algn="l">
+            <a:pPr marL="0" lvl="0" indent="0" algn="l" rtl="0">
               <a:spcBef>
                 <a:spcPts val="0"/>
               </a:spcBef>
@@ -8051,7 +7978,7 @@
             <a:endParaRPr/>
           </a:p>
           <a:p>
-            <a:pPr indent="0" lvl="0" marL="0" rtl="0" algn="l">
+            <a:pPr marL="0" lvl="0" indent="0" algn="l" rtl="0">
               <a:spcBef>
                 <a:spcPts val="1600"/>
               </a:spcBef>
@@ -8067,7 +7994,7 @@
             <a:endParaRPr/>
           </a:p>
           <a:p>
-            <a:pPr indent="0" lvl="0" marL="0" rtl="0" algn="l">
+            <a:pPr marL="0" lvl="0" indent="0" algn="l" rtl="0">
               <a:spcBef>
                 <a:spcPts val="1600"/>
               </a:spcBef>
@@ -8076,9 +8003,6 @@
               </a:spcAft>
               <a:buNone/>
             </a:pPr>
-            <a:r>
-              <a:t/>
-            </a:r>
             <a:endParaRPr/>
           </a:p>
         </p:txBody>
@@ -8092,18 +8016,19 @@
 </file>
 
 <file path=ppt/slides/slide3.xml><?xml version="1.0" encoding="utf-8"?>
-<p:sld xmlns:a="http://schemas.openxmlformats.org/drawingml/2006/main" xmlns:r="http://schemas.openxmlformats.org/officeDocument/2006/relationships" xmlns:mc="http://schemas.openxmlformats.org/markup-compatibility/2006" xmlns:mv="urn:schemas-microsoft-com:mac:vml" xmlns:p="http://schemas.openxmlformats.org/presentationml/2006/main" xmlns:c="http://schemas.openxmlformats.org/drawingml/2006/chart" xmlns:dgm="http://schemas.openxmlformats.org/drawingml/2006/diagram" xmlns:o="urn:schemas-microsoft-com:office:office" xmlns:v="urn:schemas-microsoft-com:vml" xmlns:pvml="urn:schemas-microsoft-com:office:powerpoint" xmlns:com="http://schemas.openxmlformats.org/drawingml/2006/compatibility" xmlns:p14="http://schemas.microsoft.com/office/powerpoint/2010/main" xmlns:p15="http://schemas.microsoft.com/office/powerpoint/2012/main" xmlns:ahyp="http://schemas.microsoft.com/office/drawing/2018/hyperlinkcolor">
+<p:sld xmlns:a="http://schemas.openxmlformats.org/drawingml/2006/main" xmlns:r="http://schemas.openxmlformats.org/officeDocument/2006/relationships" xmlns:p="http://schemas.openxmlformats.org/presentationml/2006/main">
   <p:cSld>
     <p:bg>
       <p:bgPr>
         <a:solidFill>
           <a:srgbClr val="434343"/>
         </a:solidFill>
+        <a:effectLst/>
       </p:bgPr>
     </p:bg>
     <p:spTree>
       <p:nvGrpSpPr>
-        <p:cNvPr id="70" name="Shape 70"/>
+        <p:cNvPr id="1" name="Shape 70"/>
         <p:cNvGrpSpPr/>
         <p:nvPr/>
       </p:nvGrpSpPr>
@@ -8118,7 +8043,9 @@
       <p:sp>
         <p:nvSpPr>
           <p:cNvPr id="71" name="Google Shape;71;p15"/>
-          <p:cNvSpPr txBox="1"/>
+          <p:cNvSpPr txBox="1">
+            <a:spLocks noGrp="1"/>
+          </p:cNvSpPr>
           <p:nvPr>
             <p:ph type="title"/>
           </p:nvPr>
@@ -8133,12 +8060,12 @@
           </a:prstGeom>
         </p:spPr>
         <p:txBody>
-          <a:bodyPr anchorCtr="0" anchor="ctr" bIns="91425" lIns="91425" spcFirstLastPara="1" rIns="91425" wrap="square" tIns="91425">
+          <a:bodyPr spcFirstLastPara="1" wrap="square" lIns="91425" tIns="91425" rIns="91425" bIns="91425" anchor="ctr" anchorCtr="0">
             <a:noAutofit/>
           </a:bodyPr>
           <a:lstStyle/>
           <a:p>
-            <a:pPr indent="0" lvl="0" marL="0" rtl="0" algn="l">
+            <a:pPr marL="0" lvl="0" indent="0" algn="l" rtl="0">
               <a:spcBef>
                 <a:spcPts val="0"/>
               </a:spcBef>
@@ -8148,21 +8075,21 @@
               <a:buNone/>
             </a:pPr>
             <a:r>
-              <a:rPr b="1" lang="es" sz="4200">
+              <a:rPr lang="es" sz="4200" b="1">
                 <a:solidFill>
                   <a:schemeClr val="dk1"/>
                 </a:solidFill>
               </a:rPr>
               <a:t>Project objective: </a:t>
             </a:r>
-            <a:endParaRPr b="1" sz="4200">
+            <a:endParaRPr sz="4200" b="1">
               <a:solidFill>
                 <a:schemeClr val="dk1"/>
               </a:solidFill>
             </a:endParaRPr>
           </a:p>
           <a:p>
-            <a:pPr indent="0" lvl="0" marL="0" rtl="0" algn="l">
+            <a:pPr marL="0" lvl="0" indent="0" algn="l" rtl="0">
               <a:spcBef>
                 <a:spcPts val="0"/>
               </a:spcBef>
@@ -8196,11 +8123,11 @@
 </file>
 
 <file path=ppt/slides/slide4.xml><?xml version="1.0" encoding="utf-8"?>
-<p:sld xmlns:a="http://schemas.openxmlformats.org/drawingml/2006/main" xmlns:r="http://schemas.openxmlformats.org/officeDocument/2006/relationships" xmlns:mc="http://schemas.openxmlformats.org/markup-compatibility/2006" xmlns:mv="urn:schemas-microsoft-com:mac:vml" xmlns:p="http://schemas.openxmlformats.org/presentationml/2006/main" xmlns:c="http://schemas.openxmlformats.org/drawingml/2006/chart" xmlns:dgm="http://schemas.openxmlformats.org/drawingml/2006/diagram" xmlns:o="urn:schemas-microsoft-com:office:office" xmlns:v="urn:schemas-microsoft-com:vml" xmlns:pvml="urn:schemas-microsoft-com:office:powerpoint" xmlns:com="http://schemas.openxmlformats.org/drawingml/2006/compatibility" xmlns:p14="http://schemas.microsoft.com/office/powerpoint/2010/main" xmlns:p15="http://schemas.microsoft.com/office/powerpoint/2012/main" xmlns:ahyp="http://schemas.microsoft.com/office/drawing/2018/hyperlinkcolor">
+<p:sld xmlns:a="http://schemas.openxmlformats.org/drawingml/2006/main" xmlns:r="http://schemas.openxmlformats.org/officeDocument/2006/relationships" xmlns:p="http://schemas.openxmlformats.org/presentationml/2006/main">
   <p:cSld>
     <p:spTree>
       <p:nvGrpSpPr>
-        <p:cNvPr id="75" name="Shape 75"/>
+        <p:cNvPr id="1" name="Shape 75"/>
         <p:cNvGrpSpPr/>
         <p:nvPr/>
       </p:nvGrpSpPr>
@@ -8243,9 +8170,11 @@
       <p:sp>
         <p:nvSpPr>
           <p:cNvPr id="77" name="Google Shape;77;p16"/>
-          <p:cNvSpPr txBox="1"/>
+          <p:cNvSpPr txBox="1">
+            <a:spLocks noGrp="1"/>
+          </p:cNvSpPr>
           <p:nvPr>
-            <p:ph idx="1" type="body"/>
+            <p:ph type="body" idx="1"/>
           </p:nvPr>
         </p:nvSpPr>
         <p:spPr>
@@ -8258,12 +8187,12 @@
           </a:prstGeom>
         </p:spPr>
         <p:txBody>
-          <a:bodyPr anchorCtr="0" anchor="ctr" bIns="91425" lIns="91425" spcFirstLastPara="1" rIns="91425" wrap="square" tIns="91425">
+          <a:bodyPr spcFirstLastPara="1" wrap="square" lIns="91425" tIns="91425" rIns="91425" bIns="91425" anchor="ctr" anchorCtr="0">
             <a:noAutofit/>
           </a:bodyPr>
           <a:lstStyle/>
           <a:p>
-            <a:pPr indent="0" lvl="0" marL="0" rtl="0" algn="l">
+            <a:pPr marL="0" lvl="0" indent="0" algn="l" rtl="0">
               <a:spcBef>
                 <a:spcPts val="0"/>
               </a:spcBef>
@@ -8297,11 +8226,11 @@
 </file>
 
 <file path=ppt/slides/slide5.xml><?xml version="1.0" encoding="utf-8"?>
-<p:sld xmlns:a="http://schemas.openxmlformats.org/drawingml/2006/main" xmlns:r="http://schemas.openxmlformats.org/officeDocument/2006/relationships" xmlns:mc="http://schemas.openxmlformats.org/markup-compatibility/2006" xmlns:mv="urn:schemas-microsoft-com:mac:vml" xmlns:p="http://schemas.openxmlformats.org/presentationml/2006/main" xmlns:c="http://schemas.openxmlformats.org/drawingml/2006/chart" xmlns:dgm="http://schemas.openxmlformats.org/drawingml/2006/diagram" xmlns:o="urn:schemas-microsoft-com:office:office" xmlns:v="urn:schemas-microsoft-com:vml" xmlns:pvml="urn:schemas-microsoft-com:office:powerpoint" xmlns:com="http://schemas.openxmlformats.org/drawingml/2006/compatibility" xmlns:p14="http://schemas.microsoft.com/office/powerpoint/2010/main" xmlns:p15="http://schemas.microsoft.com/office/powerpoint/2012/main" xmlns:ahyp="http://schemas.microsoft.com/office/drawing/2018/hyperlinkcolor">
+<p:sld xmlns:a="http://schemas.openxmlformats.org/drawingml/2006/main" xmlns:r="http://schemas.openxmlformats.org/officeDocument/2006/relationships" xmlns:p="http://schemas.openxmlformats.org/presentationml/2006/main">
   <p:cSld>
     <p:spTree>
       <p:nvGrpSpPr>
-        <p:cNvPr id="81" name="Shape 81"/>
+        <p:cNvPr id="1" name="Shape 81"/>
         <p:cNvGrpSpPr/>
         <p:nvPr/>
       </p:nvGrpSpPr>
@@ -8316,9 +8245,11 @@
       <p:sp>
         <p:nvSpPr>
           <p:cNvPr id="82" name="Google Shape;82;p17"/>
-          <p:cNvSpPr txBox="1"/>
+          <p:cNvSpPr txBox="1">
+            <a:spLocks noGrp="1"/>
+          </p:cNvSpPr>
           <p:nvPr>
-            <p:ph idx="1" type="body"/>
+            <p:ph type="body" idx="1"/>
           </p:nvPr>
         </p:nvSpPr>
         <p:spPr>
@@ -8331,12 +8262,12 @@
           </a:prstGeom>
         </p:spPr>
         <p:txBody>
-          <a:bodyPr anchorCtr="0" anchor="ctr" bIns="91425" lIns="91425" spcFirstLastPara="1" rIns="91425" wrap="square" tIns="91425">
+          <a:bodyPr spcFirstLastPara="1" wrap="square" lIns="91425" tIns="91425" rIns="91425" bIns="91425" anchor="ctr" anchorCtr="0">
             <a:noAutofit/>
           </a:bodyPr>
           <a:lstStyle/>
           <a:p>
-            <a:pPr indent="0" lvl="0" marL="0" rtl="0" algn="l">
+            <a:pPr marL="0" lvl="0" indent="0" algn="l" rtl="0">
               <a:spcBef>
                 <a:spcPts val="0"/>
               </a:spcBef>
@@ -8399,7 +8330,7 @@
           <a:blip r:embed="rId4">
             <a:alphaModFix/>
           </a:blip>
-          <a:srcRect b="0" l="0" r="52451" t="38091"/>
+          <a:srcRect t="38091" r="52451"/>
           <a:stretch/>
         </p:blipFill>
         <p:spPr>
@@ -8425,11 +8356,11 @@
 </file>
 
 <file path=ppt/slides/slide6.xml><?xml version="1.0" encoding="utf-8"?>
-<p:sld xmlns:a="http://schemas.openxmlformats.org/drawingml/2006/main" xmlns:r="http://schemas.openxmlformats.org/officeDocument/2006/relationships" xmlns:mc="http://schemas.openxmlformats.org/markup-compatibility/2006" xmlns:mv="urn:schemas-microsoft-com:mac:vml" xmlns:p="http://schemas.openxmlformats.org/presentationml/2006/main" xmlns:c="http://schemas.openxmlformats.org/drawingml/2006/chart" xmlns:dgm="http://schemas.openxmlformats.org/drawingml/2006/diagram" xmlns:o="urn:schemas-microsoft-com:office:office" xmlns:v="urn:schemas-microsoft-com:vml" xmlns:pvml="urn:schemas-microsoft-com:office:powerpoint" xmlns:com="http://schemas.openxmlformats.org/drawingml/2006/compatibility" xmlns:p14="http://schemas.microsoft.com/office/powerpoint/2010/main" xmlns:p15="http://schemas.microsoft.com/office/powerpoint/2012/main" xmlns:ahyp="http://schemas.microsoft.com/office/drawing/2018/hyperlinkcolor">
+<p:sld xmlns:a="http://schemas.openxmlformats.org/drawingml/2006/main" xmlns:r="http://schemas.openxmlformats.org/officeDocument/2006/relationships" xmlns:p="http://schemas.openxmlformats.org/presentationml/2006/main">
   <p:cSld>
     <p:spTree>
       <p:nvGrpSpPr>
-        <p:cNvPr id="88" name="Shape 88"/>
+        <p:cNvPr id="1" name="Shape 88"/>
         <p:cNvGrpSpPr/>
         <p:nvPr/>
       </p:nvGrpSpPr>
@@ -8479,7 +8410,7 @@
           <a:blip r:embed="rId4">
             <a:alphaModFix/>
           </a:blip>
-          <a:srcRect b="0" l="0" r="52451" t="38091"/>
+          <a:srcRect t="38091" r="52451"/>
           <a:stretch/>
         </p:blipFill>
         <p:spPr>
@@ -8499,9 +8430,11 @@
       <p:sp>
         <p:nvSpPr>
           <p:cNvPr id="91" name="Google Shape;91;p18"/>
-          <p:cNvSpPr txBox="1"/>
+          <p:cNvSpPr txBox="1">
+            <a:spLocks noGrp="1"/>
+          </p:cNvSpPr>
           <p:nvPr>
-            <p:ph idx="1" type="body"/>
+            <p:ph type="body" idx="1"/>
           </p:nvPr>
         </p:nvSpPr>
         <p:spPr>
@@ -8514,12 +8447,12 @@
           </a:prstGeom>
         </p:spPr>
         <p:txBody>
-          <a:bodyPr anchorCtr="0" anchor="ctr" bIns="91425" lIns="91425" spcFirstLastPara="1" rIns="91425" wrap="square" tIns="91425">
+          <a:bodyPr spcFirstLastPara="1" wrap="square" lIns="91425" tIns="91425" rIns="91425" bIns="91425" anchor="ctr" anchorCtr="0">
             <a:noAutofit/>
           </a:bodyPr>
           <a:lstStyle/>
           <a:p>
-            <a:pPr indent="0" lvl="0" marL="0" rtl="0" algn="l">
+            <a:pPr marL="0" lvl="0" indent="0" algn="l" rtl="0">
               <a:spcBef>
                 <a:spcPts val="0"/>
               </a:spcBef>
@@ -8553,11 +8486,11 @@
 </file>
 
 <file path=ppt/slides/slide7.xml><?xml version="1.0" encoding="utf-8"?>
-<p:sld xmlns:a="http://schemas.openxmlformats.org/drawingml/2006/main" xmlns:r="http://schemas.openxmlformats.org/officeDocument/2006/relationships" xmlns:mc="http://schemas.openxmlformats.org/markup-compatibility/2006" xmlns:mv="urn:schemas-microsoft-com:mac:vml" xmlns:p="http://schemas.openxmlformats.org/presentationml/2006/main" xmlns:c="http://schemas.openxmlformats.org/drawingml/2006/chart" xmlns:dgm="http://schemas.openxmlformats.org/drawingml/2006/diagram" xmlns:o="urn:schemas-microsoft-com:office:office" xmlns:v="urn:schemas-microsoft-com:vml" xmlns:pvml="urn:schemas-microsoft-com:office:powerpoint" xmlns:com="http://schemas.openxmlformats.org/drawingml/2006/compatibility" xmlns:p14="http://schemas.microsoft.com/office/powerpoint/2010/main" xmlns:p15="http://schemas.microsoft.com/office/powerpoint/2012/main" xmlns:ahyp="http://schemas.microsoft.com/office/drawing/2018/hyperlinkcolor">
+<p:sld xmlns:a="http://schemas.openxmlformats.org/drawingml/2006/main" xmlns:r="http://schemas.openxmlformats.org/officeDocument/2006/relationships" xmlns:p="http://schemas.openxmlformats.org/presentationml/2006/main">
   <p:cSld>
     <p:spTree>
       <p:nvGrpSpPr>
-        <p:cNvPr id="95" name="Shape 95"/>
+        <p:cNvPr id="1" name="Shape 95"/>
         <p:cNvGrpSpPr/>
         <p:nvPr/>
       </p:nvGrpSpPr>
@@ -8572,9 +8505,11 @@
       <p:sp>
         <p:nvSpPr>
           <p:cNvPr id="96" name="Google Shape;96;p19"/>
-          <p:cNvSpPr txBox="1"/>
+          <p:cNvSpPr txBox="1">
+            <a:spLocks noGrp="1"/>
+          </p:cNvSpPr>
           <p:nvPr>
-            <p:ph idx="1" type="body"/>
+            <p:ph type="body" idx="1"/>
           </p:nvPr>
         </p:nvSpPr>
         <p:spPr>
@@ -8587,12 +8522,12 @@
           </a:prstGeom>
         </p:spPr>
         <p:txBody>
-          <a:bodyPr anchorCtr="0" anchor="ctr" bIns="91425" lIns="91425" spcFirstLastPara="1" rIns="91425" wrap="square" tIns="91425">
+          <a:bodyPr spcFirstLastPara="1" wrap="square" lIns="91425" tIns="91425" rIns="91425" bIns="91425" anchor="ctr" anchorCtr="0">
             <a:noAutofit/>
           </a:bodyPr>
           <a:lstStyle/>
           <a:p>
-            <a:pPr indent="0" lvl="0" marL="0" rtl="0" algn="l">
+            <a:pPr marL="0" lvl="0" indent="0" algn="l" rtl="0">
               <a:spcBef>
                 <a:spcPts val="0"/>
               </a:spcBef>
@@ -8655,7 +8590,7 @@
           <a:blip r:embed="rId4">
             <a:alphaModFix/>
           </a:blip>
-          <a:srcRect b="0" l="0" r="52451" t="38091"/>
+          <a:srcRect t="38091" r="52451"/>
           <a:stretch/>
         </p:blipFill>
         <p:spPr>
@@ -8681,11 +8616,11 @@
 </file>
 
 <file path=ppt/slides/slide8.xml><?xml version="1.0" encoding="utf-8"?>
-<p:sld xmlns:a="http://schemas.openxmlformats.org/drawingml/2006/main" xmlns:r="http://schemas.openxmlformats.org/officeDocument/2006/relationships" xmlns:mc="http://schemas.openxmlformats.org/markup-compatibility/2006" xmlns:mv="urn:schemas-microsoft-com:mac:vml" xmlns:p="http://schemas.openxmlformats.org/presentationml/2006/main" xmlns:c="http://schemas.openxmlformats.org/drawingml/2006/chart" xmlns:dgm="http://schemas.openxmlformats.org/drawingml/2006/diagram" xmlns:o="urn:schemas-microsoft-com:office:office" xmlns:v="urn:schemas-microsoft-com:vml" xmlns:pvml="urn:schemas-microsoft-com:office:powerpoint" xmlns:com="http://schemas.openxmlformats.org/drawingml/2006/compatibility" xmlns:p14="http://schemas.microsoft.com/office/powerpoint/2010/main" xmlns:p15="http://schemas.microsoft.com/office/powerpoint/2012/main" xmlns:ahyp="http://schemas.microsoft.com/office/drawing/2018/hyperlinkcolor">
+<p:sld xmlns:a="http://schemas.openxmlformats.org/drawingml/2006/main" xmlns:r="http://schemas.openxmlformats.org/officeDocument/2006/relationships" xmlns:p="http://schemas.openxmlformats.org/presentationml/2006/main">
   <p:cSld>
     <p:spTree>
       <p:nvGrpSpPr>
-        <p:cNvPr id="102" name="Shape 102"/>
+        <p:cNvPr id="1" name="Shape 102"/>
         <p:cNvGrpSpPr/>
         <p:nvPr/>
       </p:nvGrpSpPr>
@@ -8700,9 +8635,11 @@
       <p:sp>
         <p:nvSpPr>
           <p:cNvPr id="103" name="Google Shape;103;p20"/>
-          <p:cNvSpPr txBox="1"/>
+          <p:cNvSpPr txBox="1">
+            <a:spLocks noGrp="1"/>
+          </p:cNvSpPr>
           <p:nvPr>
-            <p:ph idx="1" type="body"/>
+            <p:ph type="body" idx="1"/>
           </p:nvPr>
         </p:nvSpPr>
         <p:spPr>
@@ -8715,12 +8652,12 @@
           </a:prstGeom>
         </p:spPr>
         <p:txBody>
-          <a:bodyPr anchorCtr="0" anchor="ctr" bIns="91425" lIns="91425" spcFirstLastPara="1" rIns="91425" wrap="square" tIns="91425">
+          <a:bodyPr spcFirstLastPara="1" wrap="square" lIns="91425" tIns="91425" rIns="91425" bIns="91425" anchor="ctr" anchorCtr="0">
             <a:noAutofit/>
           </a:bodyPr>
           <a:lstStyle/>
           <a:p>
-            <a:pPr indent="0" lvl="0" marL="0" rtl="0" algn="l">
+            <a:pPr marL="0" lvl="0" indent="0" algn="l" rtl="0">
               <a:spcBef>
                 <a:spcPts val="0"/>
               </a:spcBef>
@@ -8783,7 +8720,7 @@
           <a:blip r:embed="rId4">
             <a:alphaModFix/>
           </a:blip>
-          <a:srcRect b="0" l="0" r="52451" t="38091"/>
+          <a:srcRect t="38091" r="52451"/>
           <a:stretch/>
         </p:blipFill>
         <p:spPr>
@@ -8809,11 +8746,11 @@
 </file>
 
 <file path=ppt/slides/slide9.xml><?xml version="1.0" encoding="utf-8"?>
-<p:sld xmlns:a="http://schemas.openxmlformats.org/drawingml/2006/main" xmlns:r="http://schemas.openxmlformats.org/officeDocument/2006/relationships" xmlns:mc="http://schemas.openxmlformats.org/markup-compatibility/2006" xmlns:mv="urn:schemas-microsoft-com:mac:vml" xmlns:p="http://schemas.openxmlformats.org/presentationml/2006/main" xmlns:c="http://schemas.openxmlformats.org/drawingml/2006/chart" xmlns:dgm="http://schemas.openxmlformats.org/drawingml/2006/diagram" xmlns:o="urn:schemas-microsoft-com:office:office" xmlns:v="urn:schemas-microsoft-com:vml" xmlns:pvml="urn:schemas-microsoft-com:office:powerpoint" xmlns:com="http://schemas.openxmlformats.org/drawingml/2006/compatibility" xmlns:p14="http://schemas.microsoft.com/office/powerpoint/2010/main" xmlns:p15="http://schemas.microsoft.com/office/powerpoint/2012/main" xmlns:ahyp="http://schemas.microsoft.com/office/drawing/2018/hyperlinkcolor">
+<p:sld xmlns:a="http://schemas.openxmlformats.org/drawingml/2006/main" xmlns:r="http://schemas.openxmlformats.org/officeDocument/2006/relationships" xmlns:p="http://schemas.openxmlformats.org/presentationml/2006/main">
   <p:cSld>
     <p:spTree>
       <p:nvGrpSpPr>
-        <p:cNvPr id="109" name="Shape 109"/>
+        <p:cNvPr id="1" name="Shape 109"/>
         <p:cNvGrpSpPr/>
         <p:nvPr/>
       </p:nvGrpSpPr>
@@ -8828,9 +8765,11 @@
       <p:sp>
         <p:nvSpPr>
           <p:cNvPr id="110" name="Google Shape;110;p21"/>
-          <p:cNvSpPr txBox="1"/>
+          <p:cNvSpPr txBox="1">
+            <a:spLocks noGrp="1"/>
+          </p:cNvSpPr>
           <p:nvPr>
-            <p:ph idx="1" type="body"/>
+            <p:ph type="body" idx="1"/>
           </p:nvPr>
         </p:nvSpPr>
         <p:spPr>
@@ -8843,12 +8782,12 @@
           </a:prstGeom>
         </p:spPr>
         <p:txBody>
-          <a:bodyPr anchorCtr="0" anchor="ctr" bIns="91425" lIns="91425" spcFirstLastPara="1" rIns="91425" wrap="square" tIns="91425">
+          <a:bodyPr spcFirstLastPara="1" wrap="square" lIns="91425" tIns="91425" rIns="91425" bIns="91425" anchor="ctr" anchorCtr="0">
             <a:noAutofit/>
           </a:bodyPr>
           <a:lstStyle/>
           <a:p>
-            <a:pPr indent="0" lvl="0" marL="0" rtl="0" algn="l">
+            <a:pPr marL="0" lvl="0" indent="0" algn="l" rtl="0">
               <a:spcBef>
                 <a:spcPts val="0"/>
               </a:spcBef>
@@ -8911,7 +8850,7 @@
           <a:blip r:embed="rId4">
             <a:alphaModFix/>
           </a:blip>
-          <a:srcRect b="0" l="0" r="52451" t="38091"/>
+          <a:srcRect t="38091" r="52451"/>
           <a:stretch/>
         </p:blipFill>
         <p:spPr>
@@ -8937,7 +8876,7 @@
 </file>
 
 <file path=ppt/theme/theme1.xml><?xml version="1.0" encoding="utf-8"?>
-<a:theme xmlns:a="http://schemas.openxmlformats.org/drawingml/2006/main" xmlns:r="http://schemas.openxmlformats.org/officeDocument/2006/relationships" name="Slate">
+<a:theme xmlns:a="http://schemas.openxmlformats.org/drawingml/2006/main" name="Slate">
   <a:themeElements>
     <a:clrScheme name="Slate">
       <a:dk1>
@@ -9212,11 +9151,13 @@
       </a:bgFillStyleLst>
     </a:fmtScheme>
   </a:themeElements>
+  <a:objectDefaults/>
+  <a:extraClrSchemeLst/>
 </a:theme>
 </file>
 
 <file path=ppt/theme/theme2.xml><?xml version="1.0" encoding="utf-8"?>
-<a:theme xmlns:a="http://schemas.openxmlformats.org/drawingml/2006/main" xmlns:r="http://schemas.openxmlformats.org/officeDocument/2006/relationships">
+<a:theme xmlns:a="http://schemas.openxmlformats.org/drawingml/2006/main">
   <a:themeElements>
     <a:clrScheme name="Default">
       <a:dk1>
@@ -9491,5 +9432,7 @@
       </a:bgFillStyleLst>
     </a:fmtScheme>
   </a:themeElements>
+  <a:objectDefaults/>
+  <a:extraClrSchemeLst/>
 </a:theme>
 </file>